--- a/3 线性神经网络-陈博/简单线性回归.pptx
+++ b/3 线性神经网络-陈博/简单线性回归.pptx
@@ -4,6 +4,9 @@
   <p:sldMasterIdLst>
     <p:sldMasterId id="2147483648" r:id="rId1"/>
   </p:sldMasterIdLst>
+  <p:notesMasterIdLst>
+    <p:notesMasterId r:id="rId39"/>
+  </p:notesMasterIdLst>
   <p:sldIdLst>
     <p:sldId id="256" r:id="rId2"/>
     <p:sldId id="257" r:id="rId3"/>
@@ -33,6 +36,15 @@
     <p:sldId id="277" r:id="rId27"/>
     <p:sldId id="276" r:id="rId28"/>
     <p:sldId id="278" r:id="rId29"/>
+    <p:sldId id="286" r:id="rId30"/>
+    <p:sldId id="288" r:id="rId31"/>
+    <p:sldId id="289" r:id="rId32"/>
+    <p:sldId id="290" r:id="rId33"/>
+    <p:sldId id="292" r:id="rId34"/>
+    <p:sldId id="293" r:id="rId35"/>
+    <p:sldId id="295" r:id="rId36"/>
+    <p:sldId id="296" r:id="rId37"/>
+    <p:sldId id="294" r:id="rId38"/>
   </p:sldIdLst>
   <p:sldSz cx="12192000" cy="6858000"/>
   <p:notesSz cx="6858000" cy="9144000"/>
@@ -3427,6 +3439,1143 @@
 </cs:chartStyle>
 </file>
 
+<file path=ppt/notesMasters/notesMaster1.xml><?xml version="1.0" encoding="utf-8"?>
+<p:notesMaster xmlns:a="http://schemas.openxmlformats.org/drawingml/2006/main" xmlns:r="http://schemas.openxmlformats.org/officeDocument/2006/relationships" xmlns:p="http://schemas.openxmlformats.org/presentationml/2006/main">
+  <p:cSld>
+    <p:bg>
+      <p:bgRef idx="1001">
+        <a:schemeClr val="bg1"/>
+      </p:bgRef>
+    </p:bg>
+    <p:spTree>
+      <p:nvGrpSpPr>
+        <p:cNvPr id="1" name=""/>
+        <p:cNvGrpSpPr/>
+        <p:nvPr/>
+      </p:nvGrpSpPr>
+      <p:grpSpPr>
+        <a:xfrm>
+          <a:off x="0" y="0"/>
+          <a:ext cx="0" cy="0"/>
+          <a:chOff x="0" y="0"/>
+          <a:chExt cx="0" cy="0"/>
+        </a:xfrm>
+      </p:grpSpPr>
+      <p:sp>
+        <p:nvSpPr>
+          <p:cNvPr id="2" name="页眉占位符 1"/>
+          <p:cNvSpPr>
+            <a:spLocks noGrp="1"/>
+          </p:cNvSpPr>
+          <p:nvPr>
+            <p:ph type="hdr" sz="quarter"/>
+          </p:nvPr>
+        </p:nvSpPr>
+        <p:spPr>
+          <a:xfrm>
+            <a:off x="0" y="0"/>
+            <a:ext cx="2971800" cy="458788"/>
+          </a:xfrm>
+          <a:prstGeom prst="rect">
+            <a:avLst/>
+          </a:prstGeom>
+        </p:spPr>
+        <p:txBody>
+          <a:bodyPr vert="horz" lIns="91440" tIns="45720" rIns="91440" bIns="45720" rtlCol="0"/>
+          <a:lstStyle>
+            <a:lvl1pPr algn="l">
+              <a:defRPr sz="1200"/>
+            </a:lvl1pPr>
+          </a:lstStyle>
+          <a:p>
+            <a:endParaRPr kumimoji="1" lang="zh-CN" altLang="en-US"/>
+          </a:p>
+        </p:txBody>
+      </p:sp>
+      <p:sp>
+        <p:nvSpPr>
+          <p:cNvPr id="3" name="日期占位符 2"/>
+          <p:cNvSpPr>
+            <a:spLocks noGrp="1"/>
+          </p:cNvSpPr>
+          <p:nvPr>
+            <p:ph type="dt" idx="1"/>
+          </p:nvPr>
+        </p:nvSpPr>
+        <p:spPr>
+          <a:xfrm>
+            <a:off x="3884613" y="0"/>
+            <a:ext cx="2971800" cy="458788"/>
+          </a:xfrm>
+          <a:prstGeom prst="rect">
+            <a:avLst/>
+          </a:prstGeom>
+        </p:spPr>
+        <p:txBody>
+          <a:bodyPr vert="horz" lIns="91440" tIns="45720" rIns="91440" bIns="45720" rtlCol="0"/>
+          <a:lstStyle>
+            <a:lvl1pPr algn="r">
+              <a:defRPr sz="1200"/>
+            </a:lvl1pPr>
+          </a:lstStyle>
+          <a:p>
+            <a:fld id="{4F9678D2-03C4-CE45-B692-30E50E2BFD7D}" type="datetimeFigureOut">
+              <a:rPr kumimoji="1" lang="zh-CN" altLang="en-US" smtClean="0"/>
+              <a:t>2022/7/6</a:t>
+            </a:fld>
+            <a:endParaRPr kumimoji="1" lang="zh-CN" altLang="en-US"/>
+          </a:p>
+        </p:txBody>
+      </p:sp>
+      <p:sp>
+        <p:nvSpPr>
+          <p:cNvPr id="4" name="幻灯片图像占位符 3"/>
+          <p:cNvSpPr>
+            <a:spLocks noGrp="1" noRot="1" noChangeAspect="1"/>
+          </p:cNvSpPr>
+          <p:nvPr>
+            <p:ph type="sldImg" idx="2"/>
+          </p:nvPr>
+        </p:nvSpPr>
+        <p:spPr>
+          <a:xfrm>
+            <a:off x="685800" y="1143000"/>
+            <a:ext cx="5486400" cy="3086100"/>
+          </a:xfrm>
+          <a:prstGeom prst="rect">
+            <a:avLst/>
+          </a:prstGeom>
+          <a:noFill/>
+          <a:ln w="12700">
+            <a:solidFill>
+              <a:prstClr val="black"/>
+            </a:solidFill>
+          </a:ln>
+        </p:spPr>
+        <p:txBody>
+          <a:bodyPr vert="horz" lIns="91440" tIns="45720" rIns="91440" bIns="45720" rtlCol="0" anchor="ctr"/>
+          <a:lstStyle/>
+          <a:p>
+            <a:endParaRPr lang="zh-CN" altLang="en-US"/>
+          </a:p>
+        </p:txBody>
+      </p:sp>
+      <p:sp>
+        <p:nvSpPr>
+          <p:cNvPr id="5" name="备注占位符 4"/>
+          <p:cNvSpPr>
+            <a:spLocks noGrp="1"/>
+          </p:cNvSpPr>
+          <p:nvPr>
+            <p:ph type="body" sz="quarter" idx="3"/>
+          </p:nvPr>
+        </p:nvSpPr>
+        <p:spPr>
+          <a:xfrm>
+            <a:off x="685800" y="4400550"/>
+            <a:ext cx="5486400" cy="3600450"/>
+          </a:xfrm>
+          <a:prstGeom prst="rect">
+            <a:avLst/>
+          </a:prstGeom>
+        </p:spPr>
+        <p:txBody>
+          <a:bodyPr vert="horz" lIns="91440" tIns="45720" rIns="91440" bIns="45720" rtlCol="0"/>
+          <a:lstStyle/>
+          <a:p>
+            <a:pPr lvl="0"/>
+            <a:r>
+              <a:rPr kumimoji="1" lang="zh-CN" altLang="en-US"/>
+              <a:t>单击此处编辑母版文本样式</a:t>
+            </a:r>
+          </a:p>
+          <a:p>
+            <a:pPr lvl="1"/>
+            <a:r>
+              <a:rPr kumimoji="1" lang="zh-CN" altLang="en-US"/>
+              <a:t>二级</a:t>
+            </a:r>
+          </a:p>
+          <a:p>
+            <a:pPr lvl="2"/>
+            <a:r>
+              <a:rPr kumimoji="1" lang="zh-CN" altLang="en-US"/>
+              <a:t>三级</a:t>
+            </a:r>
+          </a:p>
+          <a:p>
+            <a:pPr lvl="3"/>
+            <a:r>
+              <a:rPr kumimoji="1" lang="zh-CN" altLang="en-US"/>
+              <a:t>四级</a:t>
+            </a:r>
+          </a:p>
+          <a:p>
+            <a:pPr lvl="4"/>
+            <a:r>
+              <a:rPr kumimoji="1" lang="zh-CN" altLang="en-US"/>
+              <a:t>五级</a:t>
+            </a:r>
+          </a:p>
+        </p:txBody>
+      </p:sp>
+      <p:sp>
+        <p:nvSpPr>
+          <p:cNvPr id="6" name="页脚占位符 5"/>
+          <p:cNvSpPr>
+            <a:spLocks noGrp="1"/>
+          </p:cNvSpPr>
+          <p:nvPr>
+            <p:ph type="ftr" sz="quarter" idx="4"/>
+          </p:nvPr>
+        </p:nvSpPr>
+        <p:spPr>
+          <a:xfrm>
+            <a:off x="0" y="8685213"/>
+            <a:ext cx="2971800" cy="458787"/>
+          </a:xfrm>
+          <a:prstGeom prst="rect">
+            <a:avLst/>
+          </a:prstGeom>
+        </p:spPr>
+        <p:txBody>
+          <a:bodyPr vert="horz" lIns="91440" tIns="45720" rIns="91440" bIns="45720" rtlCol="0" anchor="b"/>
+          <a:lstStyle>
+            <a:lvl1pPr algn="l">
+              <a:defRPr sz="1200"/>
+            </a:lvl1pPr>
+          </a:lstStyle>
+          <a:p>
+            <a:endParaRPr kumimoji="1" lang="zh-CN" altLang="en-US"/>
+          </a:p>
+        </p:txBody>
+      </p:sp>
+      <p:sp>
+        <p:nvSpPr>
+          <p:cNvPr id="7" name="灯片编号占位符 6"/>
+          <p:cNvSpPr>
+            <a:spLocks noGrp="1"/>
+          </p:cNvSpPr>
+          <p:nvPr>
+            <p:ph type="sldNum" sz="quarter" idx="5"/>
+          </p:nvPr>
+        </p:nvSpPr>
+        <p:spPr>
+          <a:xfrm>
+            <a:off x="3884613" y="8685213"/>
+            <a:ext cx="2971800" cy="458787"/>
+          </a:xfrm>
+          <a:prstGeom prst="rect">
+            <a:avLst/>
+          </a:prstGeom>
+        </p:spPr>
+        <p:txBody>
+          <a:bodyPr vert="horz" lIns="91440" tIns="45720" rIns="91440" bIns="45720" rtlCol="0" anchor="b"/>
+          <a:lstStyle>
+            <a:lvl1pPr algn="r">
+              <a:defRPr sz="1200"/>
+            </a:lvl1pPr>
+          </a:lstStyle>
+          <a:p>
+            <a:fld id="{134D0E7A-4B4E-F64A-9C19-5217AD991368}" type="slidenum">
+              <a:rPr kumimoji="1" lang="zh-CN" altLang="en-US" smtClean="0"/>
+              <a:t>‹#›</a:t>
+            </a:fld>
+            <a:endParaRPr kumimoji="1" lang="zh-CN" altLang="en-US"/>
+          </a:p>
+        </p:txBody>
+      </p:sp>
+    </p:spTree>
+    <p:extLst>
+      <p:ext uri="{BB962C8B-B14F-4D97-AF65-F5344CB8AC3E}">
+        <p14:creationId xmlns:p14="http://schemas.microsoft.com/office/powerpoint/2010/main" val="2305726146"/>
+      </p:ext>
+    </p:extLst>
+  </p:cSld>
+  <p:clrMap bg1="lt1" tx1="dk1" bg2="lt2" tx2="dk2" accent1="accent1" accent2="accent2" accent3="accent3" accent4="accent4" accent5="accent5" accent6="accent6" hlink="hlink" folHlink="folHlink"/>
+  <p:notesStyle>
+    <a:lvl1pPr marL="0" algn="l" defTabSz="914400" rtl="0" eaLnBrk="1" latinLnBrk="0" hangingPunct="1">
+      <a:defRPr sz="1200" kern="1200">
+        <a:solidFill>
+          <a:schemeClr val="tx1"/>
+        </a:solidFill>
+        <a:latin typeface="+mn-lt"/>
+        <a:ea typeface="+mn-ea"/>
+        <a:cs typeface="+mn-cs"/>
+      </a:defRPr>
+    </a:lvl1pPr>
+    <a:lvl2pPr marL="457200" algn="l" defTabSz="914400" rtl="0" eaLnBrk="1" latinLnBrk="0" hangingPunct="1">
+      <a:defRPr sz="1200" kern="1200">
+        <a:solidFill>
+          <a:schemeClr val="tx1"/>
+        </a:solidFill>
+        <a:latin typeface="+mn-lt"/>
+        <a:ea typeface="+mn-ea"/>
+        <a:cs typeface="+mn-cs"/>
+      </a:defRPr>
+    </a:lvl2pPr>
+    <a:lvl3pPr marL="914400" algn="l" defTabSz="914400" rtl="0" eaLnBrk="1" latinLnBrk="0" hangingPunct="1">
+      <a:defRPr sz="1200" kern="1200">
+        <a:solidFill>
+          <a:schemeClr val="tx1"/>
+        </a:solidFill>
+        <a:latin typeface="+mn-lt"/>
+        <a:ea typeface="+mn-ea"/>
+        <a:cs typeface="+mn-cs"/>
+      </a:defRPr>
+    </a:lvl3pPr>
+    <a:lvl4pPr marL="1371600" algn="l" defTabSz="914400" rtl="0" eaLnBrk="1" latinLnBrk="0" hangingPunct="1">
+      <a:defRPr sz="1200" kern="1200">
+        <a:solidFill>
+          <a:schemeClr val="tx1"/>
+        </a:solidFill>
+        <a:latin typeface="+mn-lt"/>
+        <a:ea typeface="+mn-ea"/>
+        <a:cs typeface="+mn-cs"/>
+      </a:defRPr>
+    </a:lvl4pPr>
+    <a:lvl5pPr marL="1828800" algn="l" defTabSz="914400" rtl="0" eaLnBrk="1" latinLnBrk="0" hangingPunct="1">
+      <a:defRPr sz="1200" kern="1200">
+        <a:solidFill>
+          <a:schemeClr val="tx1"/>
+        </a:solidFill>
+        <a:latin typeface="+mn-lt"/>
+        <a:ea typeface="+mn-ea"/>
+        <a:cs typeface="+mn-cs"/>
+      </a:defRPr>
+    </a:lvl5pPr>
+    <a:lvl6pPr marL="2286000" algn="l" defTabSz="914400" rtl="0" eaLnBrk="1" latinLnBrk="0" hangingPunct="1">
+      <a:defRPr sz="1200" kern="1200">
+        <a:solidFill>
+          <a:schemeClr val="tx1"/>
+        </a:solidFill>
+        <a:latin typeface="+mn-lt"/>
+        <a:ea typeface="+mn-ea"/>
+        <a:cs typeface="+mn-cs"/>
+      </a:defRPr>
+    </a:lvl6pPr>
+    <a:lvl7pPr marL="2743200" algn="l" defTabSz="914400" rtl="0" eaLnBrk="1" latinLnBrk="0" hangingPunct="1">
+      <a:defRPr sz="1200" kern="1200">
+        <a:solidFill>
+          <a:schemeClr val="tx1"/>
+        </a:solidFill>
+        <a:latin typeface="+mn-lt"/>
+        <a:ea typeface="+mn-ea"/>
+        <a:cs typeface="+mn-cs"/>
+      </a:defRPr>
+    </a:lvl7pPr>
+    <a:lvl8pPr marL="3200400" algn="l" defTabSz="914400" rtl="0" eaLnBrk="1" latinLnBrk="0" hangingPunct="1">
+      <a:defRPr sz="1200" kern="1200">
+        <a:solidFill>
+          <a:schemeClr val="tx1"/>
+        </a:solidFill>
+        <a:latin typeface="+mn-lt"/>
+        <a:ea typeface="+mn-ea"/>
+        <a:cs typeface="+mn-cs"/>
+      </a:defRPr>
+    </a:lvl8pPr>
+    <a:lvl9pPr marL="3657600" algn="l" defTabSz="914400" rtl="0" eaLnBrk="1" latinLnBrk="0" hangingPunct="1">
+      <a:defRPr sz="1200" kern="1200">
+        <a:solidFill>
+          <a:schemeClr val="tx1"/>
+        </a:solidFill>
+        <a:latin typeface="+mn-lt"/>
+        <a:ea typeface="+mn-ea"/>
+        <a:cs typeface="+mn-cs"/>
+      </a:defRPr>
+    </a:lvl9pPr>
+  </p:notesStyle>
+</p:notesMaster>
+</file>
+
+<file path=ppt/notesSlides/notesSlide1.xml><?xml version="1.0" encoding="utf-8"?>
+<p:notes xmlns:a="http://schemas.openxmlformats.org/drawingml/2006/main" xmlns:r="http://schemas.openxmlformats.org/officeDocument/2006/relationships" xmlns:p="http://schemas.openxmlformats.org/presentationml/2006/main">
+  <p:cSld>
+    <p:spTree>
+      <p:nvGrpSpPr>
+        <p:cNvPr id="1" name=""/>
+        <p:cNvGrpSpPr/>
+        <p:nvPr/>
+      </p:nvGrpSpPr>
+      <p:grpSpPr>
+        <a:xfrm>
+          <a:off x="0" y="0"/>
+          <a:ext cx="0" cy="0"/>
+          <a:chOff x="0" y="0"/>
+          <a:chExt cx="0" cy="0"/>
+        </a:xfrm>
+      </p:grpSpPr>
+      <p:sp>
+        <p:nvSpPr>
+          <p:cNvPr id="2" name="幻灯片图像占位符 1"/>
+          <p:cNvSpPr>
+            <a:spLocks noGrp="1" noRot="1" noChangeAspect="1"/>
+          </p:cNvSpPr>
+          <p:nvPr>
+            <p:ph type="sldImg"/>
+          </p:nvPr>
+        </p:nvSpPr>
+        <p:spPr/>
+      </p:sp>
+      <p:sp>
+        <p:nvSpPr>
+          <p:cNvPr id="3" name="备注占位符 2"/>
+          <p:cNvSpPr>
+            <a:spLocks noGrp="1"/>
+          </p:cNvSpPr>
+          <p:nvPr>
+            <p:ph type="body" idx="1"/>
+          </p:nvPr>
+        </p:nvSpPr>
+        <p:spPr/>
+        <p:txBody>
+          <a:bodyPr/>
+          <a:lstStyle/>
+          <a:p>
+            <a:endParaRPr kumimoji="1" lang="zh-CN" altLang="en-US" dirty="0"/>
+          </a:p>
+        </p:txBody>
+      </p:sp>
+      <p:sp>
+        <p:nvSpPr>
+          <p:cNvPr id="4" name="灯片编号占位符 3"/>
+          <p:cNvSpPr>
+            <a:spLocks noGrp="1"/>
+          </p:cNvSpPr>
+          <p:nvPr>
+            <p:ph type="sldNum" sz="quarter" idx="5"/>
+          </p:nvPr>
+        </p:nvSpPr>
+        <p:spPr/>
+        <p:txBody>
+          <a:bodyPr/>
+          <a:lstStyle/>
+          <a:p>
+            <a:fld id="{134D0E7A-4B4E-F64A-9C19-5217AD991368}" type="slidenum">
+              <a:rPr kumimoji="1" lang="zh-CN" altLang="en-US" smtClean="0"/>
+              <a:t>26</a:t>
+            </a:fld>
+            <a:endParaRPr kumimoji="1" lang="zh-CN" altLang="en-US"/>
+          </a:p>
+        </p:txBody>
+      </p:sp>
+    </p:spTree>
+    <p:extLst>
+      <p:ext uri="{BB962C8B-B14F-4D97-AF65-F5344CB8AC3E}">
+        <p14:creationId xmlns:p14="http://schemas.microsoft.com/office/powerpoint/2010/main" val="4116607746"/>
+      </p:ext>
+    </p:extLst>
+  </p:cSld>
+  <p:clrMapOvr>
+    <a:masterClrMapping/>
+  </p:clrMapOvr>
+</p:notes>
+</file>
+
+<file path=ppt/notesSlides/notesSlide2.xml><?xml version="1.0" encoding="utf-8"?>
+<p:notes xmlns:a="http://schemas.openxmlformats.org/drawingml/2006/main" xmlns:r="http://schemas.openxmlformats.org/officeDocument/2006/relationships" xmlns:p="http://schemas.openxmlformats.org/presentationml/2006/main">
+  <p:cSld>
+    <p:spTree>
+      <p:nvGrpSpPr>
+        <p:cNvPr id="1" name=""/>
+        <p:cNvGrpSpPr/>
+        <p:nvPr/>
+      </p:nvGrpSpPr>
+      <p:grpSpPr>
+        <a:xfrm>
+          <a:off x="0" y="0"/>
+          <a:ext cx="0" cy="0"/>
+          <a:chOff x="0" y="0"/>
+          <a:chExt cx="0" cy="0"/>
+        </a:xfrm>
+      </p:grpSpPr>
+      <p:sp>
+        <p:nvSpPr>
+          <p:cNvPr id="2" name="幻灯片图像占位符 1"/>
+          <p:cNvSpPr>
+            <a:spLocks noGrp="1" noRot="1" noChangeAspect="1"/>
+          </p:cNvSpPr>
+          <p:nvPr>
+            <p:ph type="sldImg"/>
+          </p:nvPr>
+        </p:nvSpPr>
+        <p:spPr/>
+      </p:sp>
+      <p:sp>
+        <p:nvSpPr>
+          <p:cNvPr id="3" name="备注占位符 2"/>
+          <p:cNvSpPr>
+            <a:spLocks noGrp="1"/>
+          </p:cNvSpPr>
+          <p:nvPr>
+            <p:ph type="body" idx="1"/>
+          </p:nvPr>
+        </p:nvSpPr>
+        <p:spPr/>
+        <p:txBody>
+          <a:bodyPr/>
+          <a:lstStyle/>
+          <a:p>
+            <a:r>
+              <a:rPr kumimoji="1" lang="en-US" altLang="zh-CN"/>
+              <a:t>	</a:t>
+            </a:r>
+            <a:endParaRPr kumimoji="1" lang="zh-CN" altLang="en-US"/>
+          </a:p>
+        </p:txBody>
+      </p:sp>
+      <p:sp>
+        <p:nvSpPr>
+          <p:cNvPr id="4" name="灯片编号占位符 3"/>
+          <p:cNvSpPr>
+            <a:spLocks noGrp="1"/>
+          </p:cNvSpPr>
+          <p:nvPr>
+            <p:ph type="sldNum" sz="quarter" idx="5"/>
+          </p:nvPr>
+        </p:nvSpPr>
+        <p:spPr/>
+        <p:txBody>
+          <a:bodyPr/>
+          <a:lstStyle/>
+          <a:p>
+            <a:fld id="{134D0E7A-4B4E-F64A-9C19-5217AD991368}" type="slidenum">
+              <a:rPr kumimoji="1" lang="zh-CN" altLang="en-US" smtClean="0"/>
+              <a:t>30</a:t>
+            </a:fld>
+            <a:endParaRPr kumimoji="1" lang="zh-CN" altLang="en-US"/>
+          </a:p>
+        </p:txBody>
+      </p:sp>
+    </p:spTree>
+    <p:extLst>
+      <p:ext uri="{BB962C8B-B14F-4D97-AF65-F5344CB8AC3E}">
+        <p14:creationId xmlns:p14="http://schemas.microsoft.com/office/powerpoint/2010/main" val="2751625564"/>
+      </p:ext>
+    </p:extLst>
+  </p:cSld>
+  <p:clrMapOvr>
+    <a:masterClrMapping/>
+  </p:clrMapOvr>
+</p:notes>
+</file>
+
+<file path=ppt/notesSlides/notesSlide3.xml><?xml version="1.0" encoding="utf-8"?>
+<p:notes xmlns:a="http://schemas.openxmlformats.org/drawingml/2006/main" xmlns:r="http://schemas.openxmlformats.org/officeDocument/2006/relationships" xmlns:p="http://schemas.openxmlformats.org/presentationml/2006/main">
+  <p:cSld>
+    <p:spTree>
+      <p:nvGrpSpPr>
+        <p:cNvPr id="1" name=""/>
+        <p:cNvGrpSpPr/>
+        <p:nvPr/>
+      </p:nvGrpSpPr>
+      <p:grpSpPr>
+        <a:xfrm>
+          <a:off x="0" y="0"/>
+          <a:ext cx="0" cy="0"/>
+          <a:chOff x="0" y="0"/>
+          <a:chExt cx="0" cy="0"/>
+        </a:xfrm>
+      </p:grpSpPr>
+      <p:sp>
+        <p:nvSpPr>
+          <p:cNvPr id="2" name="幻灯片图像占位符 1"/>
+          <p:cNvSpPr>
+            <a:spLocks noGrp="1" noRot="1" noChangeAspect="1"/>
+          </p:cNvSpPr>
+          <p:nvPr>
+            <p:ph type="sldImg"/>
+          </p:nvPr>
+        </p:nvSpPr>
+        <p:spPr/>
+      </p:sp>
+      <p:sp>
+        <p:nvSpPr>
+          <p:cNvPr id="3" name="备注占位符 2"/>
+          <p:cNvSpPr>
+            <a:spLocks noGrp="1"/>
+          </p:cNvSpPr>
+          <p:nvPr>
+            <p:ph type="body" idx="1"/>
+          </p:nvPr>
+        </p:nvSpPr>
+        <p:spPr/>
+        <p:txBody>
+          <a:bodyPr/>
+          <a:lstStyle/>
+          <a:p>
+            <a:r>
+              <a:rPr kumimoji="1" lang="en-US" altLang="zh-CN" dirty="0"/>
+              <a:t>	</a:t>
+            </a:r>
+            <a:endParaRPr kumimoji="1" lang="zh-CN" altLang="en-US" dirty="0"/>
+          </a:p>
+        </p:txBody>
+      </p:sp>
+      <p:sp>
+        <p:nvSpPr>
+          <p:cNvPr id="4" name="灯片编号占位符 3"/>
+          <p:cNvSpPr>
+            <a:spLocks noGrp="1"/>
+          </p:cNvSpPr>
+          <p:nvPr>
+            <p:ph type="sldNum" sz="quarter" idx="5"/>
+          </p:nvPr>
+        </p:nvSpPr>
+        <p:spPr/>
+        <p:txBody>
+          <a:bodyPr/>
+          <a:lstStyle/>
+          <a:p>
+            <a:fld id="{134D0E7A-4B4E-F64A-9C19-5217AD991368}" type="slidenum">
+              <a:rPr kumimoji="1" lang="zh-CN" altLang="en-US" smtClean="0"/>
+              <a:t>31</a:t>
+            </a:fld>
+            <a:endParaRPr kumimoji="1" lang="zh-CN" altLang="en-US"/>
+          </a:p>
+        </p:txBody>
+      </p:sp>
+    </p:spTree>
+    <p:extLst>
+      <p:ext uri="{BB962C8B-B14F-4D97-AF65-F5344CB8AC3E}">
+        <p14:creationId xmlns:p14="http://schemas.microsoft.com/office/powerpoint/2010/main" val="2185900589"/>
+      </p:ext>
+    </p:extLst>
+  </p:cSld>
+  <p:clrMapOvr>
+    <a:masterClrMapping/>
+  </p:clrMapOvr>
+</p:notes>
+</file>
+
+<file path=ppt/notesSlides/notesSlide4.xml><?xml version="1.0" encoding="utf-8"?>
+<p:notes xmlns:a="http://schemas.openxmlformats.org/drawingml/2006/main" xmlns:r="http://schemas.openxmlformats.org/officeDocument/2006/relationships" xmlns:p="http://schemas.openxmlformats.org/presentationml/2006/main">
+  <p:cSld>
+    <p:spTree>
+      <p:nvGrpSpPr>
+        <p:cNvPr id="1" name=""/>
+        <p:cNvGrpSpPr/>
+        <p:nvPr/>
+      </p:nvGrpSpPr>
+      <p:grpSpPr>
+        <a:xfrm>
+          <a:off x="0" y="0"/>
+          <a:ext cx="0" cy="0"/>
+          <a:chOff x="0" y="0"/>
+          <a:chExt cx="0" cy="0"/>
+        </a:xfrm>
+      </p:grpSpPr>
+      <p:sp>
+        <p:nvSpPr>
+          <p:cNvPr id="2" name="幻灯片图像占位符 1"/>
+          <p:cNvSpPr>
+            <a:spLocks noGrp="1" noRot="1" noChangeAspect="1"/>
+          </p:cNvSpPr>
+          <p:nvPr>
+            <p:ph type="sldImg"/>
+          </p:nvPr>
+        </p:nvSpPr>
+        <p:spPr/>
+      </p:sp>
+      <p:sp>
+        <p:nvSpPr>
+          <p:cNvPr id="3" name="备注占位符 2"/>
+          <p:cNvSpPr>
+            <a:spLocks noGrp="1"/>
+          </p:cNvSpPr>
+          <p:nvPr>
+            <p:ph type="body" idx="1"/>
+          </p:nvPr>
+        </p:nvSpPr>
+        <p:spPr/>
+        <p:txBody>
+          <a:bodyPr/>
+          <a:lstStyle/>
+          <a:p>
+            <a:r>
+              <a:rPr kumimoji="1" lang="en-US" altLang="zh-CN" dirty="0"/>
+              <a:t>	</a:t>
+            </a:r>
+            <a:endParaRPr kumimoji="1" lang="zh-CN" altLang="en-US" dirty="0"/>
+          </a:p>
+        </p:txBody>
+      </p:sp>
+      <p:sp>
+        <p:nvSpPr>
+          <p:cNvPr id="4" name="灯片编号占位符 3"/>
+          <p:cNvSpPr>
+            <a:spLocks noGrp="1"/>
+          </p:cNvSpPr>
+          <p:nvPr>
+            <p:ph type="sldNum" sz="quarter" idx="5"/>
+          </p:nvPr>
+        </p:nvSpPr>
+        <p:spPr/>
+        <p:txBody>
+          <a:bodyPr/>
+          <a:lstStyle/>
+          <a:p>
+            <a:fld id="{134D0E7A-4B4E-F64A-9C19-5217AD991368}" type="slidenum">
+              <a:rPr kumimoji="1" lang="zh-CN" altLang="en-US" smtClean="0"/>
+              <a:t>32</a:t>
+            </a:fld>
+            <a:endParaRPr kumimoji="1" lang="zh-CN" altLang="en-US"/>
+          </a:p>
+        </p:txBody>
+      </p:sp>
+    </p:spTree>
+    <p:extLst>
+      <p:ext uri="{BB962C8B-B14F-4D97-AF65-F5344CB8AC3E}">
+        <p14:creationId xmlns:p14="http://schemas.microsoft.com/office/powerpoint/2010/main" val="4187585098"/>
+      </p:ext>
+    </p:extLst>
+  </p:cSld>
+  <p:clrMapOvr>
+    <a:masterClrMapping/>
+  </p:clrMapOvr>
+</p:notes>
+</file>
+
+<file path=ppt/notesSlides/notesSlide5.xml><?xml version="1.0" encoding="utf-8"?>
+<p:notes xmlns:a="http://schemas.openxmlformats.org/drawingml/2006/main" xmlns:r="http://schemas.openxmlformats.org/officeDocument/2006/relationships" xmlns:p="http://schemas.openxmlformats.org/presentationml/2006/main">
+  <p:cSld>
+    <p:spTree>
+      <p:nvGrpSpPr>
+        <p:cNvPr id="1" name=""/>
+        <p:cNvGrpSpPr/>
+        <p:nvPr/>
+      </p:nvGrpSpPr>
+      <p:grpSpPr>
+        <a:xfrm>
+          <a:off x="0" y="0"/>
+          <a:ext cx="0" cy="0"/>
+          <a:chOff x="0" y="0"/>
+          <a:chExt cx="0" cy="0"/>
+        </a:xfrm>
+      </p:grpSpPr>
+      <p:sp>
+        <p:nvSpPr>
+          <p:cNvPr id="2" name="幻灯片图像占位符 1"/>
+          <p:cNvSpPr>
+            <a:spLocks noGrp="1" noRot="1" noChangeAspect="1"/>
+          </p:cNvSpPr>
+          <p:nvPr>
+            <p:ph type="sldImg"/>
+          </p:nvPr>
+        </p:nvSpPr>
+        <p:spPr/>
+      </p:sp>
+      <p:sp>
+        <p:nvSpPr>
+          <p:cNvPr id="3" name="备注占位符 2"/>
+          <p:cNvSpPr>
+            <a:spLocks noGrp="1"/>
+          </p:cNvSpPr>
+          <p:nvPr>
+            <p:ph type="body" idx="1"/>
+          </p:nvPr>
+        </p:nvSpPr>
+        <p:spPr/>
+        <p:txBody>
+          <a:bodyPr/>
+          <a:lstStyle/>
+          <a:p>
+            <a:r>
+              <a:rPr kumimoji="1" lang="en-US" altLang="zh-CN" dirty="0"/>
+              <a:t>	</a:t>
+            </a:r>
+            <a:endParaRPr kumimoji="1" lang="zh-CN" altLang="en-US" dirty="0"/>
+          </a:p>
+        </p:txBody>
+      </p:sp>
+      <p:sp>
+        <p:nvSpPr>
+          <p:cNvPr id="4" name="灯片编号占位符 3"/>
+          <p:cNvSpPr>
+            <a:spLocks noGrp="1"/>
+          </p:cNvSpPr>
+          <p:nvPr>
+            <p:ph type="sldNum" sz="quarter" idx="5"/>
+          </p:nvPr>
+        </p:nvSpPr>
+        <p:spPr/>
+        <p:txBody>
+          <a:bodyPr/>
+          <a:lstStyle/>
+          <a:p>
+            <a:fld id="{134D0E7A-4B4E-F64A-9C19-5217AD991368}" type="slidenum">
+              <a:rPr kumimoji="1" lang="zh-CN" altLang="en-US" smtClean="0"/>
+              <a:t>33</a:t>
+            </a:fld>
+            <a:endParaRPr kumimoji="1" lang="zh-CN" altLang="en-US"/>
+          </a:p>
+        </p:txBody>
+      </p:sp>
+    </p:spTree>
+    <p:extLst>
+      <p:ext uri="{BB962C8B-B14F-4D97-AF65-F5344CB8AC3E}">
+        <p14:creationId xmlns:p14="http://schemas.microsoft.com/office/powerpoint/2010/main" val="510207488"/>
+      </p:ext>
+    </p:extLst>
+  </p:cSld>
+  <p:clrMapOvr>
+    <a:masterClrMapping/>
+  </p:clrMapOvr>
+</p:notes>
+</file>
+
+<file path=ppt/notesSlides/notesSlide6.xml><?xml version="1.0" encoding="utf-8"?>
+<p:notes xmlns:a="http://schemas.openxmlformats.org/drawingml/2006/main" xmlns:r="http://schemas.openxmlformats.org/officeDocument/2006/relationships" xmlns:p="http://schemas.openxmlformats.org/presentationml/2006/main">
+  <p:cSld>
+    <p:spTree>
+      <p:nvGrpSpPr>
+        <p:cNvPr id="1" name=""/>
+        <p:cNvGrpSpPr/>
+        <p:nvPr/>
+      </p:nvGrpSpPr>
+      <p:grpSpPr>
+        <a:xfrm>
+          <a:off x="0" y="0"/>
+          <a:ext cx="0" cy="0"/>
+          <a:chOff x="0" y="0"/>
+          <a:chExt cx="0" cy="0"/>
+        </a:xfrm>
+      </p:grpSpPr>
+      <p:sp>
+        <p:nvSpPr>
+          <p:cNvPr id="2" name="幻灯片图像占位符 1"/>
+          <p:cNvSpPr>
+            <a:spLocks noGrp="1" noRot="1" noChangeAspect="1"/>
+          </p:cNvSpPr>
+          <p:nvPr>
+            <p:ph type="sldImg"/>
+          </p:nvPr>
+        </p:nvSpPr>
+        <p:spPr/>
+      </p:sp>
+      <p:sp>
+        <p:nvSpPr>
+          <p:cNvPr id="3" name="备注占位符 2"/>
+          <p:cNvSpPr>
+            <a:spLocks noGrp="1"/>
+          </p:cNvSpPr>
+          <p:nvPr>
+            <p:ph type="body" idx="1"/>
+          </p:nvPr>
+        </p:nvSpPr>
+        <p:spPr/>
+        <p:txBody>
+          <a:bodyPr/>
+          <a:lstStyle/>
+          <a:p>
+            <a:r>
+              <a:rPr kumimoji="1" lang="en-US" altLang="zh-CN" dirty="0"/>
+              <a:t>	</a:t>
+            </a:r>
+            <a:endParaRPr kumimoji="1" lang="zh-CN" altLang="en-US" dirty="0"/>
+          </a:p>
+        </p:txBody>
+      </p:sp>
+      <p:sp>
+        <p:nvSpPr>
+          <p:cNvPr id="4" name="灯片编号占位符 3"/>
+          <p:cNvSpPr>
+            <a:spLocks noGrp="1"/>
+          </p:cNvSpPr>
+          <p:nvPr>
+            <p:ph type="sldNum" sz="quarter" idx="5"/>
+          </p:nvPr>
+        </p:nvSpPr>
+        <p:spPr/>
+        <p:txBody>
+          <a:bodyPr/>
+          <a:lstStyle/>
+          <a:p>
+            <a:fld id="{134D0E7A-4B4E-F64A-9C19-5217AD991368}" type="slidenum">
+              <a:rPr kumimoji="1" lang="zh-CN" altLang="en-US" smtClean="0"/>
+              <a:t>34</a:t>
+            </a:fld>
+            <a:endParaRPr kumimoji="1" lang="zh-CN" altLang="en-US"/>
+          </a:p>
+        </p:txBody>
+      </p:sp>
+    </p:spTree>
+    <p:extLst>
+      <p:ext uri="{BB962C8B-B14F-4D97-AF65-F5344CB8AC3E}">
+        <p14:creationId xmlns:p14="http://schemas.microsoft.com/office/powerpoint/2010/main" val="4215848574"/>
+      </p:ext>
+    </p:extLst>
+  </p:cSld>
+  <p:clrMapOvr>
+    <a:masterClrMapping/>
+  </p:clrMapOvr>
+</p:notes>
+</file>
+
+<file path=ppt/notesSlides/notesSlide7.xml><?xml version="1.0" encoding="utf-8"?>
+<p:notes xmlns:a="http://schemas.openxmlformats.org/drawingml/2006/main" xmlns:r="http://schemas.openxmlformats.org/officeDocument/2006/relationships" xmlns:p="http://schemas.openxmlformats.org/presentationml/2006/main">
+  <p:cSld>
+    <p:spTree>
+      <p:nvGrpSpPr>
+        <p:cNvPr id="1" name=""/>
+        <p:cNvGrpSpPr/>
+        <p:nvPr/>
+      </p:nvGrpSpPr>
+      <p:grpSpPr>
+        <a:xfrm>
+          <a:off x="0" y="0"/>
+          <a:ext cx="0" cy="0"/>
+          <a:chOff x="0" y="0"/>
+          <a:chExt cx="0" cy="0"/>
+        </a:xfrm>
+      </p:grpSpPr>
+      <p:sp>
+        <p:nvSpPr>
+          <p:cNvPr id="2" name="幻灯片图像占位符 1"/>
+          <p:cNvSpPr>
+            <a:spLocks noGrp="1" noRot="1" noChangeAspect="1"/>
+          </p:cNvSpPr>
+          <p:nvPr>
+            <p:ph type="sldImg"/>
+          </p:nvPr>
+        </p:nvSpPr>
+        <p:spPr/>
+      </p:sp>
+      <p:sp>
+        <p:nvSpPr>
+          <p:cNvPr id="3" name="备注占位符 2"/>
+          <p:cNvSpPr>
+            <a:spLocks noGrp="1"/>
+          </p:cNvSpPr>
+          <p:nvPr>
+            <p:ph type="body" idx="1"/>
+          </p:nvPr>
+        </p:nvSpPr>
+        <p:spPr/>
+        <p:txBody>
+          <a:bodyPr/>
+          <a:lstStyle/>
+          <a:p>
+            <a:r>
+              <a:rPr kumimoji="1" lang="en-US" altLang="zh-CN" dirty="0"/>
+              <a:t>	</a:t>
+            </a:r>
+            <a:endParaRPr kumimoji="1" lang="zh-CN" altLang="en-US" dirty="0"/>
+          </a:p>
+        </p:txBody>
+      </p:sp>
+      <p:sp>
+        <p:nvSpPr>
+          <p:cNvPr id="4" name="灯片编号占位符 3"/>
+          <p:cNvSpPr>
+            <a:spLocks noGrp="1"/>
+          </p:cNvSpPr>
+          <p:nvPr>
+            <p:ph type="sldNum" sz="quarter" idx="5"/>
+          </p:nvPr>
+        </p:nvSpPr>
+        <p:spPr/>
+        <p:txBody>
+          <a:bodyPr/>
+          <a:lstStyle/>
+          <a:p>
+            <a:fld id="{134D0E7A-4B4E-F64A-9C19-5217AD991368}" type="slidenum">
+              <a:rPr kumimoji="1" lang="zh-CN" altLang="en-US" smtClean="0"/>
+              <a:t>35</a:t>
+            </a:fld>
+            <a:endParaRPr kumimoji="1" lang="zh-CN" altLang="en-US"/>
+          </a:p>
+        </p:txBody>
+      </p:sp>
+    </p:spTree>
+    <p:extLst>
+      <p:ext uri="{BB962C8B-B14F-4D97-AF65-F5344CB8AC3E}">
+        <p14:creationId xmlns:p14="http://schemas.microsoft.com/office/powerpoint/2010/main" val="3466227838"/>
+      </p:ext>
+    </p:extLst>
+  </p:cSld>
+  <p:clrMapOvr>
+    <a:masterClrMapping/>
+  </p:clrMapOvr>
+</p:notes>
+</file>
+
+<file path=ppt/notesSlides/notesSlide8.xml><?xml version="1.0" encoding="utf-8"?>
+<p:notes xmlns:a="http://schemas.openxmlformats.org/drawingml/2006/main" xmlns:r="http://schemas.openxmlformats.org/officeDocument/2006/relationships" xmlns:p="http://schemas.openxmlformats.org/presentationml/2006/main">
+  <p:cSld>
+    <p:spTree>
+      <p:nvGrpSpPr>
+        <p:cNvPr id="1" name=""/>
+        <p:cNvGrpSpPr/>
+        <p:nvPr/>
+      </p:nvGrpSpPr>
+      <p:grpSpPr>
+        <a:xfrm>
+          <a:off x="0" y="0"/>
+          <a:ext cx="0" cy="0"/>
+          <a:chOff x="0" y="0"/>
+          <a:chExt cx="0" cy="0"/>
+        </a:xfrm>
+      </p:grpSpPr>
+      <p:sp>
+        <p:nvSpPr>
+          <p:cNvPr id="2" name="幻灯片图像占位符 1"/>
+          <p:cNvSpPr>
+            <a:spLocks noGrp="1" noRot="1" noChangeAspect="1"/>
+          </p:cNvSpPr>
+          <p:nvPr>
+            <p:ph type="sldImg"/>
+          </p:nvPr>
+        </p:nvSpPr>
+        <p:spPr/>
+      </p:sp>
+      <p:sp>
+        <p:nvSpPr>
+          <p:cNvPr id="3" name="备注占位符 2"/>
+          <p:cNvSpPr>
+            <a:spLocks noGrp="1"/>
+          </p:cNvSpPr>
+          <p:nvPr>
+            <p:ph type="body" idx="1"/>
+          </p:nvPr>
+        </p:nvSpPr>
+        <p:spPr/>
+        <p:txBody>
+          <a:bodyPr/>
+          <a:lstStyle/>
+          <a:p>
+            <a:r>
+              <a:rPr kumimoji="1" lang="en-US" altLang="zh-CN" dirty="0"/>
+              <a:t>	</a:t>
+            </a:r>
+            <a:endParaRPr kumimoji="1" lang="zh-CN" altLang="en-US" dirty="0"/>
+          </a:p>
+        </p:txBody>
+      </p:sp>
+      <p:sp>
+        <p:nvSpPr>
+          <p:cNvPr id="4" name="灯片编号占位符 3"/>
+          <p:cNvSpPr>
+            <a:spLocks noGrp="1"/>
+          </p:cNvSpPr>
+          <p:nvPr>
+            <p:ph type="sldNum" sz="quarter" idx="5"/>
+          </p:nvPr>
+        </p:nvSpPr>
+        <p:spPr/>
+        <p:txBody>
+          <a:bodyPr/>
+          <a:lstStyle/>
+          <a:p>
+            <a:fld id="{134D0E7A-4B4E-F64A-9C19-5217AD991368}" type="slidenum">
+              <a:rPr kumimoji="1" lang="zh-CN" altLang="en-US" smtClean="0"/>
+              <a:t>36</a:t>
+            </a:fld>
+            <a:endParaRPr kumimoji="1" lang="zh-CN" altLang="en-US"/>
+          </a:p>
+        </p:txBody>
+      </p:sp>
+    </p:spTree>
+    <p:extLst>
+      <p:ext uri="{BB962C8B-B14F-4D97-AF65-F5344CB8AC3E}">
+        <p14:creationId xmlns:p14="http://schemas.microsoft.com/office/powerpoint/2010/main" val="2140655817"/>
+      </p:ext>
+    </p:extLst>
+  </p:cSld>
+  <p:clrMapOvr>
+    <a:masterClrMapping/>
+  </p:clrMapOvr>
+</p:notes>
+</file>
+
+<file path=ppt/notesSlides/notesSlide9.xml><?xml version="1.0" encoding="utf-8"?>
+<p:notes xmlns:a="http://schemas.openxmlformats.org/drawingml/2006/main" xmlns:r="http://schemas.openxmlformats.org/officeDocument/2006/relationships" xmlns:p="http://schemas.openxmlformats.org/presentationml/2006/main">
+  <p:cSld>
+    <p:spTree>
+      <p:nvGrpSpPr>
+        <p:cNvPr id="1" name=""/>
+        <p:cNvGrpSpPr/>
+        <p:nvPr/>
+      </p:nvGrpSpPr>
+      <p:grpSpPr>
+        <a:xfrm>
+          <a:off x="0" y="0"/>
+          <a:ext cx="0" cy="0"/>
+          <a:chOff x="0" y="0"/>
+          <a:chExt cx="0" cy="0"/>
+        </a:xfrm>
+      </p:grpSpPr>
+      <p:sp>
+        <p:nvSpPr>
+          <p:cNvPr id="2" name="幻灯片图像占位符 1"/>
+          <p:cNvSpPr>
+            <a:spLocks noGrp="1" noRot="1" noChangeAspect="1"/>
+          </p:cNvSpPr>
+          <p:nvPr>
+            <p:ph type="sldImg"/>
+          </p:nvPr>
+        </p:nvSpPr>
+        <p:spPr/>
+      </p:sp>
+      <p:sp>
+        <p:nvSpPr>
+          <p:cNvPr id="3" name="备注占位符 2"/>
+          <p:cNvSpPr>
+            <a:spLocks noGrp="1"/>
+          </p:cNvSpPr>
+          <p:nvPr>
+            <p:ph type="body" idx="1"/>
+          </p:nvPr>
+        </p:nvSpPr>
+        <p:spPr/>
+        <p:txBody>
+          <a:bodyPr/>
+          <a:lstStyle/>
+          <a:p>
+            <a:r>
+              <a:rPr kumimoji="1" lang="en-US" altLang="zh-CN" dirty="0"/>
+              <a:t>	</a:t>
+            </a:r>
+            <a:endParaRPr kumimoji="1" lang="zh-CN" altLang="en-US" dirty="0"/>
+          </a:p>
+        </p:txBody>
+      </p:sp>
+      <p:sp>
+        <p:nvSpPr>
+          <p:cNvPr id="4" name="灯片编号占位符 3"/>
+          <p:cNvSpPr>
+            <a:spLocks noGrp="1"/>
+          </p:cNvSpPr>
+          <p:nvPr>
+            <p:ph type="sldNum" sz="quarter" idx="5"/>
+          </p:nvPr>
+        </p:nvSpPr>
+        <p:spPr/>
+        <p:txBody>
+          <a:bodyPr/>
+          <a:lstStyle/>
+          <a:p>
+            <a:fld id="{134D0E7A-4B4E-F64A-9C19-5217AD991368}" type="slidenum">
+              <a:rPr kumimoji="1" lang="zh-CN" altLang="en-US" smtClean="0"/>
+              <a:t>37</a:t>
+            </a:fld>
+            <a:endParaRPr kumimoji="1" lang="zh-CN" altLang="en-US"/>
+          </a:p>
+        </p:txBody>
+      </p:sp>
+    </p:spTree>
+    <p:extLst>
+      <p:ext uri="{BB962C8B-B14F-4D97-AF65-F5344CB8AC3E}">
+        <p14:creationId xmlns:p14="http://schemas.microsoft.com/office/powerpoint/2010/main" val="2754453419"/>
+      </p:ext>
+    </p:extLst>
+  </p:cSld>
+  <p:clrMapOvr>
+    <a:masterClrMapping/>
+  </p:clrMapOvr>
+</p:notes>
+</file>
+
 <file path=ppt/slideLayouts/slideLayout1.xml><?xml version="1.0" encoding="utf-8"?>
 <p:sldLayout xmlns:a="http://schemas.openxmlformats.org/drawingml/2006/main" xmlns:r="http://schemas.openxmlformats.org/officeDocument/2006/relationships" xmlns:p="http://schemas.openxmlformats.org/presentationml/2006/main" type="title" preserve="1">
   <p:cSld name="标题幻灯片">
@@ -3574,7 +4723,7 @@
           <a:p>
             <a:fld id="{5ABBF8DD-7B15-4CE5-9916-06FBB5436CF0}" type="datetimeFigureOut">
               <a:rPr lang="zh-CN" altLang="en-US" smtClean="0"/>
-              <a:t>2022/7/5</a:t>
+              <a:t>2022/7/6</a:t>
             </a:fld>
             <a:endParaRPr lang="zh-CN" altLang="en-US"/>
           </a:p>
@@ -3772,7 +4921,7 @@
           <a:p>
             <a:fld id="{5ABBF8DD-7B15-4CE5-9916-06FBB5436CF0}" type="datetimeFigureOut">
               <a:rPr lang="zh-CN" altLang="en-US" smtClean="0"/>
-              <a:t>2022/7/5</a:t>
+              <a:t>2022/7/6</a:t>
             </a:fld>
             <a:endParaRPr lang="zh-CN" altLang="en-US"/>
           </a:p>
@@ -3980,7 +5129,7 @@
           <a:p>
             <a:fld id="{5ABBF8DD-7B15-4CE5-9916-06FBB5436CF0}" type="datetimeFigureOut">
               <a:rPr lang="zh-CN" altLang="en-US" smtClean="0"/>
-              <a:t>2022/7/5</a:t>
+              <a:t>2022/7/6</a:t>
             </a:fld>
             <a:endParaRPr lang="zh-CN" altLang="en-US"/>
           </a:p>
@@ -4178,7 +5327,7 @@
           <a:p>
             <a:fld id="{5ABBF8DD-7B15-4CE5-9916-06FBB5436CF0}" type="datetimeFigureOut">
               <a:rPr lang="zh-CN" altLang="en-US" smtClean="0"/>
-              <a:t>2022/7/5</a:t>
+              <a:t>2022/7/6</a:t>
             </a:fld>
             <a:endParaRPr lang="zh-CN" altLang="en-US"/>
           </a:p>
@@ -4453,7 +5602,7 @@
           <a:p>
             <a:fld id="{5ABBF8DD-7B15-4CE5-9916-06FBB5436CF0}" type="datetimeFigureOut">
               <a:rPr lang="zh-CN" altLang="en-US" smtClean="0"/>
-              <a:t>2022/7/5</a:t>
+              <a:t>2022/7/6</a:t>
             </a:fld>
             <a:endParaRPr lang="zh-CN" altLang="en-US"/>
           </a:p>
@@ -4718,7 +5867,7 @@
           <a:p>
             <a:fld id="{5ABBF8DD-7B15-4CE5-9916-06FBB5436CF0}" type="datetimeFigureOut">
               <a:rPr lang="zh-CN" altLang="en-US" smtClean="0"/>
-              <a:t>2022/7/5</a:t>
+              <a:t>2022/7/6</a:t>
             </a:fld>
             <a:endParaRPr lang="zh-CN" altLang="en-US"/>
           </a:p>
@@ -5130,7 +6279,7 @@
           <a:p>
             <a:fld id="{5ABBF8DD-7B15-4CE5-9916-06FBB5436CF0}" type="datetimeFigureOut">
               <a:rPr lang="zh-CN" altLang="en-US" smtClean="0"/>
-              <a:t>2022/7/5</a:t>
+              <a:t>2022/7/6</a:t>
             </a:fld>
             <a:endParaRPr lang="zh-CN" altLang="en-US"/>
           </a:p>
@@ -5271,7 +6420,7 @@
           <a:p>
             <a:fld id="{5ABBF8DD-7B15-4CE5-9916-06FBB5436CF0}" type="datetimeFigureOut">
               <a:rPr lang="zh-CN" altLang="en-US" smtClean="0"/>
-              <a:t>2022/7/5</a:t>
+              <a:t>2022/7/6</a:t>
             </a:fld>
             <a:endParaRPr lang="zh-CN" altLang="en-US"/>
           </a:p>
@@ -5384,7 +6533,7 @@
           <a:p>
             <a:fld id="{5ABBF8DD-7B15-4CE5-9916-06FBB5436CF0}" type="datetimeFigureOut">
               <a:rPr lang="zh-CN" altLang="en-US" smtClean="0"/>
-              <a:t>2022/7/5</a:t>
+              <a:t>2022/7/6</a:t>
             </a:fld>
             <a:endParaRPr lang="zh-CN" altLang="en-US"/>
           </a:p>
@@ -5695,7 +6844,7 @@
           <a:p>
             <a:fld id="{5ABBF8DD-7B15-4CE5-9916-06FBB5436CF0}" type="datetimeFigureOut">
               <a:rPr lang="zh-CN" altLang="en-US" smtClean="0"/>
-              <a:t>2022/7/5</a:t>
+              <a:t>2022/7/6</a:t>
             </a:fld>
             <a:endParaRPr lang="zh-CN" altLang="en-US"/>
           </a:p>
@@ -5983,7 +7132,7 @@
           <a:p>
             <a:fld id="{5ABBF8DD-7B15-4CE5-9916-06FBB5436CF0}" type="datetimeFigureOut">
               <a:rPr lang="zh-CN" altLang="en-US" smtClean="0"/>
-              <a:t>2022/7/5</a:t>
+              <a:t>2022/7/6</a:t>
             </a:fld>
             <a:endParaRPr lang="zh-CN" altLang="en-US"/>
           </a:p>
@@ -6224,7 +7373,7 @@
           <a:p>
             <a:fld id="{5ABBF8DD-7B15-4CE5-9916-06FBB5436CF0}" type="datetimeFigureOut">
               <a:rPr lang="zh-CN" altLang="en-US" smtClean="0"/>
-              <a:t>2022/7/5</a:t>
+              <a:t>2022/7/6</a:t>
             </a:fld>
             <a:endParaRPr lang="zh-CN" altLang="en-US"/>
           </a:p>
@@ -22909,8 +24058,8 @@
           </p:txBody>
         </p:sp>
       </p:grpSp>
-      <mc:AlternateContent xmlns:mc="http://schemas.openxmlformats.org/markup-compatibility/2006">
-        <mc:Choice xmlns:a14="http://schemas.microsoft.com/office/drawing/2010/main" Requires="a14">
+      <mc:AlternateContent xmlns:mc="http://schemas.openxmlformats.org/markup-compatibility/2006" xmlns:a14="http://schemas.microsoft.com/office/drawing/2010/main">
+        <mc:Choice Requires="a14">
           <p:sp>
             <p:nvSpPr>
               <p:cNvPr id="11" name="文本框 10">
@@ -23134,7 +24283,7 @@
             </p:txBody>
           </p:sp>
         </mc:Choice>
-        <mc:Fallback>
+        <mc:Fallback xmlns="">
           <p:sp>
             <p:nvSpPr>
               <p:cNvPr id="11" name="文本框 10">
@@ -23179,8 +24328,8 @@
           </p:sp>
         </mc:Fallback>
       </mc:AlternateContent>
-      <mc:AlternateContent xmlns:mc="http://schemas.openxmlformats.org/markup-compatibility/2006">
-        <mc:Choice xmlns:a14="http://schemas.microsoft.com/office/drawing/2010/main" Requires="a14">
+      <mc:AlternateContent xmlns:mc="http://schemas.openxmlformats.org/markup-compatibility/2006" xmlns:a14="http://schemas.microsoft.com/office/drawing/2010/main">
+        <mc:Choice Requires="a14">
           <p:sp>
             <p:nvSpPr>
               <p:cNvPr id="14" name="文本框 13">
@@ -23442,7 +24591,7 @@
             </p:txBody>
           </p:sp>
         </mc:Choice>
-        <mc:Fallback>
+        <mc:Fallback xmlns="">
           <p:sp>
             <p:nvSpPr>
               <p:cNvPr id="14" name="文本框 13">
@@ -23541,8 +24690,8 @@
           </a:p>
         </p:txBody>
       </p:sp>
-      <mc:AlternateContent xmlns:mc="http://schemas.openxmlformats.org/markup-compatibility/2006">
-        <mc:Choice xmlns:a14="http://schemas.microsoft.com/office/drawing/2010/main" Requires="a14">
+      <mc:AlternateContent xmlns:mc="http://schemas.openxmlformats.org/markup-compatibility/2006" xmlns:a14="http://schemas.microsoft.com/office/drawing/2010/main">
+        <mc:Choice Requires="a14">
           <p:sp>
             <p:nvSpPr>
               <p:cNvPr id="16" name="文本框 15">
@@ -23788,7 +24937,7 @@
             </p:txBody>
           </p:sp>
         </mc:Choice>
-        <mc:Fallback>
+        <mc:Fallback xmlns="">
           <p:sp>
             <p:nvSpPr>
               <p:cNvPr id="16" name="文本框 15">
@@ -23887,8 +25036,8 @@
           </a:p>
         </p:txBody>
       </p:sp>
-      <mc:AlternateContent xmlns:mc="http://schemas.openxmlformats.org/markup-compatibility/2006">
-        <mc:Choice xmlns:a14="http://schemas.microsoft.com/office/drawing/2010/main" Requires="a14">
+      <mc:AlternateContent xmlns:mc="http://schemas.openxmlformats.org/markup-compatibility/2006" xmlns:a14="http://schemas.microsoft.com/office/drawing/2010/main">
+        <mc:Choice Requires="a14">
           <p:sp>
             <p:nvSpPr>
               <p:cNvPr id="18" name="文本框 17">
@@ -24089,7 +25238,7 @@
             </p:txBody>
           </p:sp>
         </mc:Choice>
-        <mc:Fallback>
+        <mc:Fallback xmlns="">
           <p:sp>
             <p:nvSpPr>
               <p:cNvPr id="18" name="文本框 17">
@@ -24134,8 +25283,8 @@
           </p:sp>
         </mc:Fallback>
       </mc:AlternateContent>
-      <mc:AlternateContent xmlns:mc="http://schemas.openxmlformats.org/markup-compatibility/2006">
-        <mc:Choice xmlns:a14="http://schemas.microsoft.com/office/drawing/2010/main" Requires="a14">
+      <mc:AlternateContent xmlns:mc="http://schemas.openxmlformats.org/markup-compatibility/2006" xmlns:a14="http://schemas.microsoft.com/office/drawing/2010/main">
+        <mc:Choice Requires="a14">
           <p:sp>
             <p:nvSpPr>
               <p:cNvPr id="19" name="文本框 18">
@@ -24387,7 +25536,7 @@
             </p:txBody>
           </p:sp>
         </mc:Choice>
-        <mc:Fallback>
+        <mc:Fallback xmlns="">
           <p:sp>
             <p:nvSpPr>
               <p:cNvPr id="19" name="文本框 18">
@@ -25124,8 +26273,8 @@
             <a:chExt cx="5676911" cy="1266244"/>
           </a:xfrm>
         </p:grpSpPr>
-        <mc:AlternateContent xmlns:mc="http://schemas.openxmlformats.org/markup-compatibility/2006">
-          <mc:Choice xmlns:a14="http://schemas.microsoft.com/office/drawing/2010/main" Requires="a14">
+        <mc:AlternateContent xmlns:mc="http://schemas.openxmlformats.org/markup-compatibility/2006" xmlns:a14="http://schemas.microsoft.com/office/drawing/2010/main">
+          <mc:Choice Requires="a14">
             <p:sp>
               <p:nvSpPr>
                 <p:cNvPr id="22" name="文本框 21">
@@ -25377,7 +26526,7 @@
               </p:txBody>
             </p:sp>
           </mc:Choice>
-          <mc:Fallback>
+          <mc:Fallback xmlns="">
             <p:sp>
               <p:nvSpPr>
                 <p:cNvPr id="22" name="文本框 21">
@@ -25694,8 +26843,8 @@
           </a:p>
         </p:txBody>
       </p:sp>
-      <mc:AlternateContent xmlns:mc="http://schemas.openxmlformats.org/markup-compatibility/2006">
-        <mc:Choice xmlns:a14="http://schemas.microsoft.com/office/drawing/2010/main" Requires="a14">
+      <mc:AlternateContent xmlns:mc="http://schemas.openxmlformats.org/markup-compatibility/2006" xmlns:a14="http://schemas.microsoft.com/office/drawing/2010/main">
+        <mc:Choice Requires="a14">
           <p:sp>
             <p:nvSpPr>
               <p:cNvPr id="7" name="文本框 6">
@@ -25975,7 +27124,7 @@
             </p:txBody>
           </p:sp>
         </mc:Choice>
-        <mc:Fallback>
+        <mc:Fallback xmlns="">
           <p:sp>
             <p:nvSpPr>
               <p:cNvPr id="7" name="文本框 6">
@@ -26213,8 +27362,8 @@
           </a:p>
         </p:txBody>
       </p:sp>
-      <mc:AlternateContent xmlns:mc="http://schemas.openxmlformats.org/markup-compatibility/2006">
-        <mc:Choice xmlns:a14="http://schemas.microsoft.com/office/drawing/2010/main" Requires="a14">
+      <mc:AlternateContent xmlns:mc="http://schemas.openxmlformats.org/markup-compatibility/2006" xmlns:a14="http://schemas.microsoft.com/office/drawing/2010/main">
+        <mc:Choice Requires="a14">
           <p:sp>
             <p:nvSpPr>
               <p:cNvPr id="7" name="文本框 6">
@@ -26494,7 +27643,7 @@
             </p:txBody>
           </p:sp>
         </mc:Choice>
-        <mc:Fallback>
+        <mc:Fallback xmlns="">
           <p:sp>
             <p:nvSpPr>
               <p:cNvPr id="7" name="文本框 6">
@@ -26813,8 +27962,8 @@
           </a:p>
         </p:txBody>
       </p:sp>
-      <mc:AlternateContent xmlns:mc="http://schemas.openxmlformats.org/markup-compatibility/2006">
-        <mc:Choice xmlns:a14="http://schemas.microsoft.com/office/drawing/2010/main" Requires="a14">
+      <mc:AlternateContent xmlns:mc="http://schemas.openxmlformats.org/markup-compatibility/2006" xmlns:a14="http://schemas.microsoft.com/office/drawing/2010/main">
+        <mc:Choice Requires="a14">
           <p:sp>
             <p:nvSpPr>
               <p:cNvPr id="7" name="文本框 6">
@@ -27160,7 +28309,7 @@
             </p:txBody>
           </p:sp>
         </mc:Choice>
-        <mc:Fallback>
+        <mc:Fallback xmlns="">
           <p:sp>
             <p:nvSpPr>
               <p:cNvPr id="7" name="文本框 6">
@@ -27316,8 +28465,8 @@
           </a:p>
         </p:txBody>
       </p:sp>
-      <mc:AlternateContent xmlns:mc="http://schemas.openxmlformats.org/markup-compatibility/2006">
-        <mc:Choice xmlns:a14="http://schemas.microsoft.com/office/drawing/2010/main" Requires="a14">
+      <mc:AlternateContent xmlns:mc="http://schemas.openxmlformats.org/markup-compatibility/2006" xmlns:a14="http://schemas.microsoft.com/office/drawing/2010/main">
+        <mc:Choice Requires="a14">
           <p:sp>
             <p:nvSpPr>
               <p:cNvPr id="7" name="文本框 6">
@@ -27578,7 +28727,7 @@
             </p:txBody>
           </p:sp>
         </mc:Choice>
-        <mc:Fallback>
+        <mc:Fallback xmlns="">
           <p:sp>
             <p:nvSpPr>
               <p:cNvPr id="7" name="文本框 6">
@@ -29421,8 +30570,8 @@
           </a:p>
         </p:txBody>
       </p:sp>
-      <mc:AlternateContent xmlns:mc="http://schemas.openxmlformats.org/markup-compatibility/2006">
-        <mc:Choice xmlns:a14="http://schemas.microsoft.com/office/drawing/2010/main" Requires="a14">
+      <mc:AlternateContent xmlns:mc="http://schemas.openxmlformats.org/markup-compatibility/2006" xmlns:a14="http://schemas.microsoft.com/office/drawing/2010/main">
+        <mc:Choice Requires="a14">
           <p:sp>
             <p:nvSpPr>
               <p:cNvPr id="5" name="文本框 4">
@@ -29633,7 +30782,7 @@
             </p:txBody>
           </p:sp>
         </mc:Choice>
-        <mc:Fallback>
+        <mc:Fallback xmlns="">
           <p:sp>
             <p:nvSpPr>
               <p:cNvPr id="5" name="文本框 4">
@@ -29657,7 +30806,7 @@
                 <a:avLst/>
               </a:prstGeom>
               <a:blipFill>
-                <a:blip r:embed="rId2"/>
+                <a:blip r:embed="rId3"/>
                 <a:stretch>
                   <a:fillRect l="-1161" r="-232" b="-6731"/>
                 </a:stretch>
@@ -29678,8 +30827,8 @@
           </p:sp>
         </mc:Fallback>
       </mc:AlternateContent>
-      <mc:AlternateContent xmlns:mc="http://schemas.openxmlformats.org/markup-compatibility/2006">
-        <mc:Choice xmlns:a14="http://schemas.microsoft.com/office/drawing/2010/main" Requires="a14">
+      <mc:AlternateContent xmlns:mc="http://schemas.openxmlformats.org/markup-compatibility/2006" xmlns:a14="http://schemas.microsoft.com/office/drawing/2010/main">
+        <mc:Choice Requires="a14">
           <p:sp>
             <p:nvSpPr>
               <p:cNvPr id="6" name="文本框 5">
@@ -29985,7 +31134,7 @@
             </p:txBody>
           </p:sp>
         </mc:Choice>
-        <mc:Fallback>
+        <mc:Fallback xmlns="">
           <p:sp>
             <p:nvSpPr>
               <p:cNvPr id="6" name="文本框 5">
@@ -30009,7 +31158,7 @@
                 <a:avLst/>
               </a:prstGeom>
               <a:blipFill>
-                <a:blip r:embed="rId3"/>
+                <a:blip r:embed="rId4"/>
                 <a:stretch>
                   <a:fillRect t="-11321" b="-21698"/>
                 </a:stretch>
@@ -30030,8 +31179,8 @@
           </p:sp>
         </mc:Fallback>
       </mc:AlternateContent>
-      <mc:AlternateContent xmlns:mc="http://schemas.openxmlformats.org/markup-compatibility/2006">
-        <mc:Choice xmlns:a14="http://schemas.microsoft.com/office/drawing/2010/main" Requires="a14">
+      <mc:AlternateContent xmlns:mc="http://schemas.openxmlformats.org/markup-compatibility/2006" xmlns:a14="http://schemas.microsoft.com/office/drawing/2010/main">
+        <mc:Choice Requires="a14">
           <p:sp>
             <p:nvSpPr>
               <p:cNvPr id="8" name="文本框 7">
@@ -30235,7 +31384,7 @@
             </p:txBody>
           </p:sp>
         </mc:Choice>
-        <mc:Fallback>
+        <mc:Fallback xmlns="">
           <p:sp>
             <p:nvSpPr>
               <p:cNvPr id="8" name="文本框 7">
@@ -30259,7 +31408,7 @@
                 <a:avLst/>
               </a:prstGeom>
               <a:blipFill>
-                <a:blip r:embed="rId4"/>
+                <a:blip r:embed="rId5"/>
                 <a:stretch>
                   <a:fillRect/>
                 </a:stretch>
@@ -30280,8 +31429,8 @@
           </p:sp>
         </mc:Fallback>
       </mc:AlternateContent>
-      <mc:AlternateContent xmlns:mc="http://schemas.openxmlformats.org/markup-compatibility/2006">
-        <mc:Choice xmlns:a14="http://schemas.microsoft.com/office/drawing/2010/main" Requires="a14">
+      <mc:AlternateContent xmlns:mc="http://schemas.openxmlformats.org/markup-compatibility/2006" xmlns:a14="http://schemas.microsoft.com/office/drawing/2010/main">
+        <mc:Choice Requires="a14">
           <p:sp>
             <p:nvSpPr>
               <p:cNvPr id="10" name="文本框 9">
@@ -30522,7 +31671,7 @@
             </p:txBody>
           </p:sp>
         </mc:Choice>
-        <mc:Fallback>
+        <mc:Fallback xmlns="">
           <p:sp>
             <p:nvSpPr>
               <p:cNvPr id="10" name="文本框 9">
@@ -30546,7 +31695,7 @@
                 <a:avLst/>
               </a:prstGeom>
               <a:blipFill>
-                <a:blip r:embed="rId5"/>
+                <a:blip r:embed="rId6"/>
                 <a:stretch>
                   <a:fillRect l="-1568" t="-14754" b="-19672"/>
                 </a:stretch>
@@ -30869,8 +32018,8 @@
           </a:p>
         </p:txBody>
       </p:sp>
-      <mc:AlternateContent xmlns:mc="http://schemas.openxmlformats.org/markup-compatibility/2006">
-        <mc:Choice xmlns:a14="http://schemas.microsoft.com/office/drawing/2010/main" Requires="a14">
+      <mc:AlternateContent xmlns:mc="http://schemas.openxmlformats.org/markup-compatibility/2006" xmlns:a14="http://schemas.microsoft.com/office/drawing/2010/main">
+        <mc:Choice Requires="a14">
           <p:sp>
             <p:nvSpPr>
               <p:cNvPr id="13" name="文本框 12">
@@ -31176,7 +32325,7 @@
             </p:txBody>
           </p:sp>
         </mc:Choice>
-        <mc:Fallback>
+        <mc:Fallback xmlns="">
           <p:sp>
             <p:nvSpPr>
               <p:cNvPr id="13" name="文本框 12">
@@ -31221,8 +32370,8 @@
           </p:sp>
         </mc:Fallback>
       </mc:AlternateContent>
-      <mc:AlternateContent xmlns:mc="http://schemas.openxmlformats.org/markup-compatibility/2006">
-        <mc:Choice xmlns:a14="http://schemas.microsoft.com/office/drawing/2010/main" Requires="a14">
+      <mc:AlternateContent xmlns:mc="http://schemas.openxmlformats.org/markup-compatibility/2006" xmlns:a14="http://schemas.microsoft.com/office/drawing/2010/main">
+        <mc:Choice Requires="a14">
           <p:sp>
             <p:nvSpPr>
               <p:cNvPr id="14" name="文本框 13">
@@ -31513,7 +32662,7 @@
             </p:txBody>
           </p:sp>
         </mc:Choice>
-        <mc:Fallback>
+        <mc:Fallback xmlns="">
           <p:sp>
             <p:nvSpPr>
               <p:cNvPr id="14" name="文本框 13">
@@ -31558,8 +32707,8 @@
           </p:sp>
         </mc:Fallback>
       </mc:AlternateContent>
-      <mc:AlternateContent xmlns:mc="http://schemas.openxmlformats.org/markup-compatibility/2006">
-        <mc:Choice xmlns:a14="http://schemas.microsoft.com/office/drawing/2010/main" Requires="a14">
+      <mc:AlternateContent xmlns:mc="http://schemas.openxmlformats.org/markup-compatibility/2006" xmlns:a14="http://schemas.microsoft.com/office/drawing/2010/main">
+        <mc:Choice Requires="a14">
           <p:sp>
             <p:nvSpPr>
               <p:cNvPr id="16" name="文本框 15">
@@ -31909,7 +33058,7 @@
             </p:txBody>
           </p:sp>
         </mc:Choice>
-        <mc:Fallback>
+        <mc:Fallback xmlns="">
           <p:sp>
             <p:nvSpPr>
               <p:cNvPr id="16" name="文本框 15">
@@ -31954,8 +33103,8 @@
           </p:sp>
         </mc:Fallback>
       </mc:AlternateContent>
-      <mc:AlternateContent xmlns:mc="http://schemas.openxmlformats.org/markup-compatibility/2006">
-        <mc:Choice xmlns:a14="http://schemas.microsoft.com/office/drawing/2010/main" Requires="a14">
+      <mc:AlternateContent xmlns:mc="http://schemas.openxmlformats.org/markup-compatibility/2006" xmlns:a14="http://schemas.microsoft.com/office/drawing/2010/main">
+        <mc:Choice Requires="a14">
           <p:sp>
             <p:nvSpPr>
               <p:cNvPr id="17" name="文本框 16">
@@ -32304,7 +33453,7 @@
             </p:txBody>
           </p:sp>
         </mc:Choice>
-        <mc:Fallback>
+        <mc:Fallback xmlns="">
           <p:sp>
             <p:nvSpPr>
               <p:cNvPr id="17" name="文本框 16">
@@ -32349,8 +33498,8 @@
           </p:sp>
         </mc:Fallback>
       </mc:AlternateContent>
-      <mc:AlternateContent xmlns:mc="http://schemas.openxmlformats.org/markup-compatibility/2006">
-        <mc:Choice xmlns:a14="http://schemas.microsoft.com/office/drawing/2010/main" Requires="a14">
+      <mc:AlternateContent xmlns:mc="http://schemas.openxmlformats.org/markup-compatibility/2006" xmlns:a14="http://schemas.microsoft.com/office/drawing/2010/main">
+        <mc:Choice Requires="a14">
           <p:sp>
             <p:nvSpPr>
               <p:cNvPr id="18" name="文本框 17">
@@ -32528,7 +33677,7 @@
             </p:txBody>
           </p:sp>
         </mc:Choice>
-        <mc:Fallback>
+        <mc:Fallback xmlns="">
           <p:sp>
             <p:nvSpPr>
               <p:cNvPr id="18" name="文本框 17">
@@ -32914,8 +34063,8 @@
           </a:prstGeom>
         </p:spPr>
       </p:pic>
-      <mc:AlternateContent xmlns:mc="http://schemas.openxmlformats.org/markup-compatibility/2006">
-        <mc:Choice xmlns:a14="http://schemas.microsoft.com/office/drawing/2010/main" Requires="a14">
+      <mc:AlternateContent xmlns:mc="http://schemas.openxmlformats.org/markup-compatibility/2006" xmlns:a14="http://schemas.microsoft.com/office/drawing/2010/main">
+        <mc:Choice Requires="a14">
           <p:sp>
             <p:nvSpPr>
               <p:cNvPr id="15" name="文本框 14">
@@ -33074,7 +34223,7 @@
             </p:txBody>
           </p:sp>
         </mc:Choice>
-        <mc:Fallback>
+        <mc:Fallback xmlns="">
           <p:sp>
             <p:nvSpPr>
               <p:cNvPr id="15" name="文本框 14">
@@ -33295,6 +34444,1264 @@
     </p:tnLst>
     <p:bldLst>
       <p:bldP spid="15" grpId="0"/>
+    </p:bldLst>
+  </p:timing>
+</p:sld>
+</file>
+
+<file path=ppt/slides/slide29.xml><?xml version="1.0" encoding="utf-8"?>
+<p:sld xmlns:a="http://schemas.openxmlformats.org/drawingml/2006/main" xmlns:r="http://schemas.openxmlformats.org/officeDocument/2006/relationships" xmlns:p="http://schemas.openxmlformats.org/presentationml/2006/main">
+  <p:cSld>
+    <p:spTree>
+      <p:nvGrpSpPr>
+        <p:cNvPr id="1" name=""/>
+        <p:cNvGrpSpPr/>
+        <p:nvPr/>
+      </p:nvGrpSpPr>
+      <p:grpSpPr>
+        <a:xfrm>
+          <a:off x="0" y="0"/>
+          <a:ext cx="0" cy="0"/>
+          <a:chOff x="0" y="0"/>
+          <a:chExt cx="0" cy="0"/>
+        </a:xfrm>
+      </p:grpSpPr>
+      <p:sp>
+        <p:nvSpPr>
+          <p:cNvPr id="2" name="标题 1">
+            <a:extLst>
+              <a:ext uri="{FF2B5EF4-FFF2-40B4-BE49-F238E27FC236}">
+                <a16:creationId xmlns:a16="http://schemas.microsoft.com/office/drawing/2014/main" id="{B1BBECA0-DF69-4ACD-5855-8EAEAC260465}"/>
+              </a:ext>
+            </a:extLst>
+          </p:cNvPr>
+          <p:cNvSpPr>
+            <a:spLocks noGrp="1"/>
+          </p:cNvSpPr>
+          <p:nvPr>
+            <p:ph type="title"/>
+          </p:nvPr>
+        </p:nvSpPr>
+        <p:spPr/>
+        <p:txBody>
+          <a:bodyPr/>
+          <a:lstStyle/>
+          <a:p>
+            <a:pPr algn="ctr"/>
+            <a:r>
+              <a:rPr lang="zh-CN" altLang="en-US" dirty="0">
+                <a:solidFill>
+                  <a:srgbClr val="FF0000"/>
+                </a:solidFill>
+                <a:latin typeface="宋体" panose="02010600030101010101" pitchFamily="2" charset="-122"/>
+                <a:ea typeface="宋体" panose="02010600030101010101" pitchFamily="2" charset="-122"/>
+              </a:rPr>
+              <a:t>多元线性回归</a:t>
+            </a:r>
+          </a:p>
+        </p:txBody>
+      </p:sp>
+      <mc:AlternateContent xmlns:mc="http://schemas.openxmlformats.org/markup-compatibility/2006" xmlns:a14="http://schemas.microsoft.com/office/drawing/2010/main">
+        <mc:Choice Requires="a14">
+          <p:sp>
+            <p:nvSpPr>
+              <p:cNvPr id="5" name="文本框 4">
+                <a:extLst>
+                  <a:ext uri="{FF2B5EF4-FFF2-40B4-BE49-F238E27FC236}">
+                    <a16:creationId xmlns:a16="http://schemas.microsoft.com/office/drawing/2014/main" id="{722DE79F-6D4D-B0AE-743B-7CBAF411F04F}"/>
+                  </a:ext>
+                </a:extLst>
+              </p:cNvPr>
+              <p:cNvSpPr txBox="1"/>
+              <p:nvPr/>
+            </p:nvSpPr>
+            <p:spPr>
+              <a:xfrm>
+                <a:off x="4019550" y="1819275"/>
+                <a:ext cx="5244000" cy="628634"/>
+              </a:xfrm>
+              <a:prstGeom prst="rect">
+                <a:avLst/>
+              </a:prstGeom>
+              <a:noFill/>
+            </p:spPr>
+            <p:txBody>
+              <a:bodyPr wrap="none" rtlCol="0">
+                <a:spAutoFit/>
+              </a:bodyPr>
+              <a:lstStyle/>
+              <a:p>
+                <a:r>
+                  <a:rPr lang="zh-CN" altLang="en-US" sz="2000" dirty="0">
+                    <a:latin typeface="黑体" panose="02010609060101010101" pitchFamily="49" charset="-122"/>
+                    <a:ea typeface="黑体" panose="02010609060101010101" pitchFamily="49" charset="-122"/>
+                  </a:rPr>
+                  <a:t>目标： </a:t>
+                </a:r>
+                <a14:m>
+                  <m:oMath xmlns:m="http://schemas.openxmlformats.org/officeDocument/2006/math">
+                    <m:nary>
+                      <m:naryPr>
+                        <m:chr m:val="∑"/>
+                        <m:ctrlPr>
+                          <a:rPr lang="zh-CN" altLang="en-US" sz="3200" i="1" smtClean="0">
+                            <a:latin typeface="Cambria Math" panose="02040503050406030204" pitchFamily="18" charset="0"/>
+                          </a:rPr>
+                        </m:ctrlPr>
+                      </m:naryPr>
+                      <m:sub>
+                        <m:r>
+                          <m:rPr>
+                            <m:sty m:val="p"/>
+                            <m:brk m:alnAt="23"/>
+                          </m:rPr>
+                          <a:rPr lang="en-US" altLang="zh-CN" sz="3200" i="1">
+                            <a:latin typeface="Cambria Math" panose="02040503050406030204" pitchFamily="18" charset="0"/>
+                          </a:rPr>
+                          <m:t>i</m:t>
+                        </m:r>
+                        <m:r>
+                          <a:rPr lang="en-US" altLang="zh-CN" sz="3200" b="0" i="1" smtClean="0">
+                            <a:latin typeface="Cambria Math" panose="02040503050406030204" pitchFamily="18" charset="0"/>
+                          </a:rPr>
+                          <m:t>=1</m:t>
+                        </m:r>
+                      </m:sub>
+                      <m:sup>
+                        <m:r>
+                          <a:rPr lang="en-US" altLang="zh-CN" sz="3200" b="0" i="1" smtClean="0">
+                            <a:latin typeface="Cambria Math" panose="02040503050406030204" pitchFamily="18" charset="0"/>
+                          </a:rPr>
+                          <m:t>𝑚</m:t>
+                        </m:r>
+                      </m:sup>
+                      <m:e>
+                        <m:sSup>
+                          <m:sSupPr>
+                            <m:ctrlPr>
+                              <a:rPr lang="en-US" altLang="zh-CN" sz="3200" i="1">
+                                <a:latin typeface="Cambria Math" panose="02040503050406030204" pitchFamily="18" charset="0"/>
+                              </a:rPr>
+                            </m:ctrlPr>
+                          </m:sSupPr>
+                          <m:e>
+                            <m:r>
+                              <a:rPr lang="en-US" altLang="zh-CN" sz="3200" i="1">
+                                <a:latin typeface="Cambria Math" panose="02040503050406030204" pitchFamily="18" charset="0"/>
+                              </a:rPr>
+                              <m:t>(</m:t>
+                            </m:r>
+                            <m:r>
+                              <a:rPr lang="en-US" altLang="zh-CN" sz="3200" i="1">
+                                <a:latin typeface="Cambria Math" panose="02040503050406030204" pitchFamily="18" charset="0"/>
+                              </a:rPr>
+                              <m:t>𝑦</m:t>
+                            </m:r>
+                          </m:e>
+                          <m:sup>
+                            <m:r>
+                              <a:rPr lang="en-US" altLang="zh-CN" sz="3200" i="1">
+                                <a:latin typeface="Cambria Math" panose="02040503050406030204" pitchFamily="18" charset="0"/>
+                              </a:rPr>
+                              <m:t>(</m:t>
+                            </m:r>
+                            <m:r>
+                              <a:rPr lang="en-US" altLang="zh-CN" sz="3200" i="1">
+                                <a:latin typeface="Cambria Math" panose="02040503050406030204" pitchFamily="18" charset="0"/>
+                              </a:rPr>
+                              <m:t>𝑖</m:t>
+                            </m:r>
+                            <m:r>
+                              <a:rPr lang="en-US" altLang="zh-CN" sz="3200" i="1">
+                                <a:latin typeface="Cambria Math" panose="02040503050406030204" pitchFamily="18" charset="0"/>
+                              </a:rPr>
+                              <m:t>)</m:t>
+                            </m:r>
+                          </m:sup>
+                        </m:sSup>
+                        <m:r>
+                          <a:rPr lang="en-US" altLang="zh-CN" sz="3200">
+                            <a:latin typeface="Cambria Math" panose="02040503050406030204" pitchFamily="18" charset="0"/>
+                          </a:rPr>
+                          <m:t>−</m:t>
+                        </m:r>
+                        <m:sSup>
+                          <m:sSupPr>
+                            <m:ctrlPr>
+                              <a:rPr lang="en-US" altLang="zh-CN" sz="3200" i="1" dirty="0">
+                                <a:latin typeface="Cambria Math" panose="02040503050406030204" pitchFamily="18" charset="0"/>
+                              </a:rPr>
+                            </m:ctrlPr>
+                          </m:sSupPr>
+                          <m:e>
+                            <m:acc>
+                              <m:accPr>
+                                <m:chr m:val="̂"/>
+                                <m:ctrlPr>
+                                  <a:rPr lang="en-US" altLang="zh-CN" sz="3200" i="1" dirty="0">
+                                    <a:latin typeface="Cambria Math" panose="02040503050406030204" pitchFamily="18" charset="0"/>
+                                  </a:rPr>
+                                </m:ctrlPr>
+                              </m:accPr>
+                              <m:e>
+                                <m:r>
+                                  <a:rPr lang="en-US" altLang="zh-CN" sz="3200" i="1" dirty="0">
+                                    <a:latin typeface="Cambria Math" panose="02040503050406030204" pitchFamily="18" charset="0"/>
+                                  </a:rPr>
+                                  <m:t>𝑦</m:t>
+                                </m:r>
+                              </m:e>
+                            </m:acc>
+                          </m:e>
+                          <m:sup>
+                            <m:d>
+                              <m:dPr>
+                                <m:ctrlPr>
+                                  <a:rPr lang="en-US" altLang="zh-CN" sz="3200" i="1" dirty="0">
+                                    <a:latin typeface="Cambria Math" panose="02040503050406030204" pitchFamily="18" charset="0"/>
+                                  </a:rPr>
+                                </m:ctrlPr>
+                              </m:dPr>
+                              <m:e>
+                                <m:r>
+                                  <a:rPr lang="en-US" altLang="zh-CN" sz="3200" i="1" dirty="0">
+                                    <a:latin typeface="Cambria Math" panose="02040503050406030204" pitchFamily="18" charset="0"/>
+                                  </a:rPr>
+                                  <m:t>𝑖</m:t>
+                                </m:r>
+                              </m:e>
+                            </m:d>
+                          </m:sup>
+                        </m:sSup>
+                        <m:sSup>
+                          <m:sSupPr>
+                            <m:ctrlPr>
+                              <a:rPr lang="en-US" altLang="zh-CN" sz="3200" i="1" dirty="0">
+                                <a:latin typeface="Cambria Math" panose="02040503050406030204" pitchFamily="18" charset="0"/>
+                              </a:rPr>
+                            </m:ctrlPr>
+                          </m:sSupPr>
+                          <m:e>
+                            <m:r>
+                              <a:rPr lang="en-US" altLang="zh-CN" sz="3200" i="1" dirty="0">
+                                <a:latin typeface="Cambria Math" panose="02040503050406030204" pitchFamily="18" charset="0"/>
+                              </a:rPr>
+                              <m:t>)</m:t>
+                            </m:r>
+                          </m:e>
+                          <m:sup>
+                            <m:r>
+                              <a:rPr lang="en-US" altLang="zh-CN" sz="3200" i="1" dirty="0">
+                                <a:latin typeface="Cambria Math" panose="02040503050406030204" pitchFamily="18" charset="0"/>
+                              </a:rPr>
+                              <m:t>2</m:t>
+                            </m:r>
+                          </m:sup>
+                        </m:sSup>
+                      </m:e>
+                    </m:nary>
+                  </m:oMath>
+                </a14:m>
+                <a:r>
+                  <a:rPr lang="zh-CN" altLang="en-US" sz="2000" dirty="0">
+                    <a:latin typeface="黑体" panose="02010609060101010101" pitchFamily="49" charset="-122"/>
+                    <a:ea typeface="黑体" panose="02010609060101010101" pitchFamily="49" charset="-122"/>
+                  </a:rPr>
+                  <a:t>使尽可能小</a:t>
+                </a:r>
+              </a:p>
+            </p:txBody>
+          </p:sp>
+        </mc:Choice>
+        <mc:Fallback xmlns="">
+          <p:sp>
+            <p:nvSpPr>
+              <p:cNvPr id="5" name="文本框 4">
+                <a:extLst>
+                  <a:ext uri="{FF2B5EF4-FFF2-40B4-BE49-F238E27FC236}">
+                    <a16:creationId xmlns:a16="http://schemas.microsoft.com/office/drawing/2014/main" id="{722DE79F-6D4D-B0AE-743B-7CBAF411F04F}"/>
+                  </a:ext>
+                </a:extLst>
+              </p:cNvPr>
+              <p:cNvSpPr txBox="1">
+                <a:spLocks noRot="1" noChangeAspect="1" noMove="1" noResize="1" noEditPoints="1" noAdjustHandles="1" noChangeArrowheads="1" noChangeShapeType="1" noTextEdit="1"/>
+              </p:cNvSpPr>
+              <p:nvPr/>
+            </p:nvSpPr>
+            <p:spPr>
+              <a:xfrm>
+                <a:off x="4019550" y="1819275"/>
+                <a:ext cx="5244000" cy="628634"/>
+              </a:xfrm>
+              <a:prstGeom prst="rect">
+                <a:avLst/>
+              </a:prstGeom>
+              <a:blipFill>
+                <a:blip r:embed="rId2"/>
+                <a:stretch>
+                  <a:fillRect l="-1208" t="-116000" r="-242" b="-192000"/>
+                </a:stretch>
+              </a:blipFill>
+            </p:spPr>
+            <p:txBody>
+              <a:bodyPr/>
+              <a:lstStyle/>
+              <a:p>
+                <a:r>
+                  <a:rPr lang="zh-CN" altLang="en-US">
+                    <a:noFill/>
+                  </a:rPr>
+                  <a:t> </a:t>
+                </a:r>
+              </a:p>
+            </p:txBody>
+          </p:sp>
+        </mc:Fallback>
+      </mc:AlternateContent>
+      <mc:AlternateContent xmlns:mc="http://schemas.openxmlformats.org/markup-compatibility/2006">
+        <mc:Choice xmlns:a14="http://schemas.microsoft.com/office/drawing/2010/main" Requires="a14">
+          <p:sp>
+            <p:nvSpPr>
+              <p:cNvPr id="8" name="文本框 7">
+                <a:extLst>
+                  <a:ext uri="{FF2B5EF4-FFF2-40B4-BE49-F238E27FC236}">
+                    <a16:creationId xmlns:a16="http://schemas.microsoft.com/office/drawing/2014/main" id="{132C3E74-731C-3B62-F198-DDD4A55B3C22}"/>
+                  </a:ext>
+                </a:extLst>
+              </p:cNvPr>
+              <p:cNvSpPr txBox="1"/>
+              <p:nvPr/>
+            </p:nvSpPr>
+            <p:spPr>
+              <a:xfrm>
+                <a:off x="3440036" y="3893708"/>
+                <a:ext cx="6076600" cy="1434047"/>
+              </a:xfrm>
+              <a:prstGeom prst="rect">
+                <a:avLst/>
+              </a:prstGeom>
+              <a:noFill/>
+            </p:spPr>
+            <p:txBody>
+              <a:bodyPr wrap="none" rtlCol="0">
+                <a:spAutoFit/>
+              </a:bodyPr>
+              <a:lstStyle/>
+              <a:p>
+                <a:pPr/>
+                <a14:m>
+                  <m:oMathPara xmlns:m="http://schemas.openxmlformats.org/officeDocument/2006/math">
+                    <m:oMathParaPr>
+                      <m:jc m:val="centerGroup"/>
+                    </m:oMathParaPr>
+                    <m:oMath xmlns:m="http://schemas.openxmlformats.org/officeDocument/2006/math">
+                      <m:nary>
+                        <m:naryPr>
+                          <m:chr m:val="∑"/>
+                          <m:ctrlPr>
+                            <a:rPr lang="zh-CN" altLang="en-US" sz="3200" i="1" smtClean="0">
+                              <a:latin typeface="Cambria Math" panose="02040503050406030204" pitchFamily="18" charset="0"/>
+                            </a:rPr>
+                          </m:ctrlPr>
+                        </m:naryPr>
+                        <m:sub>
+                          <m:r>
+                            <m:rPr>
+                              <m:sty m:val="p"/>
+                              <m:brk m:alnAt="23"/>
+                            </m:rPr>
+                            <a:rPr lang="en-US" altLang="zh-CN" sz="3200" i="1">
+                              <a:latin typeface="Cambria Math" panose="02040503050406030204" pitchFamily="18" charset="0"/>
+                            </a:rPr>
+                            <m:t>i</m:t>
+                          </m:r>
+                          <m:r>
+                            <a:rPr lang="en-US" altLang="zh-CN" sz="3200" i="1">
+                              <a:latin typeface="Cambria Math" panose="02040503050406030204" pitchFamily="18" charset="0"/>
+                            </a:rPr>
+                            <m:t>=1</m:t>
+                          </m:r>
+                        </m:sub>
+                        <m:sup>
+                          <m:r>
+                            <a:rPr lang="en-US" altLang="zh-CN" sz="3200" i="1">
+                              <a:latin typeface="Cambria Math" panose="02040503050406030204" pitchFamily="18" charset="0"/>
+                            </a:rPr>
+                            <m:t>𝑚</m:t>
+                          </m:r>
+                        </m:sup>
+                        <m:e>
+                          <m:sSup>
+                            <m:sSupPr>
+                              <m:ctrlPr>
+                                <a:rPr lang="en-US" altLang="zh-CN" sz="3200" i="1">
+                                  <a:latin typeface="Cambria Math" panose="02040503050406030204" pitchFamily="18" charset="0"/>
+                                </a:rPr>
+                              </m:ctrlPr>
+                            </m:sSupPr>
+                            <m:e>
+                              <m:r>
+                                <a:rPr lang="en-US" altLang="zh-CN" sz="3200" i="1">
+                                  <a:latin typeface="Cambria Math" panose="02040503050406030204" pitchFamily="18" charset="0"/>
+                                </a:rPr>
+                                <m:t>(</m:t>
+                              </m:r>
+                              <m:r>
+                                <a:rPr lang="en-US" altLang="zh-CN" sz="3200" i="1">
+                                  <a:latin typeface="Cambria Math" panose="02040503050406030204" pitchFamily="18" charset="0"/>
+                                </a:rPr>
+                                <m:t>𝑦</m:t>
+                              </m:r>
+                            </m:e>
+                            <m:sup>
+                              <m:r>
+                                <a:rPr lang="en-US" altLang="zh-CN" sz="3200" i="1">
+                                  <a:latin typeface="Cambria Math" panose="02040503050406030204" pitchFamily="18" charset="0"/>
+                                </a:rPr>
+                                <m:t>(</m:t>
+                              </m:r>
+                              <m:r>
+                                <a:rPr lang="en-US" altLang="zh-CN" sz="3200" i="1">
+                                  <a:latin typeface="Cambria Math" panose="02040503050406030204" pitchFamily="18" charset="0"/>
+                                </a:rPr>
+                                <m:t>𝑖</m:t>
+                              </m:r>
+                              <m:r>
+                                <a:rPr lang="en-US" altLang="zh-CN" sz="3200" i="1">
+                                  <a:latin typeface="Cambria Math" panose="02040503050406030204" pitchFamily="18" charset="0"/>
+                                </a:rPr>
+                                <m:t>)</m:t>
+                              </m:r>
+                            </m:sup>
+                          </m:sSup>
+                          <m:r>
+                            <a:rPr lang="en-US" altLang="zh-CN" sz="3200">
+                              <a:latin typeface="Cambria Math" panose="02040503050406030204" pitchFamily="18" charset="0"/>
+                            </a:rPr>
+                            <m:t>−</m:t>
+                          </m:r>
+                          <m:sSub>
+                            <m:sSubPr>
+                              <m:ctrlPr>
+                                <a:rPr lang="en-US" altLang="zh-CN" sz="2800" i="1">
+                                  <a:latin typeface="Cambria Math" panose="02040503050406030204" pitchFamily="18" charset="0"/>
+                                  <a:ea typeface="黑体" panose="02010609060101010101" pitchFamily="49" charset="-122"/>
+                                  <a:cs typeface="Times New Roman" panose="02020603050405020304" pitchFamily="18" charset="0"/>
+                                </a:rPr>
+                              </m:ctrlPr>
+                            </m:sSubPr>
+                            <m:e>
+                              <m:r>
+                                <a:rPr lang="el-GR" altLang="zh-CN" sz="2800" i="1">
+                                  <a:latin typeface="Cambria Math" panose="02040503050406030204" pitchFamily="18" charset="0"/>
+                                  <a:ea typeface="黑体" panose="02010609060101010101" pitchFamily="49" charset="-122"/>
+                                  <a:cs typeface="Times New Roman" panose="02020603050405020304" pitchFamily="18" charset="0"/>
+                                </a:rPr>
+                                <m:t>𝜃</m:t>
+                              </m:r>
+                            </m:e>
+                            <m:sub>
+                              <m:r>
+                                <a:rPr lang="en-US" altLang="zh-CN" sz="2800" i="1">
+                                  <a:latin typeface="Cambria Math" panose="02040503050406030204" pitchFamily="18" charset="0"/>
+                                  <a:ea typeface="黑体" panose="02010609060101010101" pitchFamily="49" charset="-122"/>
+                                  <a:cs typeface="Times New Roman" panose="02020603050405020304" pitchFamily="18" charset="0"/>
+                                </a:rPr>
+                                <m:t>0</m:t>
+                              </m:r>
+                            </m:sub>
+                          </m:sSub>
+                          <m:r>
+                            <a:rPr lang="en-US" altLang="zh-CN" sz="2800" b="0" i="1" smtClean="0">
+                              <a:latin typeface="Cambria Math" panose="02040503050406030204" pitchFamily="18" charset="0"/>
+                              <a:ea typeface="黑体" panose="02010609060101010101" pitchFamily="49" charset="-122"/>
+                              <a:cs typeface="Times New Roman" panose="02020603050405020304" pitchFamily="18" charset="0"/>
+                            </a:rPr>
+                            <m:t>−</m:t>
+                          </m:r>
+                          <m:sSub>
+                            <m:sSubPr>
+                              <m:ctrlPr>
+                                <a:rPr lang="en-US" altLang="zh-CN" sz="2800" i="1">
+                                  <a:latin typeface="Cambria Math" panose="02040503050406030204" pitchFamily="18" charset="0"/>
+                                  <a:ea typeface="黑体" panose="02010609060101010101" pitchFamily="49" charset="-122"/>
+                                  <a:cs typeface="Times New Roman" panose="02020603050405020304" pitchFamily="18" charset="0"/>
+                                </a:rPr>
+                              </m:ctrlPr>
+                            </m:sSubPr>
+                            <m:e>
+                              <m:r>
+                                <a:rPr lang="el-GR" altLang="zh-CN" sz="2800" i="1">
+                                  <a:latin typeface="Cambria Math" panose="02040503050406030204" pitchFamily="18" charset="0"/>
+                                  <a:ea typeface="黑体" panose="02010609060101010101" pitchFamily="49" charset="-122"/>
+                                  <a:cs typeface="Times New Roman" panose="02020603050405020304" pitchFamily="18" charset="0"/>
+                                </a:rPr>
+                                <m:t>𝜃</m:t>
+                              </m:r>
+                            </m:e>
+                            <m:sub>
+                              <m:r>
+                                <a:rPr lang="en-US" altLang="zh-CN" sz="2800" i="1">
+                                  <a:latin typeface="Cambria Math" panose="02040503050406030204" pitchFamily="18" charset="0"/>
+                                  <a:ea typeface="黑体" panose="02010609060101010101" pitchFamily="49" charset="-122"/>
+                                  <a:cs typeface="Times New Roman" panose="02020603050405020304" pitchFamily="18" charset="0"/>
+                                </a:rPr>
+                                <m:t>1</m:t>
+                              </m:r>
+                            </m:sub>
+                          </m:sSub>
+                          <m:sSup>
+                            <m:sSupPr>
+                              <m:ctrlPr>
+                                <a:rPr lang="en-US" altLang="zh-CN" sz="3200" i="1">
+                                  <a:latin typeface="Cambria Math" panose="02040503050406030204" pitchFamily="18" charset="0"/>
+                                </a:rPr>
+                              </m:ctrlPr>
+                            </m:sSupPr>
+                            <m:e>
+                              <m:sSub>
+                                <m:sSubPr>
+                                  <m:ctrlPr>
+                                    <a:rPr lang="en-US" altLang="zh-CN" sz="3200" i="1">
+                                      <a:latin typeface="Cambria Math" panose="02040503050406030204" pitchFamily="18" charset="0"/>
+                                    </a:rPr>
+                                  </m:ctrlPr>
+                                </m:sSubPr>
+                                <m:e>
+                                  <m:r>
+                                    <a:rPr lang="en-US" altLang="zh-CN" sz="3200" i="1">
+                                      <a:latin typeface="Cambria Math" panose="02040503050406030204" pitchFamily="18" charset="0"/>
+                                    </a:rPr>
+                                    <m:t>𝑥</m:t>
+                                  </m:r>
+                                </m:e>
+                                <m:sub>
+                                  <m:r>
+                                    <a:rPr lang="en-US" altLang="zh-CN" sz="3200" i="1">
+                                      <a:latin typeface="Cambria Math" panose="02040503050406030204" pitchFamily="18" charset="0"/>
+                                    </a:rPr>
+                                    <m:t>1</m:t>
+                                  </m:r>
+                                </m:sub>
+                              </m:sSub>
+                            </m:e>
+                            <m:sup>
+                              <m:r>
+                                <a:rPr lang="en-US" altLang="zh-CN" sz="3200" i="1">
+                                  <a:latin typeface="Cambria Math" panose="02040503050406030204" pitchFamily="18" charset="0"/>
+                                </a:rPr>
+                                <m:t>𝑖</m:t>
+                              </m:r>
+                            </m:sup>
+                          </m:sSup>
+                          <m:r>
+                            <a:rPr lang="en-US" altLang="zh-CN" sz="3200" b="0" i="1" smtClean="0">
+                              <a:latin typeface="Cambria Math" panose="02040503050406030204" pitchFamily="18" charset="0"/>
+                            </a:rPr>
+                            <m:t>−</m:t>
+                          </m:r>
+                          <m:r>
+                            <a:rPr lang="en-US" altLang="zh-CN" sz="2800" i="1">
+                              <a:latin typeface="Cambria Math" panose="02040503050406030204" pitchFamily="18" charset="0"/>
+                              <a:ea typeface="黑体" panose="02010609060101010101" pitchFamily="49" charset="-122"/>
+                              <a:cs typeface="Times New Roman" panose="02020603050405020304" pitchFamily="18" charset="0"/>
+                            </a:rPr>
+                            <m:t>…</m:t>
+                          </m:r>
+                          <m:r>
+                            <a:rPr lang="en-US" altLang="zh-CN" sz="2800" b="0" i="1" smtClean="0">
+                              <a:latin typeface="Cambria Math" panose="02040503050406030204" pitchFamily="18" charset="0"/>
+                              <a:ea typeface="黑体" panose="02010609060101010101" pitchFamily="49" charset="-122"/>
+                              <a:cs typeface="Times New Roman" panose="02020603050405020304" pitchFamily="18" charset="0"/>
+                            </a:rPr>
+                            <m:t>−</m:t>
+                          </m:r>
+                          <m:sSub>
+                            <m:sSubPr>
+                              <m:ctrlPr>
+                                <a:rPr lang="en-US" altLang="zh-CN" sz="2800" i="1">
+                                  <a:latin typeface="Cambria Math" panose="02040503050406030204" pitchFamily="18" charset="0"/>
+                                  <a:ea typeface="黑体" panose="02010609060101010101" pitchFamily="49" charset="-122"/>
+                                  <a:cs typeface="Times New Roman" panose="02020603050405020304" pitchFamily="18" charset="0"/>
+                                </a:rPr>
+                              </m:ctrlPr>
+                            </m:sSubPr>
+                            <m:e>
+                              <m:r>
+                                <a:rPr lang="el-GR" altLang="zh-CN" sz="2800" i="1">
+                                  <a:latin typeface="Cambria Math" panose="02040503050406030204" pitchFamily="18" charset="0"/>
+                                  <a:ea typeface="黑体" panose="02010609060101010101" pitchFamily="49" charset="-122"/>
+                                  <a:cs typeface="Times New Roman" panose="02020603050405020304" pitchFamily="18" charset="0"/>
+                                </a:rPr>
+                                <m:t>𝜃</m:t>
+                              </m:r>
+                            </m:e>
+                            <m:sub>
+                              <m:r>
+                                <m:rPr>
+                                  <m:sty m:val="p"/>
+                                </m:rPr>
+                                <a:rPr lang="en-US" altLang="zh-CN" sz="2800" i="1">
+                                  <a:latin typeface="Cambria Math" panose="02040503050406030204" pitchFamily="18" charset="0"/>
+                                  <a:ea typeface="黑体" panose="02010609060101010101" pitchFamily="49" charset="-122"/>
+                                  <a:cs typeface="Times New Roman" panose="02020603050405020304" pitchFamily="18" charset="0"/>
+                                </a:rPr>
+                                <m:t>n</m:t>
+                              </m:r>
+                            </m:sub>
+                          </m:sSub>
+                          <m:sSup>
+                            <m:sSupPr>
+                              <m:ctrlPr>
+                                <a:rPr lang="en-US" altLang="zh-CN" sz="3200" i="1">
+                                  <a:latin typeface="Cambria Math" panose="02040503050406030204" pitchFamily="18" charset="0"/>
+                                </a:rPr>
+                              </m:ctrlPr>
+                            </m:sSupPr>
+                            <m:e>
+                              <m:sSub>
+                                <m:sSubPr>
+                                  <m:ctrlPr>
+                                    <a:rPr lang="en-US" altLang="zh-CN" sz="3200" i="1">
+                                      <a:latin typeface="Cambria Math" panose="02040503050406030204" pitchFamily="18" charset="0"/>
+                                    </a:rPr>
+                                  </m:ctrlPr>
+                                </m:sSubPr>
+                                <m:e>
+                                  <m:r>
+                                    <a:rPr lang="en-US" altLang="zh-CN" sz="3200" i="1">
+                                      <a:latin typeface="Cambria Math" panose="02040503050406030204" pitchFamily="18" charset="0"/>
+                                    </a:rPr>
+                                    <m:t>𝑥</m:t>
+                                  </m:r>
+                                </m:e>
+                                <m:sub>
+                                  <m:r>
+                                    <a:rPr lang="en-US" altLang="zh-CN" sz="3200" i="1">
+                                      <a:latin typeface="Cambria Math" panose="02040503050406030204" pitchFamily="18" charset="0"/>
+                                    </a:rPr>
+                                    <m:t>𝑛</m:t>
+                                  </m:r>
+                                </m:sub>
+                              </m:sSub>
+                            </m:e>
+                            <m:sup>
+                              <m:r>
+                                <a:rPr lang="en-US" altLang="zh-CN" sz="3200" i="1">
+                                  <a:latin typeface="Cambria Math" panose="02040503050406030204" pitchFamily="18" charset="0"/>
+                                </a:rPr>
+                                <m:t>𝑖</m:t>
+                              </m:r>
+                            </m:sup>
+                          </m:sSup>
+                          <m:sSup>
+                            <m:sSupPr>
+                              <m:ctrlPr>
+                                <a:rPr lang="en-US" altLang="zh-CN" sz="3200" i="1" dirty="0">
+                                  <a:latin typeface="Cambria Math" panose="02040503050406030204" pitchFamily="18" charset="0"/>
+                                </a:rPr>
+                              </m:ctrlPr>
+                            </m:sSupPr>
+                            <m:e>
+                              <m:r>
+                                <a:rPr lang="en-US" altLang="zh-CN" sz="3200" i="1" dirty="0">
+                                  <a:latin typeface="Cambria Math" panose="02040503050406030204" pitchFamily="18" charset="0"/>
+                                </a:rPr>
+                                <m:t>)</m:t>
+                              </m:r>
+                            </m:e>
+                            <m:sup>
+                              <m:r>
+                                <a:rPr lang="en-US" altLang="zh-CN" sz="3200" i="1" dirty="0">
+                                  <a:latin typeface="Cambria Math" panose="02040503050406030204" pitchFamily="18" charset="0"/>
+                                </a:rPr>
+                                <m:t>2</m:t>
+                              </m:r>
+                            </m:sup>
+                          </m:sSup>
+                        </m:e>
+                      </m:nary>
+                    </m:oMath>
+                  </m:oMathPara>
+                </a14:m>
+                <a:endParaRPr lang="zh-CN" altLang="en-US" sz="3200" dirty="0"/>
+              </a:p>
+            </p:txBody>
+          </p:sp>
+        </mc:Choice>
+        <mc:Fallback>
+          <p:sp>
+            <p:nvSpPr>
+              <p:cNvPr id="8" name="文本框 7">
+                <a:extLst>
+                  <a:ext uri="{FF2B5EF4-FFF2-40B4-BE49-F238E27FC236}">
+                    <a16:creationId xmlns:a16="http://schemas.microsoft.com/office/drawing/2014/main" id="{132C3E74-731C-3B62-F198-DDD4A55B3C22}"/>
+                  </a:ext>
+                </a:extLst>
+              </p:cNvPr>
+              <p:cNvSpPr txBox="1">
+                <a:spLocks noRot="1" noChangeAspect="1" noMove="1" noResize="1" noEditPoints="1" noAdjustHandles="1" noChangeArrowheads="1" noChangeShapeType="1" noTextEdit="1"/>
+              </p:cNvSpPr>
+              <p:nvPr/>
+            </p:nvSpPr>
+            <p:spPr>
+              <a:xfrm>
+                <a:off x="3440036" y="3893708"/>
+                <a:ext cx="6076600" cy="1434047"/>
+              </a:xfrm>
+              <a:prstGeom prst="rect">
+                <a:avLst/>
+              </a:prstGeom>
+              <a:blipFill>
+                <a:blip r:embed="rId3"/>
+                <a:stretch>
+                  <a:fillRect l="-22500" t="-109649" b="-166667"/>
+                </a:stretch>
+              </a:blipFill>
+            </p:spPr>
+            <p:txBody>
+              <a:bodyPr/>
+              <a:lstStyle/>
+              <a:p>
+                <a:r>
+                  <a:rPr lang="zh-CN" altLang="en-US">
+                    <a:noFill/>
+                  </a:rPr>
+                  <a:t> </a:t>
+                </a:r>
+              </a:p>
+            </p:txBody>
+          </p:sp>
+        </mc:Fallback>
+      </mc:AlternateContent>
+      <mc:AlternateContent xmlns:mc="http://schemas.openxmlformats.org/markup-compatibility/2006" xmlns:a14="http://schemas.microsoft.com/office/drawing/2010/main">
+        <mc:Choice Requires="a14">
+          <p:sp>
+            <p:nvSpPr>
+              <p:cNvPr id="9" name="文本框 8">
+                <a:extLst>
+                  <a:ext uri="{FF2B5EF4-FFF2-40B4-BE49-F238E27FC236}">
+                    <a16:creationId xmlns:a16="http://schemas.microsoft.com/office/drawing/2014/main" id="{53AFC240-B452-754E-AA04-0DB656051394}"/>
+                  </a:ext>
+                </a:extLst>
+              </p:cNvPr>
+              <p:cNvSpPr txBox="1"/>
+              <p:nvPr/>
+            </p:nvSpPr>
+            <p:spPr>
+              <a:xfrm>
+                <a:off x="3599962" y="3007178"/>
+                <a:ext cx="6674852" cy="646331"/>
+              </a:xfrm>
+              <a:prstGeom prst="rect">
+                <a:avLst/>
+              </a:prstGeom>
+              <a:noFill/>
+            </p:spPr>
+            <p:txBody>
+              <a:bodyPr wrap="square" rtlCol="0">
+                <a:spAutoFit/>
+              </a:bodyPr>
+              <a:lstStyle/>
+              <a:p>
+                <a14:m>
+                  <m:oMath xmlns:m="http://schemas.openxmlformats.org/officeDocument/2006/math">
+                    <m:sSup>
+                      <m:sSupPr>
+                        <m:ctrlPr>
+                          <a:rPr lang="en-US" altLang="zh-CN" sz="3200" i="1" smtClean="0">
+                            <a:latin typeface="Cambria Math" panose="02040503050406030204" pitchFamily="18" charset="0"/>
+                          </a:rPr>
+                        </m:ctrlPr>
+                      </m:sSupPr>
+                      <m:e>
+                        <m:acc>
+                          <m:accPr>
+                            <m:chr m:val="̂"/>
+                            <m:ctrlPr>
+                              <a:rPr lang="en-US" altLang="zh-CN" sz="3200" i="1">
+                                <a:latin typeface="Cambria Math" panose="02040503050406030204" pitchFamily="18" charset="0"/>
+                              </a:rPr>
+                            </m:ctrlPr>
+                          </m:accPr>
+                          <m:e>
+                            <m:r>
+                              <a:rPr lang="en-US" altLang="zh-CN" sz="3200" i="1">
+                                <a:latin typeface="Cambria Math" panose="02040503050406030204" pitchFamily="18" charset="0"/>
+                              </a:rPr>
+                              <m:t>𝑦</m:t>
+                            </m:r>
+                          </m:e>
+                        </m:acc>
+                      </m:e>
+                      <m:sup>
+                        <m:r>
+                          <a:rPr lang="en-US" altLang="zh-CN" sz="3200" i="1">
+                            <a:latin typeface="Cambria Math" panose="02040503050406030204" pitchFamily="18" charset="0"/>
+                          </a:rPr>
+                          <m:t>(</m:t>
+                        </m:r>
+                        <m:r>
+                          <a:rPr lang="en-US" altLang="zh-CN" sz="3200" i="1">
+                            <a:latin typeface="Cambria Math" panose="02040503050406030204" pitchFamily="18" charset="0"/>
+                          </a:rPr>
+                          <m:t>𝑖</m:t>
+                        </m:r>
+                        <m:r>
+                          <a:rPr lang="en-US" altLang="zh-CN" sz="3200" i="1">
+                            <a:latin typeface="Cambria Math" panose="02040503050406030204" pitchFamily="18" charset="0"/>
+                          </a:rPr>
+                          <m:t>)</m:t>
+                        </m:r>
+                      </m:sup>
+                    </m:sSup>
+                  </m:oMath>
+                </a14:m>
+                <a:r>
+                  <a:rPr lang="en-US" altLang="zh-CN" sz="3200" dirty="0">
+                    <a:latin typeface="黑体" panose="02010609060101010101" pitchFamily="49" charset="-122"/>
+                    <a:ea typeface="黑体" panose="02010609060101010101" pitchFamily="49" charset="-122"/>
+                    <a:cs typeface="Times New Roman" panose="02020603050405020304" pitchFamily="18" charset="0"/>
+                  </a:rPr>
+                  <a:t>=</a:t>
+                </a:r>
+                <a:r>
+                  <a:rPr lang="en-US" altLang="zh-CN" sz="3200" dirty="0">
+                    <a:ea typeface="黑体" panose="02010609060101010101" pitchFamily="49" charset="-122"/>
+                    <a:cs typeface="Times New Roman" panose="02020603050405020304" pitchFamily="18" charset="0"/>
+                  </a:rPr>
+                  <a:t> </a:t>
+                </a:r>
+                <a14:m>
+                  <m:oMath xmlns:m="http://schemas.openxmlformats.org/officeDocument/2006/math">
+                    <m:sSub>
+                      <m:sSubPr>
+                        <m:ctrlPr>
+                          <a:rPr lang="en-US" altLang="zh-CN" sz="3200" i="1">
+                            <a:latin typeface="Cambria Math" panose="02040503050406030204" pitchFamily="18" charset="0"/>
+                            <a:ea typeface="黑体" panose="02010609060101010101" pitchFamily="49" charset="-122"/>
+                            <a:cs typeface="Times New Roman" panose="02020603050405020304" pitchFamily="18" charset="0"/>
+                          </a:rPr>
+                        </m:ctrlPr>
+                      </m:sSubPr>
+                      <m:e>
+                        <m:r>
+                          <a:rPr lang="el-GR" altLang="zh-CN" sz="3200" i="1">
+                            <a:latin typeface="Cambria Math" panose="02040503050406030204" pitchFamily="18" charset="0"/>
+                            <a:ea typeface="黑体" panose="02010609060101010101" pitchFamily="49" charset="-122"/>
+                            <a:cs typeface="Times New Roman" panose="02020603050405020304" pitchFamily="18" charset="0"/>
+                          </a:rPr>
+                          <m:t>𝜃</m:t>
+                        </m:r>
+                      </m:e>
+                      <m:sub>
+                        <m:r>
+                          <a:rPr lang="en-US" altLang="zh-CN" sz="3200" i="1">
+                            <a:latin typeface="Cambria Math" panose="02040503050406030204" pitchFamily="18" charset="0"/>
+                            <a:ea typeface="黑体" panose="02010609060101010101" pitchFamily="49" charset="-122"/>
+                            <a:cs typeface="Times New Roman" panose="02020603050405020304" pitchFamily="18" charset="0"/>
+                          </a:rPr>
+                          <m:t>0</m:t>
+                        </m:r>
+                      </m:sub>
+                    </m:sSub>
+                    <m:sSup>
+                      <m:sSupPr>
+                        <m:ctrlPr>
+                          <a:rPr lang="en-US" altLang="zh-CN" sz="3200" i="1">
+                            <a:latin typeface="Cambria Math" panose="02040503050406030204" pitchFamily="18" charset="0"/>
+                          </a:rPr>
+                        </m:ctrlPr>
+                      </m:sSupPr>
+                      <m:e>
+                        <m:sSub>
+                          <m:sSubPr>
+                            <m:ctrlPr>
+                              <a:rPr lang="en-US" altLang="zh-CN" sz="3200" i="1">
+                                <a:latin typeface="Cambria Math" panose="02040503050406030204" pitchFamily="18" charset="0"/>
+                              </a:rPr>
+                            </m:ctrlPr>
+                          </m:sSubPr>
+                          <m:e>
+                            <m:r>
+                              <a:rPr lang="en-US" altLang="zh-CN" sz="3200" i="1">
+                                <a:latin typeface="Cambria Math" panose="02040503050406030204" pitchFamily="18" charset="0"/>
+                              </a:rPr>
+                              <m:t>𝑥</m:t>
+                            </m:r>
+                          </m:e>
+                          <m:sub>
+                            <m:r>
+                              <a:rPr lang="en-US" altLang="zh-CN" sz="3200" b="0" i="1" smtClean="0">
+                                <a:latin typeface="Cambria Math" panose="02040503050406030204" pitchFamily="18" charset="0"/>
+                              </a:rPr>
+                              <m:t>0</m:t>
+                            </m:r>
+                          </m:sub>
+                        </m:sSub>
+                      </m:e>
+                      <m:sup>
+                        <m:r>
+                          <a:rPr lang="en-US" altLang="zh-CN" sz="3200" i="1">
+                            <a:latin typeface="Cambria Math" panose="02040503050406030204" pitchFamily="18" charset="0"/>
+                          </a:rPr>
+                          <m:t>𝑖</m:t>
+                        </m:r>
+                      </m:sup>
+                    </m:sSup>
+                    <m:r>
+                      <a:rPr lang="en-US" altLang="zh-CN" sz="3200" i="1">
+                        <a:latin typeface="Cambria Math" panose="02040503050406030204" pitchFamily="18" charset="0"/>
+                        <a:ea typeface="黑体" panose="02010609060101010101" pitchFamily="49" charset="-122"/>
+                        <a:cs typeface="Times New Roman" panose="02020603050405020304" pitchFamily="18" charset="0"/>
+                      </a:rPr>
+                      <m:t>+</m:t>
+                    </m:r>
+                    <m:sSub>
+                      <m:sSubPr>
+                        <m:ctrlPr>
+                          <a:rPr lang="en-US" altLang="zh-CN" sz="3200" i="1">
+                            <a:latin typeface="Cambria Math" panose="02040503050406030204" pitchFamily="18" charset="0"/>
+                            <a:ea typeface="黑体" panose="02010609060101010101" pitchFamily="49" charset="-122"/>
+                            <a:cs typeface="Times New Roman" panose="02020603050405020304" pitchFamily="18" charset="0"/>
+                          </a:rPr>
+                        </m:ctrlPr>
+                      </m:sSubPr>
+                      <m:e>
+                        <m:r>
+                          <a:rPr lang="el-GR" altLang="zh-CN" sz="3200" i="1">
+                            <a:latin typeface="Cambria Math" panose="02040503050406030204" pitchFamily="18" charset="0"/>
+                            <a:ea typeface="黑体" panose="02010609060101010101" pitchFamily="49" charset="-122"/>
+                            <a:cs typeface="Times New Roman" panose="02020603050405020304" pitchFamily="18" charset="0"/>
+                          </a:rPr>
+                          <m:t>𝜃</m:t>
+                        </m:r>
+                      </m:e>
+                      <m:sub>
+                        <m:r>
+                          <a:rPr lang="en-US" altLang="zh-CN" sz="3200" i="1">
+                            <a:latin typeface="Cambria Math" panose="02040503050406030204" pitchFamily="18" charset="0"/>
+                            <a:ea typeface="黑体" panose="02010609060101010101" pitchFamily="49" charset="-122"/>
+                            <a:cs typeface="Times New Roman" panose="02020603050405020304" pitchFamily="18" charset="0"/>
+                          </a:rPr>
+                          <m:t>1</m:t>
+                        </m:r>
+                      </m:sub>
+                    </m:sSub>
+                    <m:sSup>
+                      <m:sSupPr>
+                        <m:ctrlPr>
+                          <a:rPr lang="en-US" altLang="zh-CN" sz="3600" i="1">
+                            <a:latin typeface="Cambria Math" panose="02040503050406030204" pitchFamily="18" charset="0"/>
+                          </a:rPr>
+                        </m:ctrlPr>
+                      </m:sSupPr>
+                      <m:e>
+                        <m:sSub>
+                          <m:sSubPr>
+                            <m:ctrlPr>
+                              <a:rPr lang="en-US" altLang="zh-CN" sz="3600" i="1">
+                                <a:latin typeface="Cambria Math" panose="02040503050406030204" pitchFamily="18" charset="0"/>
+                              </a:rPr>
+                            </m:ctrlPr>
+                          </m:sSubPr>
+                          <m:e>
+                            <m:r>
+                              <a:rPr lang="en-US" altLang="zh-CN" sz="3600" i="1">
+                                <a:latin typeface="Cambria Math" panose="02040503050406030204" pitchFamily="18" charset="0"/>
+                              </a:rPr>
+                              <m:t>𝑥</m:t>
+                            </m:r>
+                          </m:e>
+                          <m:sub>
+                            <m:r>
+                              <a:rPr lang="en-US" altLang="zh-CN" sz="3600" i="1">
+                                <a:latin typeface="Cambria Math" panose="02040503050406030204" pitchFamily="18" charset="0"/>
+                              </a:rPr>
+                              <m:t>1</m:t>
+                            </m:r>
+                          </m:sub>
+                        </m:sSub>
+                      </m:e>
+                      <m:sup>
+                        <m:r>
+                          <a:rPr lang="en-US" altLang="zh-CN" sz="3600" i="1">
+                            <a:latin typeface="Cambria Math" panose="02040503050406030204" pitchFamily="18" charset="0"/>
+                          </a:rPr>
+                          <m:t>𝑖</m:t>
+                        </m:r>
+                      </m:sup>
+                    </m:sSup>
+                    <m:r>
+                      <a:rPr lang="en-US" altLang="zh-CN" sz="3200" i="1">
+                        <a:latin typeface="Cambria Math" panose="02040503050406030204" pitchFamily="18" charset="0"/>
+                        <a:ea typeface="黑体" panose="02010609060101010101" pitchFamily="49" charset="-122"/>
+                        <a:cs typeface="Times New Roman" panose="02020603050405020304" pitchFamily="18" charset="0"/>
+                      </a:rPr>
+                      <m:t>+…+</m:t>
+                    </m:r>
+                    <m:sSub>
+                      <m:sSubPr>
+                        <m:ctrlPr>
+                          <a:rPr lang="en-US" altLang="zh-CN" sz="3200" i="1">
+                            <a:latin typeface="Cambria Math" panose="02040503050406030204" pitchFamily="18" charset="0"/>
+                            <a:ea typeface="黑体" panose="02010609060101010101" pitchFamily="49" charset="-122"/>
+                            <a:cs typeface="Times New Roman" panose="02020603050405020304" pitchFamily="18" charset="0"/>
+                          </a:rPr>
+                        </m:ctrlPr>
+                      </m:sSubPr>
+                      <m:e>
+                        <m:r>
+                          <a:rPr lang="el-GR" altLang="zh-CN" sz="3200" i="1">
+                            <a:latin typeface="Cambria Math" panose="02040503050406030204" pitchFamily="18" charset="0"/>
+                            <a:ea typeface="黑体" panose="02010609060101010101" pitchFamily="49" charset="-122"/>
+                            <a:cs typeface="Times New Roman" panose="02020603050405020304" pitchFamily="18" charset="0"/>
+                          </a:rPr>
+                          <m:t>𝜃</m:t>
+                        </m:r>
+                      </m:e>
+                      <m:sub>
+                        <m:r>
+                          <m:rPr>
+                            <m:sty m:val="p"/>
+                          </m:rPr>
+                          <a:rPr lang="en-US" altLang="zh-CN" sz="3200" i="1">
+                            <a:latin typeface="Cambria Math" panose="02040503050406030204" pitchFamily="18" charset="0"/>
+                            <a:ea typeface="黑体" panose="02010609060101010101" pitchFamily="49" charset="-122"/>
+                            <a:cs typeface="Times New Roman" panose="02020603050405020304" pitchFamily="18" charset="0"/>
+                          </a:rPr>
+                          <m:t>n</m:t>
+                        </m:r>
+                      </m:sub>
+                    </m:sSub>
+                    <m:sSup>
+                      <m:sSupPr>
+                        <m:ctrlPr>
+                          <a:rPr lang="en-US" altLang="zh-CN" sz="3600" i="1">
+                            <a:latin typeface="Cambria Math" panose="02040503050406030204" pitchFamily="18" charset="0"/>
+                          </a:rPr>
+                        </m:ctrlPr>
+                      </m:sSupPr>
+                      <m:e>
+                        <m:sSub>
+                          <m:sSubPr>
+                            <m:ctrlPr>
+                              <a:rPr lang="en-US" altLang="zh-CN" sz="3600" i="1">
+                                <a:latin typeface="Cambria Math" panose="02040503050406030204" pitchFamily="18" charset="0"/>
+                              </a:rPr>
+                            </m:ctrlPr>
+                          </m:sSubPr>
+                          <m:e>
+                            <m:r>
+                              <a:rPr lang="en-US" altLang="zh-CN" sz="3600" i="1">
+                                <a:latin typeface="Cambria Math" panose="02040503050406030204" pitchFamily="18" charset="0"/>
+                              </a:rPr>
+                              <m:t>𝑥</m:t>
+                            </m:r>
+                          </m:e>
+                          <m:sub>
+                            <m:r>
+                              <a:rPr lang="en-US" altLang="zh-CN" sz="3600" i="1">
+                                <a:latin typeface="Cambria Math" panose="02040503050406030204" pitchFamily="18" charset="0"/>
+                              </a:rPr>
+                              <m:t>𝑛</m:t>
+                            </m:r>
+                          </m:sub>
+                        </m:sSub>
+                      </m:e>
+                      <m:sup>
+                        <m:r>
+                          <a:rPr lang="en-US" altLang="zh-CN" sz="3600" i="1">
+                            <a:latin typeface="Cambria Math" panose="02040503050406030204" pitchFamily="18" charset="0"/>
+                          </a:rPr>
+                          <m:t>𝑖</m:t>
+                        </m:r>
+                      </m:sup>
+                    </m:sSup>
+                  </m:oMath>
+                </a14:m>
+                <a:endParaRPr lang="zh-CN" altLang="en-US" dirty="0"/>
+              </a:p>
+            </p:txBody>
+          </p:sp>
+        </mc:Choice>
+        <mc:Fallback xmlns="">
+          <p:sp>
+            <p:nvSpPr>
+              <p:cNvPr id="9" name="文本框 8">
+                <a:extLst>
+                  <a:ext uri="{FF2B5EF4-FFF2-40B4-BE49-F238E27FC236}">
+                    <a16:creationId xmlns:a16="http://schemas.microsoft.com/office/drawing/2014/main" id="{53AFC240-B452-754E-AA04-0DB656051394}"/>
+                  </a:ext>
+                </a:extLst>
+              </p:cNvPr>
+              <p:cNvSpPr txBox="1">
+                <a:spLocks noRot="1" noChangeAspect="1" noMove="1" noResize="1" noEditPoints="1" noAdjustHandles="1" noChangeArrowheads="1" noChangeShapeType="1" noTextEdit="1"/>
+              </p:cNvSpPr>
+              <p:nvPr/>
+            </p:nvSpPr>
+            <p:spPr>
+              <a:xfrm>
+                <a:off x="3599962" y="3007178"/>
+                <a:ext cx="6674852" cy="646331"/>
+              </a:xfrm>
+              <a:prstGeom prst="rect">
+                <a:avLst/>
+              </a:prstGeom>
+              <a:blipFill>
+                <a:blip r:embed="rId4"/>
+                <a:stretch>
+                  <a:fillRect l="-759" t="-9615" b="-21154"/>
+                </a:stretch>
+              </a:blipFill>
+            </p:spPr>
+            <p:txBody>
+              <a:bodyPr/>
+              <a:lstStyle/>
+              <a:p>
+                <a:r>
+                  <a:rPr lang="zh-CN" altLang="en-US">
+                    <a:noFill/>
+                  </a:rPr>
+                  <a:t> </a:t>
+                </a:r>
+              </a:p>
+            </p:txBody>
+          </p:sp>
+        </mc:Fallback>
+      </mc:AlternateContent>
+    </p:spTree>
+    <p:extLst>
+      <p:ext uri="{BB962C8B-B14F-4D97-AF65-F5344CB8AC3E}">
+        <p14:creationId xmlns:p14="http://schemas.microsoft.com/office/powerpoint/2010/main" val="4265051470"/>
+      </p:ext>
+    </p:extLst>
+  </p:cSld>
+  <p:clrMapOvr>
+    <a:masterClrMapping/>
+  </p:clrMapOvr>
+  <p:timing>
+    <p:tnLst>
+      <p:par>
+        <p:cTn id="1" dur="indefinite" restart="never" nodeType="tmRoot">
+          <p:childTnLst>
+            <p:seq concurrent="1" nextAc="seek">
+              <p:cTn id="2" dur="indefinite" nodeType="mainSeq">
+                <p:childTnLst>
+                  <p:par>
+                    <p:cTn id="3" fill="hold">
+                      <p:stCondLst>
+                        <p:cond delay="indefinite"/>
+                      </p:stCondLst>
+                      <p:childTnLst>
+                        <p:par>
+                          <p:cTn id="4" fill="hold">
+                            <p:stCondLst>
+                              <p:cond delay="0"/>
+                            </p:stCondLst>
+                            <p:childTnLst>
+                              <p:par>
+                                <p:cTn id="5" presetID="1" presetClass="entr" presetSubtype="0" fill="hold" grpId="0" nodeType="clickEffect">
+                                  <p:stCondLst>
+                                    <p:cond delay="0"/>
+                                  </p:stCondLst>
+                                  <p:childTnLst>
+                                    <p:set>
+                                      <p:cBhvr>
+                                        <p:cTn id="6" dur="1" fill="hold">
+                                          <p:stCondLst>
+                                            <p:cond delay="0"/>
+                                          </p:stCondLst>
+                                        </p:cTn>
+                                        <p:tgtEl>
+                                          <p:spTgt spid="9"/>
+                                        </p:tgtEl>
+                                        <p:attrNameLst>
+                                          <p:attrName>style.visibility</p:attrName>
+                                        </p:attrNameLst>
+                                      </p:cBhvr>
+                                      <p:to>
+                                        <p:strVal val="visible"/>
+                                      </p:to>
+                                    </p:set>
+                                  </p:childTnLst>
+                                </p:cTn>
+                              </p:par>
+                            </p:childTnLst>
+                          </p:cTn>
+                        </p:par>
+                      </p:childTnLst>
+                    </p:cTn>
+                  </p:par>
+                  <p:par>
+                    <p:cTn id="7" fill="hold">
+                      <p:stCondLst>
+                        <p:cond delay="indefinite"/>
+                      </p:stCondLst>
+                      <p:childTnLst>
+                        <p:par>
+                          <p:cTn id="8" fill="hold">
+                            <p:stCondLst>
+                              <p:cond delay="0"/>
+                            </p:stCondLst>
+                            <p:childTnLst>
+                              <p:par>
+                                <p:cTn id="9" presetID="1" presetClass="entr" presetSubtype="0" fill="hold" grpId="0" nodeType="clickEffect">
+                                  <p:stCondLst>
+                                    <p:cond delay="0"/>
+                                  </p:stCondLst>
+                                  <p:childTnLst>
+                                    <p:set>
+                                      <p:cBhvr>
+                                        <p:cTn id="10" dur="1" fill="hold">
+                                          <p:stCondLst>
+                                            <p:cond delay="0"/>
+                                          </p:stCondLst>
+                                        </p:cTn>
+                                        <p:tgtEl>
+                                          <p:spTgt spid="8"/>
+                                        </p:tgtEl>
+                                        <p:attrNameLst>
+                                          <p:attrName>style.visibility</p:attrName>
+                                        </p:attrNameLst>
+                                      </p:cBhvr>
+                                      <p:to>
+                                        <p:strVal val="visible"/>
+                                      </p:to>
+                                    </p:set>
+                                  </p:childTnLst>
+                                </p:cTn>
+                              </p:par>
+                            </p:childTnLst>
+                          </p:cTn>
+                        </p:par>
+                      </p:childTnLst>
+                    </p:cTn>
+                  </p:par>
+                </p:childTnLst>
+              </p:cTn>
+              <p:prevCondLst>
+                <p:cond evt="onPrev" delay="0">
+                  <p:tgtEl>
+                    <p:sldTgt/>
+                  </p:tgtEl>
+                </p:cond>
+              </p:prevCondLst>
+              <p:nextCondLst>
+                <p:cond evt="onNext" delay="0">
+                  <p:tgtEl>
+                    <p:sldTgt/>
+                  </p:tgtEl>
+                </p:cond>
+              </p:nextCondLst>
+            </p:seq>
+          </p:childTnLst>
+        </p:cTn>
+      </p:par>
+    </p:tnLst>
+    <p:bldLst>
+      <p:bldP spid="8" grpId="0"/>
+      <p:bldP spid="9" grpId="0"/>
     </p:bldLst>
   </p:timing>
 </p:sld>
@@ -33856,6 +36263,4193 @@
       <p:bldP spid="32" grpId="0"/>
     </p:bldLst>
   </p:timing>
+</p:sld>
+</file>
+
+<file path=ppt/slides/slide30.xml><?xml version="1.0" encoding="utf-8"?>
+<p:sld xmlns:a="http://schemas.openxmlformats.org/drawingml/2006/main" xmlns:r="http://schemas.openxmlformats.org/officeDocument/2006/relationships" xmlns:p="http://schemas.openxmlformats.org/presentationml/2006/main">
+  <p:cSld>
+    <p:spTree>
+      <p:nvGrpSpPr>
+        <p:cNvPr id="1" name=""/>
+        <p:cNvGrpSpPr/>
+        <p:nvPr/>
+      </p:nvGrpSpPr>
+      <p:grpSpPr>
+        <a:xfrm>
+          <a:off x="0" y="0"/>
+          <a:ext cx="0" cy="0"/>
+          <a:chOff x="0" y="0"/>
+          <a:chExt cx="0" cy="0"/>
+        </a:xfrm>
+      </p:grpSpPr>
+      <p:sp>
+        <p:nvSpPr>
+          <p:cNvPr id="2" name="标题 1">
+            <a:extLst>
+              <a:ext uri="{FF2B5EF4-FFF2-40B4-BE49-F238E27FC236}">
+                <a16:creationId xmlns:a16="http://schemas.microsoft.com/office/drawing/2014/main" id="{B1BBECA0-DF69-4ACD-5855-8EAEAC260465}"/>
+              </a:ext>
+            </a:extLst>
+          </p:cNvPr>
+          <p:cNvSpPr>
+            <a:spLocks noGrp="1"/>
+          </p:cNvSpPr>
+          <p:nvPr>
+            <p:ph type="title"/>
+          </p:nvPr>
+        </p:nvSpPr>
+        <p:spPr/>
+        <p:txBody>
+          <a:bodyPr/>
+          <a:lstStyle/>
+          <a:p>
+            <a:pPr algn="ctr"/>
+            <a:r>
+              <a:rPr lang="zh-CN" altLang="en-US" dirty="0">
+                <a:solidFill>
+                  <a:srgbClr val="FF0000"/>
+                </a:solidFill>
+                <a:latin typeface="宋体" panose="02010600030101010101" pitchFamily="2" charset="-122"/>
+                <a:ea typeface="宋体" panose="02010600030101010101" pitchFamily="2" charset="-122"/>
+              </a:rPr>
+              <a:t>线性回归中使用梯度下降</a:t>
+            </a:r>
+          </a:p>
+        </p:txBody>
+      </p:sp>
+      <mc:AlternateContent xmlns:mc="http://schemas.openxmlformats.org/markup-compatibility/2006">
+        <mc:Choice xmlns:a14="http://schemas.microsoft.com/office/drawing/2010/main" Requires="a14">
+          <p:sp>
+            <p:nvSpPr>
+              <p:cNvPr id="5" name="文本框 4">
+                <a:extLst>
+                  <a:ext uri="{FF2B5EF4-FFF2-40B4-BE49-F238E27FC236}">
+                    <a16:creationId xmlns:a16="http://schemas.microsoft.com/office/drawing/2014/main" id="{722DE79F-6D4D-B0AE-743B-7CBAF411F04F}"/>
+                  </a:ext>
+                </a:extLst>
+              </p:cNvPr>
+              <p:cNvSpPr txBox="1"/>
+              <p:nvPr/>
+            </p:nvSpPr>
+            <p:spPr>
+              <a:xfrm>
+                <a:off x="2144568" y="1798781"/>
+                <a:ext cx="8889293" cy="550151"/>
+              </a:xfrm>
+              <a:prstGeom prst="rect">
+                <a:avLst/>
+              </a:prstGeom>
+              <a:noFill/>
+            </p:spPr>
+            <p:txBody>
+              <a:bodyPr wrap="none" rtlCol="0">
+                <a:spAutoFit/>
+              </a:bodyPr>
+              <a:lstStyle/>
+              <a:p>
+                <a:r>
+                  <a:rPr lang="zh-CN" altLang="en-US" sz="2800" dirty="0">
+                    <a:latin typeface="黑体" panose="02010609060101010101" pitchFamily="49" charset="-122"/>
+                    <a:ea typeface="黑体" panose="02010609060101010101" pitchFamily="49" charset="-122"/>
+                  </a:rPr>
+                  <a:t>目标：</a:t>
+                </a:r>
+                <a:r>
+                  <a:rPr lang="zh-CN" altLang="en-US" sz="2800" dirty="0"/>
+                  <a:t> </a:t>
+                </a:r>
+                <a14:m>
+                  <m:oMath xmlns:m="http://schemas.openxmlformats.org/officeDocument/2006/math">
+                    <m:nary>
+                      <m:naryPr>
+                        <m:chr m:val="∑"/>
+                        <m:ctrlPr>
+                          <a:rPr lang="zh-CN" altLang="en-US" sz="2800" i="1">
+                            <a:latin typeface="Cambria Math" panose="02040503050406030204" pitchFamily="18" charset="0"/>
+                          </a:rPr>
+                        </m:ctrlPr>
+                      </m:naryPr>
+                      <m:sub>
+                        <m:r>
+                          <m:rPr>
+                            <m:sty m:val="p"/>
+                            <m:brk m:alnAt="23"/>
+                          </m:rPr>
+                          <a:rPr lang="en-US" altLang="zh-CN" sz="2800" i="1">
+                            <a:latin typeface="Cambria Math" panose="02040503050406030204" pitchFamily="18" charset="0"/>
+                          </a:rPr>
+                          <m:t>i</m:t>
+                        </m:r>
+                        <m:r>
+                          <a:rPr lang="en-US" altLang="zh-CN" sz="2800" i="1">
+                            <a:latin typeface="Cambria Math" panose="02040503050406030204" pitchFamily="18" charset="0"/>
+                          </a:rPr>
+                          <m:t>=1</m:t>
+                        </m:r>
+                      </m:sub>
+                      <m:sup>
+                        <m:r>
+                          <a:rPr lang="en-US" altLang="zh-CN" sz="2800" i="1">
+                            <a:latin typeface="Cambria Math" panose="02040503050406030204" pitchFamily="18" charset="0"/>
+                          </a:rPr>
+                          <m:t>𝑚</m:t>
+                        </m:r>
+                      </m:sup>
+                      <m:e>
+                        <m:sSup>
+                          <m:sSupPr>
+                            <m:ctrlPr>
+                              <a:rPr lang="en-US" altLang="zh-CN" sz="2800" i="1">
+                                <a:latin typeface="Cambria Math" panose="02040503050406030204" pitchFamily="18" charset="0"/>
+                              </a:rPr>
+                            </m:ctrlPr>
+                          </m:sSupPr>
+                          <m:e>
+                            <m:r>
+                              <a:rPr lang="en-US" altLang="zh-CN" sz="2800" i="1">
+                                <a:latin typeface="Cambria Math" panose="02040503050406030204" pitchFamily="18" charset="0"/>
+                              </a:rPr>
+                              <m:t>(</m:t>
+                            </m:r>
+                            <m:r>
+                              <a:rPr lang="en-US" altLang="zh-CN" sz="2800" i="1">
+                                <a:latin typeface="Cambria Math" panose="02040503050406030204" pitchFamily="18" charset="0"/>
+                              </a:rPr>
+                              <m:t>𝑦</m:t>
+                            </m:r>
+                          </m:e>
+                          <m:sup>
+                            <m:r>
+                              <a:rPr lang="en-US" altLang="zh-CN" sz="2800" i="1">
+                                <a:latin typeface="Cambria Math" panose="02040503050406030204" pitchFamily="18" charset="0"/>
+                              </a:rPr>
+                              <m:t>(</m:t>
+                            </m:r>
+                            <m:r>
+                              <a:rPr lang="en-US" altLang="zh-CN" sz="2800" i="1">
+                                <a:latin typeface="Cambria Math" panose="02040503050406030204" pitchFamily="18" charset="0"/>
+                              </a:rPr>
+                              <m:t>𝑖</m:t>
+                            </m:r>
+                            <m:r>
+                              <a:rPr lang="en-US" altLang="zh-CN" sz="2800" i="1">
+                                <a:latin typeface="Cambria Math" panose="02040503050406030204" pitchFamily="18" charset="0"/>
+                              </a:rPr>
+                              <m:t>)</m:t>
+                            </m:r>
+                          </m:sup>
+                        </m:sSup>
+                        <m:r>
+                          <a:rPr lang="en-US" altLang="zh-CN" sz="2800">
+                            <a:latin typeface="Cambria Math" panose="02040503050406030204" pitchFamily="18" charset="0"/>
+                          </a:rPr>
+                          <m:t>−</m:t>
+                        </m:r>
+                        <m:sSub>
+                          <m:sSubPr>
+                            <m:ctrlPr>
+                              <a:rPr lang="en-US" altLang="zh-CN" sz="2800" i="1">
+                                <a:latin typeface="Cambria Math" panose="02040503050406030204" pitchFamily="18" charset="0"/>
+                                <a:ea typeface="黑体" panose="02010609060101010101" pitchFamily="49" charset="-122"/>
+                                <a:cs typeface="Times New Roman" panose="02020603050405020304" pitchFamily="18" charset="0"/>
+                              </a:rPr>
+                            </m:ctrlPr>
+                          </m:sSubPr>
+                          <m:e>
+                            <m:r>
+                              <a:rPr lang="el-GR" altLang="zh-CN" sz="2800" i="1">
+                                <a:latin typeface="Cambria Math" panose="02040503050406030204" pitchFamily="18" charset="0"/>
+                                <a:ea typeface="黑体" panose="02010609060101010101" pitchFamily="49" charset="-122"/>
+                                <a:cs typeface="Times New Roman" panose="02020603050405020304" pitchFamily="18" charset="0"/>
+                              </a:rPr>
+                              <m:t>𝜃</m:t>
+                            </m:r>
+                          </m:e>
+                          <m:sub>
+                            <m:r>
+                              <a:rPr lang="en-US" altLang="zh-CN" sz="2800" i="1">
+                                <a:latin typeface="Cambria Math" panose="02040503050406030204" pitchFamily="18" charset="0"/>
+                                <a:ea typeface="黑体" panose="02010609060101010101" pitchFamily="49" charset="-122"/>
+                                <a:cs typeface="Times New Roman" panose="02020603050405020304" pitchFamily="18" charset="0"/>
+                              </a:rPr>
+                              <m:t>0</m:t>
+                            </m:r>
+                          </m:sub>
+                        </m:sSub>
+                        <m:r>
+                          <a:rPr lang="en-US" altLang="zh-CN" sz="2800" b="0" i="1" smtClean="0">
+                            <a:latin typeface="Cambria Math" panose="02040503050406030204" pitchFamily="18" charset="0"/>
+                            <a:ea typeface="黑体" panose="02010609060101010101" pitchFamily="49" charset="-122"/>
+                            <a:cs typeface="Times New Roman" panose="02020603050405020304" pitchFamily="18" charset="0"/>
+                          </a:rPr>
+                          <m:t>−</m:t>
+                        </m:r>
+                        <m:sSub>
+                          <m:sSubPr>
+                            <m:ctrlPr>
+                              <a:rPr lang="en-US" altLang="zh-CN" sz="2800" i="1">
+                                <a:latin typeface="Cambria Math" panose="02040503050406030204" pitchFamily="18" charset="0"/>
+                                <a:ea typeface="黑体" panose="02010609060101010101" pitchFamily="49" charset="-122"/>
+                                <a:cs typeface="Times New Roman" panose="02020603050405020304" pitchFamily="18" charset="0"/>
+                              </a:rPr>
+                            </m:ctrlPr>
+                          </m:sSubPr>
+                          <m:e>
+                            <m:r>
+                              <a:rPr lang="el-GR" altLang="zh-CN" sz="2800" i="1">
+                                <a:latin typeface="Cambria Math" panose="02040503050406030204" pitchFamily="18" charset="0"/>
+                                <a:ea typeface="黑体" panose="02010609060101010101" pitchFamily="49" charset="-122"/>
+                                <a:cs typeface="Times New Roman" panose="02020603050405020304" pitchFamily="18" charset="0"/>
+                              </a:rPr>
+                              <m:t>𝜃</m:t>
+                            </m:r>
+                          </m:e>
+                          <m:sub>
+                            <m:r>
+                              <a:rPr lang="en-US" altLang="zh-CN" sz="2800" i="1">
+                                <a:latin typeface="Cambria Math" panose="02040503050406030204" pitchFamily="18" charset="0"/>
+                                <a:ea typeface="黑体" panose="02010609060101010101" pitchFamily="49" charset="-122"/>
+                                <a:cs typeface="Times New Roman" panose="02020603050405020304" pitchFamily="18" charset="0"/>
+                              </a:rPr>
+                              <m:t>1</m:t>
+                            </m:r>
+                          </m:sub>
+                        </m:sSub>
+                        <m:sSup>
+                          <m:sSupPr>
+                            <m:ctrlPr>
+                              <a:rPr lang="en-US" altLang="zh-CN" sz="2800" i="1">
+                                <a:latin typeface="Cambria Math" panose="02040503050406030204" pitchFamily="18" charset="0"/>
+                              </a:rPr>
+                            </m:ctrlPr>
+                          </m:sSupPr>
+                          <m:e>
+                            <m:sSub>
+                              <m:sSubPr>
+                                <m:ctrlPr>
+                                  <a:rPr lang="en-US" altLang="zh-CN" sz="2800" i="1">
+                                    <a:latin typeface="Cambria Math" panose="02040503050406030204" pitchFamily="18" charset="0"/>
+                                  </a:rPr>
+                                </m:ctrlPr>
+                              </m:sSubPr>
+                              <m:e>
+                                <m:r>
+                                  <a:rPr lang="en-US" altLang="zh-CN" sz="2800" i="1">
+                                    <a:latin typeface="Cambria Math" panose="02040503050406030204" pitchFamily="18" charset="0"/>
+                                  </a:rPr>
+                                  <m:t>𝑥</m:t>
+                                </m:r>
+                              </m:e>
+                              <m:sub>
+                                <m:r>
+                                  <a:rPr lang="en-US" altLang="zh-CN" sz="2800" i="1">
+                                    <a:latin typeface="Cambria Math" panose="02040503050406030204" pitchFamily="18" charset="0"/>
+                                  </a:rPr>
+                                  <m:t>1</m:t>
+                                </m:r>
+                              </m:sub>
+                            </m:sSub>
+                          </m:e>
+                          <m:sup>
+                            <m:r>
+                              <a:rPr lang="en-US" altLang="zh-CN" sz="2800" i="1">
+                                <a:latin typeface="Cambria Math" panose="02040503050406030204" pitchFamily="18" charset="0"/>
+                              </a:rPr>
+                              <m:t>𝑖</m:t>
+                            </m:r>
+                          </m:sup>
+                        </m:sSup>
+                        <m:r>
+                          <a:rPr lang="en-US" altLang="zh-CN" sz="2800" b="0" i="1" smtClean="0">
+                            <a:latin typeface="Cambria Math" panose="02040503050406030204" pitchFamily="18" charset="0"/>
+                          </a:rPr>
+                          <m:t>−</m:t>
+                        </m:r>
+                        <m:r>
+                          <a:rPr lang="en-US" altLang="zh-CN" sz="2800" i="1">
+                            <a:latin typeface="Cambria Math" panose="02040503050406030204" pitchFamily="18" charset="0"/>
+                            <a:ea typeface="黑体" panose="02010609060101010101" pitchFamily="49" charset="-122"/>
+                            <a:cs typeface="Times New Roman" panose="02020603050405020304" pitchFamily="18" charset="0"/>
+                          </a:rPr>
+                          <m:t>…</m:t>
+                        </m:r>
+                        <m:r>
+                          <a:rPr lang="en-US" altLang="zh-CN" sz="2800" b="0" i="1" smtClean="0">
+                            <a:latin typeface="Cambria Math" panose="02040503050406030204" pitchFamily="18" charset="0"/>
+                            <a:ea typeface="黑体" panose="02010609060101010101" pitchFamily="49" charset="-122"/>
+                            <a:cs typeface="Times New Roman" panose="02020603050405020304" pitchFamily="18" charset="0"/>
+                          </a:rPr>
+                          <m:t>−</m:t>
+                        </m:r>
+                        <m:sSub>
+                          <m:sSubPr>
+                            <m:ctrlPr>
+                              <a:rPr lang="en-US" altLang="zh-CN" sz="2800" i="1">
+                                <a:latin typeface="Cambria Math" panose="02040503050406030204" pitchFamily="18" charset="0"/>
+                                <a:ea typeface="黑体" panose="02010609060101010101" pitchFamily="49" charset="-122"/>
+                                <a:cs typeface="Times New Roman" panose="02020603050405020304" pitchFamily="18" charset="0"/>
+                              </a:rPr>
+                            </m:ctrlPr>
+                          </m:sSubPr>
+                          <m:e>
+                            <m:r>
+                              <a:rPr lang="el-GR" altLang="zh-CN" sz="2800" i="1">
+                                <a:latin typeface="Cambria Math" panose="02040503050406030204" pitchFamily="18" charset="0"/>
+                                <a:ea typeface="黑体" panose="02010609060101010101" pitchFamily="49" charset="-122"/>
+                                <a:cs typeface="Times New Roman" panose="02020603050405020304" pitchFamily="18" charset="0"/>
+                              </a:rPr>
+                              <m:t>𝜃</m:t>
+                            </m:r>
+                          </m:e>
+                          <m:sub>
+                            <m:r>
+                              <m:rPr>
+                                <m:sty m:val="p"/>
+                              </m:rPr>
+                              <a:rPr lang="en-US" altLang="zh-CN" sz="2800" i="1">
+                                <a:latin typeface="Cambria Math" panose="02040503050406030204" pitchFamily="18" charset="0"/>
+                                <a:ea typeface="黑体" panose="02010609060101010101" pitchFamily="49" charset="-122"/>
+                                <a:cs typeface="Times New Roman" panose="02020603050405020304" pitchFamily="18" charset="0"/>
+                              </a:rPr>
+                              <m:t>n</m:t>
+                            </m:r>
+                          </m:sub>
+                        </m:sSub>
+                        <m:sSup>
+                          <m:sSupPr>
+                            <m:ctrlPr>
+                              <a:rPr lang="en-US" altLang="zh-CN" sz="2800" i="1">
+                                <a:latin typeface="Cambria Math" panose="02040503050406030204" pitchFamily="18" charset="0"/>
+                              </a:rPr>
+                            </m:ctrlPr>
+                          </m:sSupPr>
+                          <m:e>
+                            <m:sSub>
+                              <m:sSubPr>
+                                <m:ctrlPr>
+                                  <a:rPr lang="en-US" altLang="zh-CN" sz="2800" i="1">
+                                    <a:latin typeface="Cambria Math" panose="02040503050406030204" pitchFamily="18" charset="0"/>
+                                  </a:rPr>
+                                </m:ctrlPr>
+                              </m:sSubPr>
+                              <m:e>
+                                <m:r>
+                                  <a:rPr lang="en-US" altLang="zh-CN" sz="2800" i="1">
+                                    <a:latin typeface="Cambria Math" panose="02040503050406030204" pitchFamily="18" charset="0"/>
+                                  </a:rPr>
+                                  <m:t>𝑥</m:t>
+                                </m:r>
+                              </m:e>
+                              <m:sub>
+                                <m:r>
+                                  <a:rPr lang="en-US" altLang="zh-CN" sz="2800" i="1">
+                                    <a:latin typeface="Cambria Math" panose="02040503050406030204" pitchFamily="18" charset="0"/>
+                                  </a:rPr>
+                                  <m:t>𝑛</m:t>
+                                </m:r>
+                              </m:sub>
+                            </m:sSub>
+                          </m:e>
+                          <m:sup>
+                            <m:r>
+                              <a:rPr lang="en-US" altLang="zh-CN" sz="2800" i="1">
+                                <a:latin typeface="Cambria Math" panose="02040503050406030204" pitchFamily="18" charset="0"/>
+                              </a:rPr>
+                              <m:t>𝑖</m:t>
+                            </m:r>
+                          </m:sup>
+                        </m:sSup>
+                        <m:sSup>
+                          <m:sSupPr>
+                            <m:ctrlPr>
+                              <a:rPr lang="en-US" altLang="zh-CN" sz="2800" i="1" dirty="0">
+                                <a:latin typeface="Cambria Math" panose="02040503050406030204" pitchFamily="18" charset="0"/>
+                              </a:rPr>
+                            </m:ctrlPr>
+                          </m:sSupPr>
+                          <m:e>
+                            <m:r>
+                              <a:rPr lang="en-US" altLang="zh-CN" sz="2800" i="1" dirty="0">
+                                <a:latin typeface="Cambria Math" panose="02040503050406030204" pitchFamily="18" charset="0"/>
+                              </a:rPr>
+                              <m:t>)</m:t>
+                            </m:r>
+                          </m:e>
+                          <m:sup>
+                            <m:r>
+                              <a:rPr lang="en-US" altLang="zh-CN" sz="2800" i="1" dirty="0">
+                                <a:latin typeface="Cambria Math" panose="02040503050406030204" pitchFamily="18" charset="0"/>
+                              </a:rPr>
+                              <m:t>2</m:t>
+                            </m:r>
+                          </m:sup>
+                        </m:sSup>
+                      </m:e>
+                    </m:nary>
+                  </m:oMath>
+                </a14:m>
+                <a:r>
+                  <a:rPr lang="zh-CN" altLang="en-US" sz="2800" dirty="0">
+                    <a:latin typeface="黑体" panose="02010609060101010101" pitchFamily="49" charset="-122"/>
+                    <a:ea typeface="黑体" panose="02010609060101010101" pitchFamily="49" charset="-122"/>
+                  </a:rPr>
+                  <a:t> 使尽可能小</a:t>
+                </a:r>
+              </a:p>
+            </p:txBody>
+          </p:sp>
+        </mc:Choice>
+        <mc:Fallback>
+          <p:sp>
+            <p:nvSpPr>
+              <p:cNvPr id="5" name="文本框 4">
+                <a:extLst>
+                  <a:ext uri="{FF2B5EF4-FFF2-40B4-BE49-F238E27FC236}">
+                    <a16:creationId xmlns:a16="http://schemas.microsoft.com/office/drawing/2014/main" id="{722DE79F-6D4D-B0AE-743B-7CBAF411F04F}"/>
+                  </a:ext>
+                </a:extLst>
+              </p:cNvPr>
+              <p:cNvSpPr txBox="1">
+                <a:spLocks noRot="1" noChangeAspect="1" noMove="1" noResize="1" noEditPoints="1" noAdjustHandles="1" noChangeArrowheads="1" noChangeShapeType="1" noTextEdit="1"/>
+              </p:cNvSpPr>
+              <p:nvPr/>
+            </p:nvSpPr>
+            <p:spPr>
+              <a:xfrm>
+                <a:off x="2144568" y="1798781"/>
+                <a:ext cx="8889293" cy="550151"/>
+              </a:xfrm>
+              <a:prstGeom prst="rect">
+                <a:avLst/>
+              </a:prstGeom>
+              <a:blipFill>
+                <a:blip r:embed="rId3"/>
+                <a:stretch>
+                  <a:fillRect l="-1427" t="-118182" r="-571" b="-184091"/>
+                </a:stretch>
+              </a:blipFill>
+            </p:spPr>
+            <p:txBody>
+              <a:bodyPr/>
+              <a:lstStyle/>
+              <a:p>
+                <a:r>
+                  <a:rPr lang="zh-CN" altLang="en-US">
+                    <a:noFill/>
+                  </a:rPr>
+                  <a:t> </a:t>
+                </a:r>
+              </a:p>
+            </p:txBody>
+          </p:sp>
+        </mc:Fallback>
+      </mc:AlternateContent>
+      <p:pic>
+        <p:nvPicPr>
+          <p:cNvPr id="3" name="图片 2">
+            <a:extLst>
+              <a:ext uri="{FF2B5EF4-FFF2-40B4-BE49-F238E27FC236}">
+                <a16:creationId xmlns:a16="http://schemas.microsoft.com/office/drawing/2014/main" id="{0223D4C9-9298-9349-A9E3-EACB9CA4F47B}"/>
+              </a:ext>
+            </a:extLst>
+          </p:cNvPr>
+          <p:cNvPicPr>
+            <a:picLocks noChangeAspect="1"/>
+          </p:cNvPicPr>
+          <p:nvPr/>
+        </p:nvPicPr>
+        <p:blipFill>
+          <a:blip r:embed="rId4"/>
+          <a:stretch>
+            <a:fillRect/>
+          </a:stretch>
+        </p:blipFill>
+        <p:spPr>
+          <a:xfrm>
+            <a:off x="1524960" y="3112655"/>
+            <a:ext cx="2380421" cy="2959656"/>
+          </a:xfrm>
+          <a:prstGeom prst="rect">
+            <a:avLst/>
+          </a:prstGeom>
+        </p:spPr>
+      </p:pic>
+      <p:pic>
+        <p:nvPicPr>
+          <p:cNvPr id="4" name="图片 3">
+            <a:extLst>
+              <a:ext uri="{FF2B5EF4-FFF2-40B4-BE49-F238E27FC236}">
+                <a16:creationId xmlns:a16="http://schemas.microsoft.com/office/drawing/2014/main" id="{FBCE443D-45BA-4D45-8381-2248C42B93DA}"/>
+              </a:ext>
+            </a:extLst>
+          </p:cNvPr>
+          <p:cNvPicPr>
+            <a:picLocks noChangeAspect="1"/>
+          </p:cNvPicPr>
+          <p:nvPr/>
+        </p:nvPicPr>
+        <p:blipFill rotWithShape="1">
+          <a:blip r:embed="rId5"/>
+          <a:srcRect b="2305"/>
+          <a:stretch/>
+        </p:blipFill>
+        <p:spPr>
+          <a:xfrm>
+            <a:off x="4300169" y="2971453"/>
+            <a:ext cx="3229841" cy="3075232"/>
+          </a:xfrm>
+          <a:prstGeom prst="rect">
+            <a:avLst/>
+          </a:prstGeom>
+        </p:spPr>
+      </p:pic>
+      <p:pic>
+        <p:nvPicPr>
+          <p:cNvPr id="6" name="图片 5">
+            <a:extLst>
+              <a:ext uri="{FF2B5EF4-FFF2-40B4-BE49-F238E27FC236}">
+                <a16:creationId xmlns:a16="http://schemas.microsoft.com/office/drawing/2014/main" id="{86F540A8-742F-CC4A-8104-624943D07255}"/>
+              </a:ext>
+            </a:extLst>
+          </p:cNvPr>
+          <p:cNvPicPr>
+            <a:picLocks noChangeAspect="1"/>
+          </p:cNvPicPr>
+          <p:nvPr/>
+        </p:nvPicPr>
+        <p:blipFill>
+          <a:blip r:embed="rId6"/>
+          <a:stretch>
+            <a:fillRect/>
+          </a:stretch>
+        </p:blipFill>
+        <p:spPr>
+          <a:xfrm>
+            <a:off x="7407563" y="2971453"/>
+            <a:ext cx="2788423" cy="3075232"/>
+          </a:xfrm>
+          <a:prstGeom prst="rect">
+            <a:avLst/>
+          </a:prstGeom>
+        </p:spPr>
+      </p:pic>
+    </p:spTree>
+    <p:extLst>
+      <p:ext uri="{BB962C8B-B14F-4D97-AF65-F5344CB8AC3E}">
+        <p14:creationId xmlns:p14="http://schemas.microsoft.com/office/powerpoint/2010/main" val="4251519016"/>
+      </p:ext>
+    </p:extLst>
+  </p:cSld>
+  <p:clrMapOvr>
+    <a:masterClrMapping/>
+  </p:clrMapOvr>
+  <p:timing>
+    <p:tnLst>
+      <p:par>
+        <p:cTn id="1" dur="indefinite" restart="never" nodeType="tmRoot">
+          <p:childTnLst>
+            <p:seq concurrent="1" nextAc="seek">
+              <p:cTn id="2" dur="indefinite" nodeType="mainSeq">
+                <p:childTnLst>
+                  <p:par>
+                    <p:cTn id="3" fill="hold">
+                      <p:stCondLst>
+                        <p:cond delay="indefinite"/>
+                      </p:stCondLst>
+                      <p:childTnLst>
+                        <p:par>
+                          <p:cTn id="4" fill="hold">
+                            <p:stCondLst>
+                              <p:cond delay="0"/>
+                            </p:stCondLst>
+                            <p:childTnLst>
+                              <p:par>
+                                <p:cTn id="5" presetID="1" presetClass="entr" presetSubtype="0" fill="hold" nodeType="clickEffect">
+                                  <p:stCondLst>
+                                    <p:cond delay="0"/>
+                                  </p:stCondLst>
+                                  <p:childTnLst>
+                                    <p:set>
+                                      <p:cBhvr>
+                                        <p:cTn id="6" dur="1" fill="hold">
+                                          <p:stCondLst>
+                                            <p:cond delay="0"/>
+                                          </p:stCondLst>
+                                        </p:cTn>
+                                        <p:tgtEl>
+                                          <p:spTgt spid="3"/>
+                                        </p:tgtEl>
+                                        <p:attrNameLst>
+                                          <p:attrName>style.visibility</p:attrName>
+                                        </p:attrNameLst>
+                                      </p:cBhvr>
+                                      <p:to>
+                                        <p:strVal val="visible"/>
+                                      </p:to>
+                                    </p:set>
+                                  </p:childTnLst>
+                                </p:cTn>
+                              </p:par>
+                            </p:childTnLst>
+                          </p:cTn>
+                        </p:par>
+                      </p:childTnLst>
+                    </p:cTn>
+                  </p:par>
+                  <p:par>
+                    <p:cTn id="7" fill="hold">
+                      <p:stCondLst>
+                        <p:cond delay="indefinite"/>
+                      </p:stCondLst>
+                      <p:childTnLst>
+                        <p:par>
+                          <p:cTn id="8" fill="hold">
+                            <p:stCondLst>
+                              <p:cond delay="0"/>
+                            </p:stCondLst>
+                            <p:childTnLst>
+                              <p:par>
+                                <p:cTn id="9" presetID="1" presetClass="entr" presetSubtype="0" fill="hold" nodeType="clickEffect">
+                                  <p:stCondLst>
+                                    <p:cond delay="0"/>
+                                  </p:stCondLst>
+                                  <p:childTnLst>
+                                    <p:set>
+                                      <p:cBhvr>
+                                        <p:cTn id="10" dur="1" fill="hold">
+                                          <p:stCondLst>
+                                            <p:cond delay="0"/>
+                                          </p:stCondLst>
+                                        </p:cTn>
+                                        <p:tgtEl>
+                                          <p:spTgt spid="4"/>
+                                        </p:tgtEl>
+                                        <p:attrNameLst>
+                                          <p:attrName>style.visibility</p:attrName>
+                                        </p:attrNameLst>
+                                      </p:cBhvr>
+                                      <p:to>
+                                        <p:strVal val="visible"/>
+                                      </p:to>
+                                    </p:set>
+                                  </p:childTnLst>
+                                </p:cTn>
+                              </p:par>
+                            </p:childTnLst>
+                          </p:cTn>
+                        </p:par>
+                      </p:childTnLst>
+                    </p:cTn>
+                  </p:par>
+                  <p:par>
+                    <p:cTn id="11" fill="hold">
+                      <p:stCondLst>
+                        <p:cond delay="indefinite"/>
+                      </p:stCondLst>
+                      <p:childTnLst>
+                        <p:par>
+                          <p:cTn id="12" fill="hold">
+                            <p:stCondLst>
+                              <p:cond delay="0"/>
+                            </p:stCondLst>
+                            <p:childTnLst>
+                              <p:par>
+                                <p:cTn id="13" presetID="1" presetClass="entr" presetSubtype="0" fill="hold" nodeType="clickEffect">
+                                  <p:stCondLst>
+                                    <p:cond delay="0"/>
+                                  </p:stCondLst>
+                                  <p:childTnLst>
+                                    <p:set>
+                                      <p:cBhvr>
+                                        <p:cTn id="14" dur="1" fill="hold">
+                                          <p:stCondLst>
+                                            <p:cond delay="0"/>
+                                          </p:stCondLst>
+                                        </p:cTn>
+                                        <p:tgtEl>
+                                          <p:spTgt spid="6"/>
+                                        </p:tgtEl>
+                                        <p:attrNameLst>
+                                          <p:attrName>style.visibility</p:attrName>
+                                        </p:attrNameLst>
+                                      </p:cBhvr>
+                                      <p:to>
+                                        <p:strVal val="visible"/>
+                                      </p:to>
+                                    </p:set>
+                                  </p:childTnLst>
+                                </p:cTn>
+                              </p:par>
+                            </p:childTnLst>
+                          </p:cTn>
+                        </p:par>
+                      </p:childTnLst>
+                    </p:cTn>
+                  </p:par>
+                </p:childTnLst>
+              </p:cTn>
+              <p:prevCondLst>
+                <p:cond evt="onPrev" delay="0">
+                  <p:tgtEl>
+                    <p:sldTgt/>
+                  </p:tgtEl>
+                </p:cond>
+              </p:prevCondLst>
+              <p:nextCondLst>
+                <p:cond evt="onNext" delay="0">
+                  <p:tgtEl>
+                    <p:sldTgt/>
+                  </p:tgtEl>
+                </p:cond>
+              </p:nextCondLst>
+            </p:seq>
+          </p:childTnLst>
+        </p:cTn>
+      </p:par>
+    </p:tnLst>
+  </p:timing>
+</p:sld>
+</file>
+
+<file path=ppt/slides/slide31.xml><?xml version="1.0" encoding="utf-8"?>
+<p:sld xmlns:a="http://schemas.openxmlformats.org/drawingml/2006/main" xmlns:r="http://schemas.openxmlformats.org/officeDocument/2006/relationships" xmlns:p="http://schemas.openxmlformats.org/presentationml/2006/main">
+  <p:cSld>
+    <p:spTree>
+      <p:nvGrpSpPr>
+        <p:cNvPr id="1" name=""/>
+        <p:cNvGrpSpPr/>
+        <p:nvPr/>
+      </p:nvGrpSpPr>
+      <p:grpSpPr>
+        <a:xfrm>
+          <a:off x="0" y="0"/>
+          <a:ext cx="0" cy="0"/>
+          <a:chOff x="0" y="0"/>
+          <a:chExt cx="0" cy="0"/>
+        </a:xfrm>
+      </p:grpSpPr>
+      <p:sp>
+        <p:nvSpPr>
+          <p:cNvPr id="2" name="标题 1">
+            <a:extLst>
+              <a:ext uri="{FF2B5EF4-FFF2-40B4-BE49-F238E27FC236}">
+                <a16:creationId xmlns:a16="http://schemas.microsoft.com/office/drawing/2014/main" id="{B1BBECA0-DF69-4ACD-5855-8EAEAC260465}"/>
+              </a:ext>
+            </a:extLst>
+          </p:cNvPr>
+          <p:cNvSpPr>
+            <a:spLocks noGrp="1"/>
+          </p:cNvSpPr>
+          <p:nvPr>
+            <p:ph type="title"/>
+          </p:nvPr>
+        </p:nvSpPr>
+        <p:spPr/>
+        <p:txBody>
+          <a:bodyPr/>
+          <a:lstStyle/>
+          <a:p>
+            <a:pPr algn="ctr"/>
+            <a:r>
+              <a:rPr lang="zh-CN" altLang="en-US" dirty="0">
+                <a:solidFill>
+                  <a:srgbClr val="FF0000"/>
+                </a:solidFill>
+                <a:latin typeface="宋体" panose="02010600030101010101" pitchFamily="2" charset="-122"/>
+                <a:ea typeface="宋体" panose="02010600030101010101" pitchFamily="2" charset="-122"/>
+              </a:rPr>
+              <a:t>线性回归中使用梯度下降</a:t>
+            </a:r>
+          </a:p>
+        </p:txBody>
+      </p:sp>
+      <mc:AlternateContent xmlns:mc="http://schemas.openxmlformats.org/markup-compatibility/2006">
+        <mc:Choice xmlns:a14="http://schemas.microsoft.com/office/drawing/2010/main" Requires="a14">
+          <p:sp>
+            <p:nvSpPr>
+              <p:cNvPr id="5" name="文本框 4">
+                <a:extLst>
+                  <a:ext uri="{FF2B5EF4-FFF2-40B4-BE49-F238E27FC236}">
+                    <a16:creationId xmlns:a16="http://schemas.microsoft.com/office/drawing/2014/main" id="{722DE79F-6D4D-B0AE-743B-7CBAF411F04F}"/>
+                  </a:ext>
+                </a:extLst>
+              </p:cNvPr>
+              <p:cNvSpPr txBox="1"/>
+              <p:nvPr/>
+            </p:nvSpPr>
+            <p:spPr>
+              <a:xfrm>
+                <a:off x="2144568" y="1798781"/>
+                <a:ext cx="8889293" cy="550151"/>
+              </a:xfrm>
+              <a:prstGeom prst="rect">
+                <a:avLst/>
+              </a:prstGeom>
+              <a:noFill/>
+            </p:spPr>
+            <p:txBody>
+              <a:bodyPr wrap="none" rtlCol="0">
+                <a:spAutoFit/>
+              </a:bodyPr>
+              <a:lstStyle/>
+              <a:p>
+                <a:r>
+                  <a:rPr lang="zh-CN" altLang="en-US" sz="2800" dirty="0">
+                    <a:latin typeface="黑体" panose="02010609060101010101" pitchFamily="49" charset="-122"/>
+                    <a:ea typeface="黑体" panose="02010609060101010101" pitchFamily="49" charset="-122"/>
+                  </a:rPr>
+                  <a:t>目标：</a:t>
+                </a:r>
+                <a:r>
+                  <a:rPr lang="zh-CN" altLang="en-US" sz="2800" dirty="0"/>
+                  <a:t> </a:t>
+                </a:r>
+                <a14:m>
+                  <m:oMath xmlns:m="http://schemas.openxmlformats.org/officeDocument/2006/math">
+                    <m:nary>
+                      <m:naryPr>
+                        <m:chr m:val="∑"/>
+                        <m:ctrlPr>
+                          <a:rPr lang="zh-CN" altLang="en-US" sz="2800" i="1">
+                            <a:latin typeface="Cambria Math" panose="02040503050406030204" pitchFamily="18" charset="0"/>
+                          </a:rPr>
+                        </m:ctrlPr>
+                      </m:naryPr>
+                      <m:sub>
+                        <m:r>
+                          <m:rPr>
+                            <m:sty m:val="p"/>
+                            <m:brk m:alnAt="23"/>
+                          </m:rPr>
+                          <a:rPr lang="en-US" altLang="zh-CN" sz="2800" i="1">
+                            <a:latin typeface="Cambria Math" panose="02040503050406030204" pitchFamily="18" charset="0"/>
+                          </a:rPr>
+                          <m:t>i</m:t>
+                        </m:r>
+                        <m:r>
+                          <a:rPr lang="en-US" altLang="zh-CN" sz="2800" i="1">
+                            <a:latin typeface="Cambria Math" panose="02040503050406030204" pitchFamily="18" charset="0"/>
+                          </a:rPr>
+                          <m:t>=1</m:t>
+                        </m:r>
+                      </m:sub>
+                      <m:sup>
+                        <m:r>
+                          <a:rPr lang="en-US" altLang="zh-CN" sz="2800" i="1">
+                            <a:latin typeface="Cambria Math" panose="02040503050406030204" pitchFamily="18" charset="0"/>
+                          </a:rPr>
+                          <m:t>𝑚</m:t>
+                        </m:r>
+                      </m:sup>
+                      <m:e>
+                        <m:sSup>
+                          <m:sSupPr>
+                            <m:ctrlPr>
+                              <a:rPr lang="en-US" altLang="zh-CN" sz="2800" i="1">
+                                <a:latin typeface="Cambria Math" panose="02040503050406030204" pitchFamily="18" charset="0"/>
+                              </a:rPr>
+                            </m:ctrlPr>
+                          </m:sSupPr>
+                          <m:e>
+                            <m:r>
+                              <a:rPr lang="en-US" altLang="zh-CN" sz="2800" i="1">
+                                <a:latin typeface="Cambria Math" panose="02040503050406030204" pitchFamily="18" charset="0"/>
+                              </a:rPr>
+                              <m:t>(</m:t>
+                            </m:r>
+                            <m:r>
+                              <a:rPr lang="en-US" altLang="zh-CN" sz="2800" i="1">
+                                <a:latin typeface="Cambria Math" panose="02040503050406030204" pitchFamily="18" charset="0"/>
+                              </a:rPr>
+                              <m:t>𝑦</m:t>
+                            </m:r>
+                          </m:e>
+                          <m:sup>
+                            <m:r>
+                              <a:rPr lang="en-US" altLang="zh-CN" sz="2800" i="1">
+                                <a:latin typeface="Cambria Math" panose="02040503050406030204" pitchFamily="18" charset="0"/>
+                              </a:rPr>
+                              <m:t>(</m:t>
+                            </m:r>
+                            <m:r>
+                              <a:rPr lang="en-US" altLang="zh-CN" sz="2800" i="1">
+                                <a:latin typeface="Cambria Math" panose="02040503050406030204" pitchFamily="18" charset="0"/>
+                              </a:rPr>
+                              <m:t>𝑖</m:t>
+                            </m:r>
+                            <m:r>
+                              <a:rPr lang="en-US" altLang="zh-CN" sz="2800" i="1">
+                                <a:latin typeface="Cambria Math" panose="02040503050406030204" pitchFamily="18" charset="0"/>
+                              </a:rPr>
+                              <m:t>)</m:t>
+                            </m:r>
+                          </m:sup>
+                        </m:sSup>
+                        <m:r>
+                          <a:rPr lang="en-US" altLang="zh-CN" sz="2800">
+                            <a:latin typeface="Cambria Math" panose="02040503050406030204" pitchFamily="18" charset="0"/>
+                          </a:rPr>
+                          <m:t>−</m:t>
+                        </m:r>
+                        <m:sSub>
+                          <m:sSubPr>
+                            <m:ctrlPr>
+                              <a:rPr lang="en-US" altLang="zh-CN" sz="2800" i="1">
+                                <a:latin typeface="Cambria Math" panose="02040503050406030204" pitchFamily="18" charset="0"/>
+                                <a:ea typeface="黑体" panose="02010609060101010101" pitchFamily="49" charset="-122"/>
+                                <a:cs typeface="Times New Roman" panose="02020603050405020304" pitchFamily="18" charset="0"/>
+                              </a:rPr>
+                            </m:ctrlPr>
+                          </m:sSubPr>
+                          <m:e>
+                            <m:r>
+                              <a:rPr lang="el-GR" altLang="zh-CN" sz="2800" i="1">
+                                <a:latin typeface="Cambria Math" panose="02040503050406030204" pitchFamily="18" charset="0"/>
+                                <a:ea typeface="黑体" panose="02010609060101010101" pitchFamily="49" charset="-122"/>
+                                <a:cs typeface="Times New Roman" panose="02020603050405020304" pitchFamily="18" charset="0"/>
+                              </a:rPr>
+                              <m:t>𝜃</m:t>
+                            </m:r>
+                          </m:e>
+                          <m:sub>
+                            <m:r>
+                              <a:rPr lang="en-US" altLang="zh-CN" sz="2800" i="1">
+                                <a:latin typeface="Cambria Math" panose="02040503050406030204" pitchFamily="18" charset="0"/>
+                                <a:ea typeface="黑体" panose="02010609060101010101" pitchFamily="49" charset="-122"/>
+                                <a:cs typeface="Times New Roman" panose="02020603050405020304" pitchFamily="18" charset="0"/>
+                              </a:rPr>
+                              <m:t>0</m:t>
+                            </m:r>
+                          </m:sub>
+                        </m:sSub>
+                        <m:r>
+                          <a:rPr lang="en-US" altLang="zh-CN" sz="2800" b="0" i="1" smtClean="0">
+                            <a:latin typeface="Cambria Math" panose="02040503050406030204" pitchFamily="18" charset="0"/>
+                            <a:ea typeface="黑体" panose="02010609060101010101" pitchFamily="49" charset="-122"/>
+                            <a:cs typeface="Times New Roman" panose="02020603050405020304" pitchFamily="18" charset="0"/>
+                          </a:rPr>
+                          <m:t>−</m:t>
+                        </m:r>
+                        <m:sSub>
+                          <m:sSubPr>
+                            <m:ctrlPr>
+                              <a:rPr lang="en-US" altLang="zh-CN" sz="2800" i="1">
+                                <a:latin typeface="Cambria Math" panose="02040503050406030204" pitchFamily="18" charset="0"/>
+                                <a:ea typeface="黑体" panose="02010609060101010101" pitchFamily="49" charset="-122"/>
+                                <a:cs typeface="Times New Roman" panose="02020603050405020304" pitchFamily="18" charset="0"/>
+                              </a:rPr>
+                            </m:ctrlPr>
+                          </m:sSubPr>
+                          <m:e>
+                            <m:r>
+                              <a:rPr lang="el-GR" altLang="zh-CN" sz="2800" i="1">
+                                <a:latin typeface="Cambria Math" panose="02040503050406030204" pitchFamily="18" charset="0"/>
+                                <a:ea typeface="黑体" panose="02010609060101010101" pitchFamily="49" charset="-122"/>
+                                <a:cs typeface="Times New Roman" panose="02020603050405020304" pitchFamily="18" charset="0"/>
+                              </a:rPr>
+                              <m:t>𝜃</m:t>
+                            </m:r>
+                          </m:e>
+                          <m:sub>
+                            <m:r>
+                              <a:rPr lang="en-US" altLang="zh-CN" sz="2800" i="1">
+                                <a:latin typeface="Cambria Math" panose="02040503050406030204" pitchFamily="18" charset="0"/>
+                                <a:ea typeface="黑体" panose="02010609060101010101" pitchFamily="49" charset="-122"/>
+                                <a:cs typeface="Times New Roman" panose="02020603050405020304" pitchFamily="18" charset="0"/>
+                              </a:rPr>
+                              <m:t>1</m:t>
+                            </m:r>
+                          </m:sub>
+                        </m:sSub>
+                        <m:sSup>
+                          <m:sSupPr>
+                            <m:ctrlPr>
+                              <a:rPr lang="en-US" altLang="zh-CN" sz="2800" i="1">
+                                <a:latin typeface="Cambria Math" panose="02040503050406030204" pitchFamily="18" charset="0"/>
+                              </a:rPr>
+                            </m:ctrlPr>
+                          </m:sSupPr>
+                          <m:e>
+                            <m:sSub>
+                              <m:sSubPr>
+                                <m:ctrlPr>
+                                  <a:rPr lang="en-US" altLang="zh-CN" sz="2800" i="1">
+                                    <a:latin typeface="Cambria Math" panose="02040503050406030204" pitchFamily="18" charset="0"/>
+                                  </a:rPr>
+                                </m:ctrlPr>
+                              </m:sSubPr>
+                              <m:e>
+                                <m:r>
+                                  <a:rPr lang="en-US" altLang="zh-CN" sz="2800" i="1">
+                                    <a:latin typeface="Cambria Math" panose="02040503050406030204" pitchFamily="18" charset="0"/>
+                                  </a:rPr>
+                                  <m:t>𝑥</m:t>
+                                </m:r>
+                              </m:e>
+                              <m:sub>
+                                <m:r>
+                                  <a:rPr lang="en-US" altLang="zh-CN" sz="2800" i="1">
+                                    <a:latin typeface="Cambria Math" panose="02040503050406030204" pitchFamily="18" charset="0"/>
+                                  </a:rPr>
+                                  <m:t>1</m:t>
+                                </m:r>
+                              </m:sub>
+                            </m:sSub>
+                          </m:e>
+                          <m:sup>
+                            <m:r>
+                              <a:rPr lang="en-US" altLang="zh-CN" sz="2800" i="1">
+                                <a:latin typeface="Cambria Math" panose="02040503050406030204" pitchFamily="18" charset="0"/>
+                              </a:rPr>
+                              <m:t>𝑖</m:t>
+                            </m:r>
+                          </m:sup>
+                        </m:sSup>
+                        <m:r>
+                          <a:rPr lang="en-US" altLang="zh-CN" sz="2800" b="0" i="1" smtClean="0">
+                            <a:latin typeface="Cambria Math" panose="02040503050406030204" pitchFamily="18" charset="0"/>
+                          </a:rPr>
+                          <m:t>−</m:t>
+                        </m:r>
+                        <m:r>
+                          <a:rPr lang="en-US" altLang="zh-CN" sz="2800" i="1">
+                            <a:latin typeface="Cambria Math" panose="02040503050406030204" pitchFamily="18" charset="0"/>
+                            <a:ea typeface="黑体" panose="02010609060101010101" pitchFamily="49" charset="-122"/>
+                            <a:cs typeface="Times New Roman" panose="02020603050405020304" pitchFamily="18" charset="0"/>
+                          </a:rPr>
+                          <m:t>…</m:t>
+                        </m:r>
+                        <m:r>
+                          <a:rPr lang="en-US" altLang="zh-CN" sz="2800" b="0" i="1" smtClean="0">
+                            <a:latin typeface="Cambria Math" panose="02040503050406030204" pitchFamily="18" charset="0"/>
+                            <a:ea typeface="黑体" panose="02010609060101010101" pitchFamily="49" charset="-122"/>
+                            <a:cs typeface="Times New Roman" panose="02020603050405020304" pitchFamily="18" charset="0"/>
+                          </a:rPr>
+                          <m:t>−</m:t>
+                        </m:r>
+                        <m:sSub>
+                          <m:sSubPr>
+                            <m:ctrlPr>
+                              <a:rPr lang="en-US" altLang="zh-CN" sz="2800" i="1">
+                                <a:latin typeface="Cambria Math" panose="02040503050406030204" pitchFamily="18" charset="0"/>
+                                <a:ea typeface="黑体" panose="02010609060101010101" pitchFamily="49" charset="-122"/>
+                                <a:cs typeface="Times New Roman" panose="02020603050405020304" pitchFamily="18" charset="0"/>
+                              </a:rPr>
+                            </m:ctrlPr>
+                          </m:sSubPr>
+                          <m:e>
+                            <m:r>
+                              <a:rPr lang="el-GR" altLang="zh-CN" sz="2800" i="1">
+                                <a:latin typeface="Cambria Math" panose="02040503050406030204" pitchFamily="18" charset="0"/>
+                                <a:ea typeface="黑体" panose="02010609060101010101" pitchFamily="49" charset="-122"/>
+                                <a:cs typeface="Times New Roman" panose="02020603050405020304" pitchFamily="18" charset="0"/>
+                              </a:rPr>
+                              <m:t>𝜃</m:t>
+                            </m:r>
+                          </m:e>
+                          <m:sub>
+                            <m:r>
+                              <m:rPr>
+                                <m:sty m:val="p"/>
+                              </m:rPr>
+                              <a:rPr lang="en-US" altLang="zh-CN" sz="2800" i="1">
+                                <a:latin typeface="Cambria Math" panose="02040503050406030204" pitchFamily="18" charset="0"/>
+                                <a:ea typeface="黑体" panose="02010609060101010101" pitchFamily="49" charset="-122"/>
+                                <a:cs typeface="Times New Roman" panose="02020603050405020304" pitchFamily="18" charset="0"/>
+                              </a:rPr>
+                              <m:t>n</m:t>
+                            </m:r>
+                          </m:sub>
+                        </m:sSub>
+                        <m:sSup>
+                          <m:sSupPr>
+                            <m:ctrlPr>
+                              <a:rPr lang="en-US" altLang="zh-CN" sz="2800" i="1">
+                                <a:latin typeface="Cambria Math" panose="02040503050406030204" pitchFamily="18" charset="0"/>
+                              </a:rPr>
+                            </m:ctrlPr>
+                          </m:sSupPr>
+                          <m:e>
+                            <m:sSub>
+                              <m:sSubPr>
+                                <m:ctrlPr>
+                                  <a:rPr lang="en-US" altLang="zh-CN" sz="2800" i="1">
+                                    <a:latin typeface="Cambria Math" panose="02040503050406030204" pitchFamily="18" charset="0"/>
+                                  </a:rPr>
+                                </m:ctrlPr>
+                              </m:sSubPr>
+                              <m:e>
+                                <m:r>
+                                  <a:rPr lang="en-US" altLang="zh-CN" sz="2800" i="1">
+                                    <a:latin typeface="Cambria Math" panose="02040503050406030204" pitchFamily="18" charset="0"/>
+                                  </a:rPr>
+                                  <m:t>𝑥</m:t>
+                                </m:r>
+                              </m:e>
+                              <m:sub>
+                                <m:r>
+                                  <a:rPr lang="en-US" altLang="zh-CN" sz="2800" i="1">
+                                    <a:latin typeface="Cambria Math" panose="02040503050406030204" pitchFamily="18" charset="0"/>
+                                  </a:rPr>
+                                  <m:t>𝑛</m:t>
+                                </m:r>
+                              </m:sub>
+                            </m:sSub>
+                          </m:e>
+                          <m:sup>
+                            <m:r>
+                              <a:rPr lang="en-US" altLang="zh-CN" sz="2800" i="1">
+                                <a:latin typeface="Cambria Math" panose="02040503050406030204" pitchFamily="18" charset="0"/>
+                              </a:rPr>
+                              <m:t>𝑖</m:t>
+                            </m:r>
+                          </m:sup>
+                        </m:sSup>
+                        <m:sSup>
+                          <m:sSupPr>
+                            <m:ctrlPr>
+                              <a:rPr lang="en-US" altLang="zh-CN" sz="2800" i="1" dirty="0">
+                                <a:latin typeface="Cambria Math" panose="02040503050406030204" pitchFamily="18" charset="0"/>
+                              </a:rPr>
+                            </m:ctrlPr>
+                          </m:sSupPr>
+                          <m:e>
+                            <m:r>
+                              <a:rPr lang="en-US" altLang="zh-CN" sz="2800" i="1" dirty="0">
+                                <a:latin typeface="Cambria Math" panose="02040503050406030204" pitchFamily="18" charset="0"/>
+                              </a:rPr>
+                              <m:t>)</m:t>
+                            </m:r>
+                          </m:e>
+                          <m:sup>
+                            <m:r>
+                              <a:rPr lang="en-US" altLang="zh-CN" sz="2800" i="1" dirty="0">
+                                <a:latin typeface="Cambria Math" panose="02040503050406030204" pitchFamily="18" charset="0"/>
+                              </a:rPr>
+                              <m:t>2</m:t>
+                            </m:r>
+                          </m:sup>
+                        </m:sSup>
+                      </m:e>
+                    </m:nary>
+                  </m:oMath>
+                </a14:m>
+                <a:r>
+                  <a:rPr lang="zh-CN" altLang="en-US" sz="2800" dirty="0">
+                    <a:latin typeface="黑体" panose="02010609060101010101" pitchFamily="49" charset="-122"/>
+                    <a:ea typeface="黑体" panose="02010609060101010101" pitchFamily="49" charset="-122"/>
+                  </a:rPr>
+                  <a:t> 使尽可能小</a:t>
+                </a:r>
+              </a:p>
+            </p:txBody>
+          </p:sp>
+        </mc:Choice>
+        <mc:Fallback>
+          <p:sp>
+            <p:nvSpPr>
+              <p:cNvPr id="5" name="文本框 4">
+                <a:extLst>
+                  <a:ext uri="{FF2B5EF4-FFF2-40B4-BE49-F238E27FC236}">
+                    <a16:creationId xmlns:a16="http://schemas.microsoft.com/office/drawing/2014/main" id="{722DE79F-6D4D-B0AE-743B-7CBAF411F04F}"/>
+                  </a:ext>
+                </a:extLst>
+              </p:cNvPr>
+              <p:cNvSpPr txBox="1">
+                <a:spLocks noRot="1" noChangeAspect="1" noMove="1" noResize="1" noEditPoints="1" noAdjustHandles="1" noChangeArrowheads="1" noChangeShapeType="1" noTextEdit="1"/>
+              </p:cNvSpPr>
+              <p:nvPr/>
+            </p:nvSpPr>
+            <p:spPr>
+              <a:xfrm>
+                <a:off x="2144568" y="1798781"/>
+                <a:ext cx="8889293" cy="550151"/>
+              </a:xfrm>
+              <a:prstGeom prst="rect">
+                <a:avLst/>
+              </a:prstGeom>
+              <a:blipFill>
+                <a:blip r:embed="rId3"/>
+                <a:stretch>
+                  <a:fillRect l="-1427" t="-118182" r="-571" b="-184091"/>
+                </a:stretch>
+              </a:blipFill>
+            </p:spPr>
+            <p:txBody>
+              <a:bodyPr/>
+              <a:lstStyle/>
+              <a:p>
+                <a:r>
+                  <a:rPr lang="zh-CN" altLang="en-US">
+                    <a:noFill/>
+                  </a:rPr>
+                  <a:t> </a:t>
+                </a:r>
+              </a:p>
+            </p:txBody>
+          </p:sp>
+        </mc:Fallback>
+      </mc:AlternateContent>
+      <p:pic>
+        <p:nvPicPr>
+          <p:cNvPr id="3" name="图片 2">
+            <a:extLst>
+              <a:ext uri="{FF2B5EF4-FFF2-40B4-BE49-F238E27FC236}">
+                <a16:creationId xmlns:a16="http://schemas.microsoft.com/office/drawing/2014/main" id="{0223D4C9-9298-9349-A9E3-EACB9CA4F47B}"/>
+              </a:ext>
+            </a:extLst>
+          </p:cNvPr>
+          <p:cNvPicPr>
+            <a:picLocks noChangeAspect="1"/>
+          </p:cNvPicPr>
+          <p:nvPr/>
+        </p:nvPicPr>
+        <p:blipFill>
+          <a:blip r:embed="rId4"/>
+          <a:stretch>
+            <a:fillRect/>
+          </a:stretch>
+        </p:blipFill>
+        <p:spPr>
+          <a:xfrm>
+            <a:off x="5176079" y="3087029"/>
+            <a:ext cx="2380421" cy="2959656"/>
+          </a:xfrm>
+          <a:prstGeom prst="rect">
+            <a:avLst/>
+          </a:prstGeom>
+        </p:spPr>
+      </p:pic>
+      <p:pic>
+        <p:nvPicPr>
+          <p:cNvPr id="7" name="图片 6">
+            <a:extLst>
+              <a:ext uri="{FF2B5EF4-FFF2-40B4-BE49-F238E27FC236}">
+                <a16:creationId xmlns:a16="http://schemas.microsoft.com/office/drawing/2014/main" id="{C5B303F1-0146-834C-B81D-1F755781C9DF}"/>
+              </a:ext>
+            </a:extLst>
+          </p:cNvPr>
+          <p:cNvPicPr>
+            <a:picLocks noChangeAspect="1"/>
+          </p:cNvPicPr>
+          <p:nvPr/>
+        </p:nvPicPr>
+        <p:blipFill>
+          <a:blip r:embed="rId5"/>
+          <a:stretch>
+            <a:fillRect/>
+          </a:stretch>
+        </p:blipFill>
+        <p:spPr>
+          <a:xfrm>
+            <a:off x="7556500" y="3087029"/>
+            <a:ext cx="2608184" cy="2881971"/>
+          </a:xfrm>
+          <a:prstGeom prst="rect">
+            <a:avLst/>
+          </a:prstGeom>
+        </p:spPr>
+      </p:pic>
+      <mc:AlternateContent xmlns:mc="http://schemas.openxmlformats.org/markup-compatibility/2006" xmlns:a14="http://schemas.microsoft.com/office/drawing/2010/main">
+        <mc:Choice Requires="a14">
+          <p:sp>
+            <p:nvSpPr>
+              <p:cNvPr id="8" name="文本框 7">
+                <a:extLst>
+                  <a:ext uri="{FF2B5EF4-FFF2-40B4-BE49-F238E27FC236}">
+                    <a16:creationId xmlns:a16="http://schemas.microsoft.com/office/drawing/2014/main" id="{B6D80C4A-BD35-C344-A69E-C59BA2AD524D}"/>
+                  </a:ext>
+                </a:extLst>
+              </p:cNvPr>
+              <p:cNvSpPr txBox="1"/>
+              <p:nvPr/>
+            </p:nvSpPr>
+            <p:spPr>
+              <a:xfrm>
+                <a:off x="759114" y="2899929"/>
+                <a:ext cx="5589735" cy="787716"/>
+              </a:xfrm>
+              <a:prstGeom prst="rect">
+                <a:avLst/>
+              </a:prstGeom>
+              <a:noFill/>
+            </p:spPr>
+            <p:txBody>
+              <a:bodyPr wrap="none" rtlCol="0">
+                <a:spAutoFit/>
+              </a:bodyPr>
+              <a:lstStyle/>
+              <a:p>
+                <a:r>
+                  <a:rPr lang="zh-CN" altLang="en-US" sz="2000" dirty="0">
+                    <a:latin typeface="黑体" panose="02010609060101010101" pitchFamily="49" charset="-122"/>
+                    <a:ea typeface="黑体" panose="02010609060101010101" pitchFamily="49" charset="-122"/>
+                  </a:rPr>
+                  <a:t>目标： </a:t>
+                </a:r>
+                <a14:m>
+                  <m:oMath xmlns:m="http://schemas.openxmlformats.org/officeDocument/2006/math">
+                    <m:f>
+                      <m:fPr>
+                        <m:ctrlPr>
+                          <a:rPr lang="en-US" altLang="zh-CN" sz="3200" i="1" smtClean="0">
+                            <a:latin typeface="Cambria Math" panose="02040503050406030204" pitchFamily="18" charset="0"/>
+                          </a:rPr>
+                        </m:ctrlPr>
+                      </m:fPr>
+                      <m:num>
+                        <m:r>
+                          <a:rPr lang="en-US" altLang="zh-CN" sz="3200" b="0" i="1" smtClean="0">
+                            <a:latin typeface="Cambria Math" panose="02040503050406030204" pitchFamily="18" charset="0"/>
+                          </a:rPr>
+                          <m:t>1</m:t>
+                        </m:r>
+                      </m:num>
+                      <m:den>
+                        <m:r>
+                          <m:rPr>
+                            <m:sty m:val="p"/>
+                          </m:rPr>
+                          <a:rPr lang="en-US" altLang="zh-CN" sz="3200" i="1">
+                            <a:latin typeface="Cambria Math" panose="02040503050406030204" pitchFamily="18" charset="0"/>
+                          </a:rPr>
+                          <m:t>m</m:t>
+                        </m:r>
+                      </m:den>
+                    </m:f>
+                    <m:nary>
+                      <m:naryPr>
+                        <m:chr m:val="∑"/>
+                        <m:ctrlPr>
+                          <a:rPr lang="zh-CN" altLang="en-US" sz="3200" i="1" smtClean="0">
+                            <a:latin typeface="Cambria Math" panose="02040503050406030204" pitchFamily="18" charset="0"/>
+                          </a:rPr>
+                        </m:ctrlPr>
+                      </m:naryPr>
+                      <m:sub>
+                        <m:r>
+                          <m:rPr>
+                            <m:sty m:val="p"/>
+                            <m:brk m:alnAt="23"/>
+                          </m:rPr>
+                          <a:rPr lang="en-US" altLang="zh-CN" sz="3200" i="1">
+                            <a:latin typeface="Cambria Math" panose="02040503050406030204" pitchFamily="18" charset="0"/>
+                          </a:rPr>
+                          <m:t>i</m:t>
+                        </m:r>
+                        <m:r>
+                          <a:rPr lang="en-US" altLang="zh-CN" sz="3200" b="0" i="1" smtClean="0">
+                            <a:latin typeface="Cambria Math" panose="02040503050406030204" pitchFamily="18" charset="0"/>
+                          </a:rPr>
+                          <m:t>=1</m:t>
+                        </m:r>
+                      </m:sub>
+                      <m:sup>
+                        <m:r>
+                          <a:rPr lang="en-US" altLang="zh-CN" sz="3200" b="0" i="1" smtClean="0">
+                            <a:latin typeface="Cambria Math" panose="02040503050406030204" pitchFamily="18" charset="0"/>
+                          </a:rPr>
+                          <m:t>𝑚</m:t>
+                        </m:r>
+                      </m:sup>
+                      <m:e>
+                        <m:sSup>
+                          <m:sSupPr>
+                            <m:ctrlPr>
+                              <a:rPr lang="en-US" altLang="zh-CN" sz="3200" i="1">
+                                <a:latin typeface="Cambria Math" panose="02040503050406030204" pitchFamily="18" charset="0"/>
+                              </a:rPr>
+                            </m:ctrlPr>
+                          </m:sSupPr>
+                          <m:e>
+                            <m:r>
+                              <a:rPr lang="en-US" altLang="zh-CN" sz="3200" i="1">
+                                <a:latin typeface="Cambria Math" panose="02040503050406030204" pitchFamily="18" charset="0"/>
+                              </a:rPr>
+                              <m:t>(</m:t>
+                            </m:r>
+                            <m:r>
+                              <a:rPr lang="en-US" altLang="zh-CN" sz="3200" i="1">
+                                <a:latin typeface="Cambria Math" panose="02040503050406030204" pitchFamily="18" charset="0"/>
+                              </a:rPr>
+                              <m:t>𝑦</m:t>
+                            </m:r>
+                          </m:e>
+                          <m:sup>
+                            <m:r>
+                              <a:rPr lang="en-US" altLang="zh-CN" sz="3200" i="1">
+                                <a:latin typeface="Cambria Math" panose="02040503050406030204" pitchFamily="18" charset="0"/>
+                              </a:rPr>
+                              <m:t>(</m:t>
+                            </m:r>
+                            <m:r>
+                              <a:rPr lang="en-US" altLang="zh-CN" sz="3200" i="1">
+                                <a:latin typeface="Cambria Math" panose="02040503050406030204" pitchFamily="18" charset="0"/>
+                              </a:rPr>
+                              <m:t>𝑖</m:t>
+                            </m:r>
+                            <m:r>
+                              <a:rPr lang="en-US" altLang="zh-CN" sz="3200" i="1">
+                                <a:latin typeface="Cambria Math" panose="02040503050406030204" pitchFamily="18" charset="0"/>
+                              </a:rPr>
+                              <m:t>)</m:t>
+                            </m:r>
+                          </m:sup>
+                        </m:sSup>
+                        <m:r>
+                          <a:rPr lang="en-US" altLang="zh-CN" sz="3200">
+                            <a:latin typeface="Cambria Math" panose="02040503050406030204" pitchFamily="18" charset="0"/>
+                          </a:rPr>
+                          <m:t>−</m:t>
+                        </m:r>
+                        <m:sSup>
+                          <m:sSupPr>
+                            <m:ctrlPr>
+                              <a:rPr lang="en-US" altLang="zh-CN" sz="3200" i="1" dirty="0">
+                                <a:latin typeface="Cambria Math" panose="02040503050406030204" pitchFamily="18" charset="0"/>
+                              </a:rPr>
+                            </m:ctrlPr>
+                          </m:sSupPr>
+                          <m:e>
+                            <m:acc>
+                              <m:accPr>
+                                <m:chr m:val="̂"/>
+                                <m:ctrlPr>
+                                  <a:rPr lang="en-US" altLang="zh-CN" sz="3200" i="1" dirty="0">
+                                    <a:latin typeface="Cambria Math" panose="02040503050406030204" pitchFamily="18" charset="0"/>
+                                  </a:rPr>
+                                </m:ctrlPr>
+                              </m:accPr>
+                              <m:e>
+                                <m:r>
+                                  <a:rPr lang="en-US" altLang="zh-CN" sz="3200" i="1" dirty="0">
+                                    <a:latin typeface="Cambria Math" panose="02040503050406030204" pitchFamily="18" charset="0"/>
+                                  </a:rPr>
+                                  <m:t>𝑦</m:t>
+                                </m:r>
+                              </m:e>
+                            </m:acc>
+                          </m:e>
+                          <m:sup>
+                            <m:d>
+                              <m:dPr>
+                                <m:ctrlPr>
+                                  <a:rPr lang="en-US" altLang="zh-CN" sz="3200" i="1" dirty="0">
+                                    <a:latin typeface="Cambria Math" panose="02040503050406030204" pitchFamily="18" charset="0"/>
+                                  </a:rPr>
+                                </m:ctrlPr>
+                              </m:dPr>
+                              <m:e>
+                                <m:r>
+                                  <a:rPr lang="en-US" altLang="zh-CN" sz="3200" i="1" dirty="0">
+                                    <a:latin typeface="Cambria Math" panose="02040503050406030204" pitchFamily="18" charset="0"/>
+                                  </a:rPr>
+                                  <m:t>𝑖</m:t>
+                                </m:r>
+                              </m:e>
+                            </m:d>
+                          </m:sup>
+                        </m:sSup>
+                        <m:sSup>
+                          <m:sSupPr>
+                            <m:ctrlPr>
+                              <a:rPr lang="en-US" altLang="zh-CN" sz="3200" i="1" dirty="0">
+                                <a:latin typeface="Cambria Math" panose="02040503050406030204" pitchFamily="18" charset="0"/>
+                              </a:rPr>
+                            </m:ctrlPr>
+                          </m:sSupPr>
+                          <m:e>
+                            <m:r>
+                              <a:rPr lang="en-US" altLang="zh-CN" sz="3200" i="1" dirty="0">
+                                <a:latin typeface="Cambria Math" panose="02040503050406030204" pitchFamily="18" charset="0"/>
+                              </a:rPr>
+                              <m:t>)</m:t>
+                            </m:r>
+                          </m:e>
+                          <m:sup>
+                            <m:r>
+                              <a:rPr lang="en-US" altLang="zh-CN" sz="3200" i="1" dirty="0">
+                                <a:latin typeface="Cambria Math" panose="02040503050406030204" pitchFamily="18" charset="0"/>
+                              </a:rPr>
+                              <m:t>2</m:t>
+                            </m:r>
+                          </m:sup>
+                        </m:sSup>
+                      </m:e>
+                    </m:nary>
+                  </m:oMath>
+                </a14:m>
+                <a:r>
+                  <a:rPr lang="zh-CN" altLang="en-US" sz="2000" dirty="0">
+                    <a:latin typeface="黑体" panose="02010609060101010101" pitchFamily="49" charset="-122"/>
+                    <a:ea typeface="黑体" panose="02010609060101010101" pitchFamily="49" charset="-122"/>
+                  </a:rPr>
+                  <a:t>使尽可能小</a:t>
+                </a:r>
+              </a:p>
+            </p:txBody>
+          </p:sp>
+        </mc:Choice>
+        <mc:Fallback xmlns="">
+          <p:sp>
+            <p:nvSpPr>
+              <p:cNvPr id="8" name="文本框 7">
+                <a:extLst>
+                  <a:ext uri="{FF2B5EF4-FFF2-40B4-BE49-F238E27FC236}">
+                    <a16:creationId xmlns:a16="http://schemas.microsoft.com/office/drawing/2014/main" id="{B6D80C4A-BD35-C344-A69E-C59BA2AD524D}"/>
+                  </a:ext>
+                </a:extLst>
+              </p:cNvPr>
+              <p:cNvSpPr txBox="1">
+                <a:spLocks noRot="1" noChangeAspect="1" noMove="1" noResize="1" noEditPoints="1" noAdjustHandles="1" noChangeArrowheads="1" noChangeShapeType="1" noTextEdit="1"/>
+              </p:cNvSpPr>
+              <p:nvPr/>
+            </p:nvSpPr>
+            <p:spPr>
+              <a:xfrm>
+                <a:off x="759114" y="2899929"/>
+                <a:ext cx="5589735" cy="787716"/>
+              </a:xfrm>
+              <a:prstGeom prst="rect">
+                <a:avLst/>
+              </a:prstGeom>
+              <a:blipFill>
+                <a:blip r:embed="rId6"/>
+                <a:stretch>
+                  <a:fillRect l="-1364" t="-85714" r="-227" b="-138095"/>
+                </a:stretch>
+              </a:blipFill>
+            </p:spPr>
+            <p:txBody>
+              <a:bodyPr/>
+              <a:lstStyle/>
+              <a:p>
+                <a:r>
+                  <a:rPr lang="zh-CN" altLang="en-US">
+                    <a:noFill/>
+                  </a:rPr>
+                  <a:t> </a:t>
+                </a:r>
+              </a:p>
+            </p:txBody>
+          </p:sp>
+        </mc:Fallback>
+      </mc:AlternateContent>
+      <mc:AlternateContent xmlns:mc="http://schemas.openxmlformats.org/markup-compatibility/2006" xmlns:a14="http://schemas.microsoft.com/office/drawing/2010/main">
+        <mc:Choice Requires="a14">
+          <p:sp>
+            <p:nvSpPr>
+              <p:cNvPr id="9" name="文本框 8">
+                <a:extLst>
+                  <a:ext uri="{FF2B5EF4-FFF2-40B4-BE49-F238E27FC236}">
+                    <a16:creationId xmlns:a16="http://schemas.microsoft.com/office/drawing/2014/main" id="{2D888532-D40C-A546-8B8E-88E6093B0940}"/>
+                  </a:ext>
+                </a:extLst>
+              </p:cNvPr>
+              <p:cNvSpPr txBox="1"/>
+              <p:nvPr/>
+            </p:nvSpPr>
+            <p:spPr>
+              <a:xfrm>
+                <a:off x="1364096" y="4373666"/>
+                <a:ext cx="2725170" cy="523220"/>
+              </a:xfrm>
+              <a:prstGeom prst="rect">
+                <a:avLst/>
+              </a:prstGeom>
+              <a:noFill/>
+            </p:spPr>
+            <p:txBody>
+              <a:bodyPr wrap="none" rtlCol="0">
+                <a:spAutoFit/>
+              </a:bodyPr>
+              <a:lstStyle/>
+              <a:p>
+                <a:r>
+                  <a:rPr lang="en-US" altLang="zh-CN" sz="2800" dirty="0">
+                    <a:latin typeface="黑体" panose="02010609060101010101" pitchFamily="49" charset="-122"/>
+                    <a:ea typeface="黑体" panose="02010609060101010101" pitchFamily="49" charset="-122"/>
+                  </a:rPr>
+                  <a:t>J(</a:t>
+                </a:r>
+                <a14:m>
+                  <m:oMath xmlns:m="http://schemas.openxmlformats.org/officeDocument/2006/math">
+                    <m:r>
+                      <m:rPr>
+                        <m:nor/>
+                      </m:rPr>
+                      <a:rPr lang="el-GR" altLang="zh-CN" sz="2800" dirty="0">
+                        <a:latin typeface="黑体" panose="02010609060101010101" pitchFamily="49" charset="-122"/>
+                        <a:ea typeface="黑体" panose="02010609060101010101" pitchFamily="49" charset="-122"/>
+                        <a:cs typeface="Times New Roman" panose="02020603050405020304" pitchFamily="18" charset="0"/>
+                      </a:rPr>
+                      <m:t>θ</m:t>
+                    </m:r>
+                    <m:r>
+                      <m:rPr>
+                        <m:nor/>
+                      </m:rPr>
+                      <a:rPr lang="en-US" altLang="zh-CN" sz="2800" b="0" i="0" dirty="0" smtClean="0">
+                        <a:latin typeface="黑体" panose="02010609060101010101" pitchFamily="49" charset="-122"/>
+                        <a:ea typeface="黑体" panose="02010609060101010101" pitchFamily="49" charset="-122"/>
+                        <a:cs typeface="Times New Roman" panose="02020603050405020304" pitchFamily="18" charset="0"/>
+                      </a:rPr>
+                      <m:t>)</m:t>
+                    </m:r>
+                  </m:oMath>
+                </a14:m>
+                <a:r>
+                  <a:rPr lang="en-US" altLang="zh-CN" sz="2800" dirty="0">
+                    <a:latin typeface="黑体" panose="02010609060101010101" pitchFamily="49" charset="-122"/>
+                    <a:ea typeface="黑体" panose="02010609060101010101" pitchFamily="49" charset="-122"/>
+                  </a:rPr>
+                  <a:t>=</a:t>
+                </a:r>
+                <a:r>
+                  <a:rPr lang="en-US" altLang="zh-CN" sz="2800" i="1" dirty="0">
+                    <a:latin typeface="黑体" panose="02010609060101010101" pitchFamily="49" charset="-122"/>
+                    <a:ea typeface="黑体" panose="02010609060101010101" pitchFamily="49" charset="-122"/>
+                  </a:rPr>
+                  <a:t>MSE</a:t>
+                </a:r>
+                <a:r>
+                  <a:rPr lang="en-US" altLang="zh-CN" sz="2800" dirty="0">
+                    <a:latin typeface="黑体" panose="02010609060101010101" pitchFamily="49" charset="-122"/>
+                    <a:ea typeface="黑体" panose="02010609060101010101" pitchFamily="49" charset="-122"/>
+                  </a:rPr>
+                  <a:t>(y,</a:t>
+                </a:r>
+                <a14:m>
+                  <m:oMath xmlns:m="http://schemas.openxmlformats.org/officeDocument/2006/math">
+                    <m:acc>
+                      <m:accPr>
+                        <m:chr m:val="̂"/>
+                        <m:ctrlPr>
+                          <a:rPr lang="en-US" altLang="zh-CN" sz="2800" i="1" smtClean="0">
+                            <a:latin typeface="Cambria Math" panose="02040503050406030204" pitchFamily="18" charset="0"/>
+                            <a:ea typeface="黑体" panose="02010609060101010101" pitchFamily="49" charset="-122"/>
+                          </a:rPr>
+                        </m:ctrlPr>
+                      </m:accPr>
+                      <m:e>
+                        <m:r>
+                          <a:rPr lang="en-US" altLang="zh-CN" sz="2800" b="0" i="1" smtClean="0">
+                            <a:latin typeface="Cambria Math" panose="02040503050406030204" pitchFamily="18" charset="0"/>
+                            <a:ea typeface="黑体" panose="02010609060101010101" pitchFamily="49" charset="-122"/>
+                          </a:rPr>
+                          <m:t>𝑦</m:t>
+                        </m:r>
+                      </m:e>
+                    </m:acc>
+                  </m:oMath>
+                </a14:m>
+                <a:r>
+                  <a:rPr lang="en-US" altLang="zh-CN" sz="2800" dirty="0">
+                    <a:latin typeface="黑体" panose="02010609060101010101" pitchFamily="49" charset="-122"/>
+                    <a:ea typeface="黑体" panose="02010609060101010101" pitchFamily="49" charset="-122"/>
+                  </a:rPr>
+                  <a:t>)</a:t>
+                </a:r>
+                <a:endParaRPr lang="zh-CN" altLang="en-US" sz="2800" dirty="0">
+                  <a:latin typeface="黑体" panose="02010609060101010101" pitchFamily="49" charset="-122"/>
+                  <a:ea typeface="黑体" panose="02010609060101010101" pitchFamily="49" charset="-122"/>
+                </a:endParaRPr>
+              </a:p>
+            </p:txBody>
+          </p:sp>
+        </mc:Choice>
+        <mc:Fallback xmlns="">
+          <p:sp>
+            <p:nvSpPr>
+              <p:cNvPr id="9" name="文本框 8">
+                <a:extLst>
+                  <a:ext uri="{FF2B5EF4-FFF2-40B4-BE49-F238E27FC236}">
+                    <a16:creationId xmlns:a16="http://schemas.microsoft.com/office/drawing/2014/main" id="{2D888532-D40C-A546-8B8E-88E6093B0940}"/>
+                  </a:ext>
+                </a:extLst>
+              </p:cNvPr>
+              <p:cNvSpPr txBox="1">
+                <a:spLocks noRot="1" noChangeAspect="1" noMove="1" noResize="1" noEditPoints="1" noAdjustHandles="1" noChangeArrowheads="1" noChangeShapeType="1" noTextEdit="1"/>
+              </p:cNvSpPr>
+              <p:nvPr/>
+            </p:nvSpPr>
+            <p:spPr>
+              <a:xfrm>
+                <a:off x="1364096" y="4373666"/>
+                <a:ext cx="2725170" cy="523220"/>
+              </a:xfrm>
+              <a:prstGeom prst="rect">
+                <a:avLst/>
+              </a:prstGeom>
+              <a:blipFill>
+                <a:blip r:embed="rId7"/>
+                <a:stretch>
+                  <a:fillRect l="-4630" t="-14286" r="-3241" b="-30952"/>
+                </a:stretch>
+              </a:blipFill>
+            </p:spPr>
+            <p:txBody>
+              <a:bodyPr/>
+              <a:lstStyle/>
+              <a:p>
+                <a:r>
+                  <a:rPr lang="zh-CN" altLang="en-US">
+                    <a:noFill/>
+                  </a:rPr>
+                  <a:t> </a:t>
+                </a:r>
+              </a:p>
+            </p:txBody>
+          </p:sp>
+        </mc:Fallback>
+      </mc:AlternateContent>
+    </p:spTree>
+    <p:extLst>
+      <p:ext uri="{BB962C8B-B14F-4D97-AF65-F5344CB8AC3E}">
+        <p14:creationId xmlns:p14="http://schemas.microsoft.com/office/powerpoint/2010/main" val="3470912946"/>
+      </p:ext>
+    </p:extLst>
+  </p:cSld>
+  <p:clrMapOvr>
+    <a:masterClrMapping/>
+  </p:clrMapOvr>
+  <p:timing>
+    <p:tnLst>
+      <p:par>
+        <p:cTn id="1" dur="indefinite" restart="never" nodeType="tmRoot">
+          <p:childTnLst>
+            <p:seq concurrent="1" nextAc="seek">
+              <p:cTn id="2" dur="indefinite" nodeType="mainSeq">
+                <p:childTnLst>
+                  <p:par>
+                    <p:cTn id="3" fill="hold">
+                      <p:stCondLst>
+                        <p:cond delay="indefinite"/>
+                      </p:stCondLst>
+                      <p:childTnLst>
+                        <p:par>
+                          <p:cTn id="4" fill="hold">
+                            <p:stCondLst>
+                              <p:cond delay="0"/>
+                            </p:stCondLst>
+                            <p:childTnLst>
+                              <p:par>
+                                <p:cTn id="5" presetID="2" presetClass="entr" presetSubtype="8" fill="hold" nodeType="clickEffect">
+                                  <p:stCondLst>
+                                    <p:cond delay="0"/>
+                                  </p:stCondLst>
+                                  <p:childTnLst>
+                                    <p:set>
+                                      <p:cBhvr>
+                                        <p:cTn id="6" dur="1" fill="hold">
+                                          <p:stCondLst>
+                                            <p:cond delay="0"/>
+                                          </p:stCondLst>
+                                        </p:cTn>
+                                        <p:tgtEl>
+                                          <p:spTgt spid="3"/>
+                                        </p:tgtEl>
+                                        <p:attrNameLst>
+                                          <p:attrName>style.visibility</p:attrName>
+                                        </p:attrNameLst>
+                                      </p:cBhvr>
+                                      <p:to>
+                                        <p:strVal val="visible"/>
+                                      </p:to>
+                                    </p:set>
+                                    <p:anim calcmode="lin" valueType="num">
+                                      <p:cBhvr additive="base">
+                                        <p:cTn id="7" dur="500" fill="hold"/>
+                                        <p:tgtEl>
+                                          <p:spTgt spid="3"/>
+                                        </p:tgtEl>
+                                        <p:attrNameLst>
+                                          <p:attrName>ppt_x</p:attrName>
+                                        </p:attrNameLst>
+                                      </p:cBhvr>
+                                      <p:tavLst>
+                                        <p:tav tm="0">
+                                          <p:val>
+                                            <p:strVal val="0-#ppt_w/2"/>
+                                          </p:val>
+                                        </p:tav>
+                                        <p:tav tm="100000">
+                                          <p:val>
+                                            <p:strVal val="#ppt_x"/>
+                                          </p:val>
+                                        </p:tav>
+                                      </p:tavLst>
+                                    </p:anim>
+                                    <p:anim calcmode="lin" valueType="num">
+                                      <p:cBhvr additive="base">
+                                        <p:cTn id="8" dur="500" fill="hold"/>
+                                        <p:tgtEl>
+                                          <p:spTgt spid="3"/>
+                                        </p:tgtEl>
+                                        <p:attrNameLst>
+                                          <p:attrName>ppt_y</p:attrName>
+                                        </p:attrNameLst>
+                                      </p:cBhvr>
+                                      <p:tavLst>
+                                        <p:tav tm="0">
+                                          <p:val>
+                                            <p:strVal val="#ppt_y"/>
+                                          </p:val>
+                                        </p:tav>
+                                        <p:tav tm="100000">
+                                          <p:val>
+                                            <p:strVal val="#ppt_y"/>
+                                          </p:val>
+                                        </p:tav>
+                                      </p:tavLst>
+                                    </p:anim>
+                                  </p:childTnLst>
+                                </p:cTn>
+                              </p:par>
+                            </p:childTnLst>
+                          </p:cTn>
+                        </p:par>
+                      </p:childTnLst>
+                    </p:cTn>
+                  </p:par>
+                  <p:par>
+                    <p:cTn id="9" fill="hold">
+                      <p:stCondLst>
+                        <p:cond delay="indefinite"/>
+                      </p:stCondLst>
+                      <p:childTnLst>
+                        <p:par>
+                          <p:cTn id="10" fill="hold">
+                            <p:stCondLst>
+                              <p:cond delay="0"/>
+                            </p:stCondLst>
+                            <p:childTnLst>
+                              <p:par>
+                                <p:cTn id="11" presetID="1" presetClass="entr" presetSubtype="0" fill="hold" nodeType="clickEffect">
+                                  <p:stCondLst>
+                                    <p:cond delay="0"/>
+                                  </p:stCondLst>
+                                  <p:childTnLst>
+                                    <p:set>
+                                      <p:cBhvr>
+                                        <p:cTn id="12" dur="1" fill="hold">
+                                          <p:stCondLst>
+                                            <p:cond delay="0"/>
+                                          </p:stCondLst>
+                                        </p:cTn>
+                                        <p:tgtEl>
+                                          <p:spTgt spid="7"/>
+                                        </p:tgtEl>
+                                        <p:attrNameLst>
+                                          <p:attrName>style.visibility</p:attrName>
+                                        </p:attrNameLst>
+                                      </p:cBhvr>
+                                      <p:to>
+                                        <p:strVal val="visible"/>
+                                      </p:to>
+                                    </p:set>
+                                  </p:childTnLst>
+                                </p:cTn>
+                              </p:par>
+                            </p:childTnLst>
+                          </p:cTn>
+                        </p:par>
+                      </p:childTnLst>
+                    </p:cTn>
+                  </p:par>
+                  <p:par>
+                    <p:cTn id="13" fill="hold">
+                      <p:stCondLst>
+                        <p:cond delay="indefinite"/>
+                      </p:stCondLst>
+                      <p:childTnLst>
+                        <p:par>
+                          <p:cTn id="14" fill="hold">
+                            <p:stCondLst>
+                              <p:cond delay="0"/>
+                            </p:stCondLst>
+                            <p:childTnLst>
+                              <p:par>
+                                <p:cTn id="15" presetID="3" presetClass="exit" presetSubtype="10" fill="hold" grpId="0" nodeType="clickEffect">
+                                  <p:stCondLst>
+                                    <p:cond delay="0"/>
+                                  </p:stCondLst>
+                                  <p:childTnLst>
+                                    <p:animEffect transition="out" filter="blinds(horizontal)">
+                                      <p:cBhvr>
+                                        <p:cTn id="16" dur="500"/>
+                                        <p:tgtEl>
+                                          <p:spTgt spid="5"/>
+                                        </p:tgtEl>
+                                      </p:cBhvr>
+                                    </p:animEffect>
+                                    <p:set>
+                                      <p:cBhvr>
+                                        <p:cTn id="17" dur="1" fill="hold">
+                                          <p:stCondLst>
+                                            <p:cond delay="499"/>
+                                          </p:stCondLst>
+                                        </p:cTn>
+                                        <p:tgtEl>
+                                          <p:spTgt spid="5"/>
+                                        </p:tgtEl>
+                                        <p:attrNameLst>
+                                          <p:attrName>style.visibility</p:attrName>
+                                        </p:attrNameLst>
+                                      </p:cBhvr>
+                                      <p:to>
+                                        <p:strVal val="hidden"/>
+                                      </p:to>
+                                    </p:set>
+                                  </p:childTnLst>
+                                </p:cTn>
+                              </p:par>
+                            </p:childTnLst>
+                          </p:cTn>
+                        </p:par>
+                      </p:childTnLst>
+                    </p:cTn>
+                  </p:par>
+                  <p:par>
+                    <p:cTn id="18" fill="hold">
+                      <p:stCondLst>
+                        <p:cond delay="indefinite"/>
+                      </p:stCondLst>
+                      <p:childTnLst>
+                        <p:par>
+                          <p:cTn id="19" fill="hold">
+                            <p:stCondLst>
+                              <p:cond delay="0"/>
+                            </p:stCondLst>
+                            <p:childTnLst>
+                              <p:par>
+                                <p:cTn id="20" presetID="1" presetClass="entr" presetSubtype="0" fill="hold" grpId="0" nodeType="clickEffect">
+                                  <p:stCondLst>
+                                    <p:cond delay="0"/>
+                                  </p:stCondLst>
+                                  <p:childTnLst>
+                                    <p:set>
+                                      <p:cBhvr>
+                                        <p:cTn id="21" dur="1" fill="hold">
+                                          <p:stCondLst>
+                                            <p:cond delay="0"/>
+                                          </p:stCondLst>
+                                        </p:cTn>
+                                        <p:tgtEl>
+                                          <p:spTgt spid="8"/>
+                                        </p:tgtEl>
+                                        <p:attrNameLst>
+                                          <p:attrName>style.visibility</p:attrName>
+                                        </p:attrNameLst>
+                                      </p:cBhvr>
+                                      <p:to>
+                                        <p:strVal val="visible"/>
+                                      </p:to>
+                                    </p:set>
+                                  </p:childTnLst>
+                                </p:cTn>
+                              </p:par>
+                            </p:childTnLst>
+                          </p:cTn>
+                        </p:par>
+                      </p:childTnLst>
+                    </p:cTn>
+                  </p:par>
+                  <p:par>
+                    <p:cTn id="22" fill="hold">
+                      <p:stCondLst>
+                        <p:cond delay="indefinite"/>
+                      </p:stCondLst>
+                      <p:childTnLst>
+                        <p:par>
+                          <p:cTn id="23" fill="hold">
+                            <p:stCondLst>
+                              <p:cond delay="0"/>
+                            </p:stCondLst>
+                            <p:childTnLst>
+                              <p:par>
+                                <p:cTn id="24" presetID="1" presetClass="entr" presetSubtype="0" fill="hold" grpId="0" nodeType="clickEffect">
+                                  <p:stCondLst>
+                                    <p:cond delay="0"/>
+                                  </p:stCondLst>
+                                  <p:childTnLst>
+                                    <p:set>
+                                      <p:cBhvr>
+                                        <p:cTn id="25" dur="1" fill="hold">
+                                          <p:stCondLst>
+                                            <p:cond delay="0"/>
+                                          </p:stCondLst>
+                                        </p:cTn>
+                                        <p:tgtEl>
+                                          <p:spTgt spid="9"/>
+                                        </p:tgtEl>
+                                        <p:attrNameLst>
+                                          <p:attrName>style.visibility</p:attrName>
+                                        </p:attrNameLst>
+                                      </p:cBhvr>
+                                      <p:to>
+                                        <p:strVal val="visible"/>
+                                      </p:to>
+                                    </p:set>
+                                  </p:childTnLst>
+                                </p:cTn>
+                              </p:par>
+                            </p:childTnLst>
+                          </p:cTn>
+                        </p:par>
+                      </p:childTnLst>
+                    </p:cTn>
+                  </p:par>
+                </p:childTnLst>
+              </p:cTn>
+              <p:prevCondLst>
+                <p:cond evt="onPrev" delay="0">
+                  <p:tgtEl>
+                    <p:sldTgt/>
+                  </p:tgtEl>
+                </p:cond>
+              </p:prevCondLst>
+              <p:nextCondLst>
+                <p:cond evt="onNext" delay="0">
+                  <p:tgtEl>
+                    <p:sldTgt/>
+                  </p:tgtEl>
+                </p:cond>
+              </p:nextCondLst>
+            </p:seq>
+          </p:childTnLst>
+        </p:cTn>
+      </p:par>
+    </p:tnLst>
+    <p:bldLst>
+      <p:bldP spid="5" grpId="0"/>
+      <p:bldP spid="8" grpId="0"/>
+      <p:bldP spid="9" grpId="0"/>
+    </p:bldLst>
+  </p:timing>
+</p:sld>
+</file>
+
+<file path=ppt/slides/slide32.xml><?xml version="1.0" encoding="utf-8"?>
+<p:sld xmlns:a="http://schemas.openxmlformats.org/drawingml/2006/main" xmlns:r="http://schemas.openxmlformats.org/officeDocument/2006/relationships" xmlns:p="http://schemas.openxmlformats.org/presentationml/2006/main">
+  <p:cSld>
+    <p:spTree>
+      <p:nvGrpSpPr>
+        <p:cNvPr id="1" name=""/>
+        <p:cNvGrpSpPr/>
+        <p:nvPr/>
+      </p:nvGrpSpPr>
+      <p:grpSpPr>
+        <a:xfrm>
+          <a:off x="0" y="0"/>
+          <a:ext cx="0" cy="0"/>
+          <a:chOff x="0" y="0"/>
+          <a:chExt cx="0" cy="0"/>
+        </a:xfrm>
+      </p:grpSpPr>
+      <p:sp>
+        <p:nvSpPr>
+          <p:cNvPr id="2" name="标题 1">
+            <a:extLst>
+              <a:ext uri="{FF2B5EF4-FFF2-40B4-BE49-F238E27FC236}">
+                <a16:creationId xmlns:a16="http://schemas.microsoft.com/office/drawing/2014/main" id="{B1BBECA0-DF69-4ACD-5855-8EAEAC260465}"/>
+              </a:ext>
+            </a:extLst>
+          </p:cNvPr>
+          <p:cNvSpPr>
+            <a:spLocks noGrp="1"/>
+          </p:cNvSpPr>
+          <p:nvPr>
+            <p:ph type="title"/>
+          </p:nvPr>
+        </p:nvSpPr>
+        <p:spPr/>
+        <p:txBody>
+          <a:bodyPr/>
+          <a:lstStyle/>
+          <a:p>
+            <a:pPr algn="ctr"/>
+            <a:r>
+              <a:rPr lang="zh-CN" altLang="en-US" dirty="0">
+                <a:solidFill>
+                  <a:srgbClr val="FF0000"/>
+                </a:solidFill>
+                <a:latin typeface="宋体" panose="02010600030101010101" pitchFamily="2" charset="-122"/>
+                <a:ea typeface="宋体" panose="02010600030101010101" pitchFamily="2" charset="-122"/>
+              </a:rPr>
+              <a:t>线性回归中使用梯度下降</a:t>
+            </a:r>
+          </a:p>
+        </p:txBody>
+      </p:sp>
+      <p:sp>
+        <p:nvSpPr>
+          <p:cNvPr id="4" name="文本框 3">
+            <a:extLst>
+              <a:ext uri="{FF2B5EF4-FFF2-40B4-BE49-F238E27FC236}">
+                <a16:creationId xmlns:a16="http://schemas.microsoft.com/office/drawing/2014/main" id="{CD552104-23D8-B745-AC82-FAEA2219DD64}"/>
+              </a:ext>
+            </a:extLst>
+          </p:cNvPr>
+          <p:cNvSpPr txBox="1"/>
+          <p:nvPr/>
+        </p:nvSpPr>
+        <p:spPr>
+          <a:xfrm>
+            <a:off x="3195531" y="3361354"/>
+            <a:ext cx="5800938" cy="646331"/>
+          </a:xfrm>
+          <a:prstGeom prst="rect">
+            <a:avLst/>
+          </a:prstGeom>
+          <a:noFill/>
+        </p:spPr>
+        <p:txBody>
+          <a:bodyPr wrap="square" rtlCol="0">
+            <a:spAutoFit/>
+          </a:bodyPr>
+          <a:lstStyle/>
+          <a:p>
+            <a:r>
+              <a:rPr kumimoji="1" lang="zh-CN" altLang="en-US" sz="3600" dirty="0"/>
+              <a:t>从</a:t>
+            </a:r>
+            <a:r>
+              <a:rPr kumimoji="1" lang="en-US" altLang="zh-CN" sz="3600" dirty="0"/>
+              <a:t>0</a:t>
+            </a:r>
+            <a:r>
+              <a:rPr kumimoji="1" lang="zh-CN" altLang="en-US" sz="3600" dirty="0"/>
+              <a:t>动手实现一下线性回归</a:t>
+            </a:r>
+          </a:p>
+        </p:txBody>
+      </p:sp>
+      <p:sp>
+        <p:nvSpPr>
+          <p:cNvPr id="10" name="文本框 9">
+            <a:extLst>
+              <a:ext uri="{FF2B5EF4-FFF2-40B4-BE49-F238E27FC236}">
+                <a16:creationId xmlns:a16="http://schemas.microsoft.com/office/drawing/2014/main" id="{7FC27301-A74C-E943-B9FA-13B63DC50F06}"/>
+              </a:ext>
+            </a:extLst>
+          </p:cNvPr>
+          <p:cNvSpPr txBox="1"/>
+          <p:nvPr/>
+        </p:nvSpPr>
+        <p:spPr>
+          <a:xfrm>
+            <a:off x="4875153" y="1834920"/>
+            <a:ext cx="2441694" cy="769441"/>
+          </a:xfrm>
+          <a:prstGeom prst="rect">
+            <a:avLst/>
+          </a:prstGeom>
+          <a:noFill/>
+        </p:spPr>
+        <p:txBody>
+          <a:bodyPr wrap="none" rtlCol="0">
+            <a:spAutoFit/>
+          </a:bodyPr>
+          <a:lstStyle/>
+          <a:p>
+            <a:r>
+              <a:rPr kumimoji="1" lang="zh-CN" altLang="en-US" sz="4400" dirty="0"/>
+              <a:t>代码环节</a:t>
+            </a:r>
+          </a:p>
+        </p:txBody>
+      </p:sp>
+    </p:spTree>
+    <p:extLst>
+      <p:ext uri="{BB962C8B-B14F-4D97-AF65-F5344CB8AC3E}">
+        <p14:creationId xmlns:p14="http://schemas.microsoft.com/office/powerpoint/2010/main" val="2364868385"/>
+      </p:ext>
+    </p:extLst>
+  </p:cSld>
+  <p:clrMapOvr>
+    <a:masterClrMapping/>
+  </p:clrMapOvr>
+</p:sld>
+</file>
+
+<file path=ppt/slides/slide33.xml><?xml version="1.0" encoding="utf-8"?>
+<p:sld xmlns:a="http://schemas.openxmlformats.org/drawingml/2006/main" xmlns:r="http://schemas.openxmlformats.org/officeDocument/2006/relationships" xmlns:p="http://schemas.openxmlformats.org/presentationml/2006/main">
+  <p:cSld>
+    <p:spTree>
+      <p:nvGrpSpPr>
+        <p:cNvPr id="1" name=""/>
+        <p:cNvGrpSpPr/>
+        <p:nvPr/>
+      </p:nvGrpSpPr>
+      <p:grpSpPr>
+        <a:xfrm>
+          <a:off x="0" y="0"/>
+          <a:ext cx="0" cy="0"/>
+          <a:chOff x="0" y="0"/>
+          <a:chExt cx="0" cy="0"/>
+        </a:xfrm>
+      </p:grpSpPr>
+      <p:sp>
+        <p:nvSpPr>
+          <p:cNvPr id="2" name="标题 1">
+            <a:extLst>
+              <a:ext uri="{FF2B5EF4-FFF2-40B4-BE49-F238E27FC236}">
+                <a16:creationId xmlns:a16="http://schemas.microsoft.com/office/drawing/2014/main" id="{B1BBECA0-DF69-4ACD-5855-8EAEAC260465}"/>
+              </a:ext>
+            </a:extLst>
+          </p:cNvPr>
+          <p:cNvSpPr>
+            <a:spLocks noGrp="1"/>
+          </p:cNvSpPr>
+          <p:nvPr>
+            <p:ph type="title"/>
+          </p:nvPr>
+        </p:nvSpPr>
+        <p:spPr/>
+        <p:txBody>
+          <a:bodyPr/>
+          <a:lstStyle/>
+          <a:p>
+            <a:pPr algn="ctr"/>
+            <a:r>
+              <a:rPr lang="zh-CN" altLang="en-US" dirty="0">
+                <a:solidFill>
+                  <a:srgbClr val="FF0000"/>
+                </a:solidFill>
+                <a:latin typeface="宋体" panose="02010600030101010101" pitchFamily="2" charset="-122"/>
+                <a:ea typeface="宋体" panose="02010600030101010101" pitchFamily="2" charset="-122"/>
+              </a:rPr>
+              <a:t>线性回归中使用随机梯度下降</a:t>
+            </a:r>
+          </a:p>
+        </p:txBody>
+      </p:sp>
+      <p:pic>
+        <p:nvPicPr>
+          <p:cNvPr id="3" name="图片 2">
+            <a:extLst>
+              <a:ext uri="{FF2B5EF4-FFF2-40B4-BE49-F238E27FC236}">
+                <a16:creationId xmlns:a16="http://schemas.microsoft.com/office/drawing/2014/main" id="{0223D4C9-9298-9349-A9E3-EACB9CA4F47B}"/>
+              </a:ext>
+            </a:extLst>
+          </p:cNvPr>
+          <p:cNvPicPr>
+            <a:picLocks noChangeAspect="1"/>
+          </p:cNvPicPr>
+          <p:nvPr/>
+        </p:nvPicPr>
+        <p:blipFill>
+          <a:blip r:embed="rId3"/>
+          <a:stretch>
+            <a:fillRect/>
+          </a:stretch>
+        </p:blipFill>
+        <p:spPr>
+          <a:xfrm>
+            <a:off x="2377460" y="1690688"/>
+            <a:ext cx="3379356" cy="4201665"/>
+          </a:xfrm>
+          <a:prstGeom prst="rect">
+            <a:avLst/>
+          </a:prstGeom>
+        </p:spPr>
+      </p:pic>
+      <p:pic>
+        <p:nvPicPr>
+          <p:cNvPr id="7" name="图片 6">
+            <a:extLst>
+              <a:ext uri="{FF2B5EF4-FFF2-40B4-BE49-F238E27FC236}">
+                <a16:creationId xmlns:a16="http://schemas.microsoft.com/office/drawing/2014/main" id="{C5B303F1-0146-834C-B81D-1F755781C9DF}"/>
+              </a:ext>
+            </a:extLst>
+          </p:cNvPr>
+          <p:cNvPicPr>
+            <a:picLocks noChangeAspect="1"/>
+          </p:cNvPicPr>
+          <p:nvPr/>
+        </p:nvPicPr>
+        <p:blipFill>
+          <a:blip r:embed="rId4"/>
+          <a:stretch>
+            <a:fillRect/>
+          </a:stretch>
+        </p:blipFill>
+        <p:spPr>
+          <a:xfrm>
+            <a:off x="5847772" y="1792477"/>
+            <a:ext cx="3379356" cy="3734095"/>
+          </a:xfrm>
+          <a:prstGeom prst="rect">
+            <a:avLst/>
+          </a:prstGeom>
+        </p:spPr>
+      </p:pic>
+    </p:spTree>
+    <p:extLst>
+      <p:ext uri="{BB962C8B-B14F-4D97-AF65-F5344CB8AC3E}">
+        <p14:creationId xmlns:p14="http://schemas.microsoft.com/office/powerpoint/2010/main" val="566489923"/>
+      </p:ext>
+    </p:extLst>
+  </p:cSld>
+  <p:clrMapOvr>
+    <a:masterClrMapping/>
+  </p:clrMapOvr>
+</p:sld>
+</file>
+
+<file path=ppt/slides/slide34.xml><?xml version="1.0" encoding="utf-8"?>
+<p:sld xmlns:a="http://schemas.openxmlformats.org/drawingml/2006/main" xmlns:r="http://schemas.openxmlformats.org/officeDocument/2006/relationships" xmlns:p="http://schemas.openxmlformats.org/presentationml/2006/main">
+  <p:cSld>
+    <p:spTree>
+      <p:nvGrpSpPr>
+        <p:cNvPr id="1" name=""/>
+        <p:cNvGrpSpPr/>
+        <p:nvPr/>
+      </p:nvGrpSpPr>
+      <p:grpSpPr>
+        <a:xfrm>
+          <a:off x="0" y="0"/>
+          <a:ext cx="0" cy="0"/>
+          <a:chOff x="0" y="0"/>
+          <a:chExt cx="0" cy="0"/>
+        </a:xfrm>
+      </p:grpSpPr>
+      <p:sp>
+        <p:nvSpPr>
+          <p:cNvPr id="2" name="标题 1">
+            <a:extLst>
+              <a:ext uri="{FF2B5EF4-FFF2-40B4-BE49-F238E27FC236}">
+                <a16:creationId xmlns:a16="http://schemas.microsoft.com/office/drawing/2014/main" id="{B1BBECA0-DF69-4ACD-5855-8EAEAC260465}"/>
+              </a:ext>
+            </a:extLst>
+          </p:cNvPr>
+          <p:cNvSpPr>
+            <a:spLocks noGrp="1"/>
+          </p:cNvSpPr>
+          <p:nvPr>
+            <p:ph type="title"/>
+          </p:nvPr>
+        </p:nvSpPr>
+        <p:spPr/>
+        <p:txBody>
+          <a:bodyPr/>
+          <a:lstStyle/>
+          <a:p>
+            <a:pPr algn="ctr"/>
+            <a:r>
+              <a:rPr lang="zh-CN" altLang="en-US" dirty="0">
+                <a:solidFill>
+                  <a:srgbClr val="FF0000"/>
+                </a:solidFill>
+                <a:latin typeface="宋体" panose="02010600030101010101" pitchFamily="2" charset="-122"/>
+                <a:ea typeface="宋体" panose="02010600030101010101" pitchFamily="2" charset="-122"/>
+              </a:rPr>
+              <a:t>线性回归中使用随机梯度下降</a:t>
+            </a:r>
+          </a:p>
+        </p:txBody>
+      </p:sp>
+      <p:pic>
+        <p:nvPicPr>
+          <p:cNvPr id="7" name="图片 6">
+            <a:extLst>
+              <a:ext uri="{FF2B5EF4-FFF2-40B4-BE49-F238E27FC236}">
+                <a16:creationId xmlns:a16="http://schemas.microsoft.com/office/drawing/2014/main" id="{C5B303F1-0146-834C-B81D-1F755781C9DF}"/>
+              </a:ext>
+            </a:extLst>
+          </p:cNvPr>
+          <p:cNvPicPr>
+            <a:picLocks noChangeAspect="1"/>
+          </p:cNvPicPr>
+          <p:nvPr/>
+        </p:nvPicPr>
+        <p:blipFill>
+          <a:blip r:embed="rId3"/>
+          <a:stretch>
+            <a:fillRect/>
+          </a:stretch>
+        </p:blipFill>
+        <p:spPr>
+          <a:xfrm>
+            <a:off x="564572" y="1690688"/>
+            <a:ext cx="3379356" cy="3734095"/>
+          </a:xfrm>
+          <a:prstGeom prst="rect">
+            <a:avLst/>
+          </a:prstGeom>
+        </p:spPr>
+      </p:pic>
+      <p:cxnSp>
+        <p:nvCxnSpPr>
+          <p:cNvPr id="5" name="直线连接符 4">
+            <a:extLst>
+              <a:ext uri="{FF2B5EF4-FFF2-40B4-BE49-F238E27FC236}">
+                <a16:creationId xmlns:a16="http://schemas.microsoft.com/office/drawing/2014/main" id="{8C71554A-EFA6-4941-A570-17243068A07B}"/>
+              </a:ext>
+            </a:extLst>
+          </p:cNvPr>
+          <p:cNvCxnSpPr>
+            <a:cxnSpLocks/>
+          </p:cNvCxnSpPr>
+          <p:nvPr/>
+        </p:nvCxnSpPr>
+        <p:spPr>
+          <a:xfrm>
+            <a:off x="4479636" y="1690688"/>
+            <a:ext cx="0" cy="4312948"/>
+          </a:xfrm>
+          <a:prstGeom prst="line">
+            <a:avLst/>
+          </a:prstGeom>
+          <a:ln w="19050">
+            <a:solidFill>
+              <a:schemeClr val="tx1"/>
+            </a:solidFill>
+          </a:ln>
+        </p:spPr>
+        <p:style>
+          <a:lnRef idx="1">
+            <a:schemeClr val="accent1"/>
+          </a:lnRef>
+          <a:fillRef idx="0">
+            <a:schemeClr val="accent1"/>
+          </a:fillRef>
+          <a:effectRef idx="0">
+            <a:schemeClr val="accent1"/>
+          </a:effectRef>
+          <a:fontRef idx="minor">
+            <a:schemeClr val="tx1"/>
+          </a:fontRef>
+        </p:style>
+      </p:cxnSp>
+      <p:pic>
+        <p:nvPicPr>
+          <p:cNvPr id="8" name="图片 7">
+            <a:extLst>
+              <a:ext uri="{FF2B5EF4-FFF2-40B4-BE49-F238E27FC236}">
+                <a16:creationId xmlns:a16="http://schemas.microsoft.com/office/drawing/2014/main" id="{632D5D7A-216A-264F-8769-C290E3E4E1EE}"/>
+              </a:ext>
+            </a:extLst>
+          </p:cNvPr>
+          <p:cNvPicPr>
+            <a:picLocks noChangeAspect="1"/>
+          </p:cNvPicPr>
+          <p:nvPr/>
+        </p:nvPicPr>
+        <p:blipFill>
+          <a:blip r:embed="rId4"/>
+          <a:stretch>
+            <a:fillRect/>
+          </a:stretch>
+        </p:blipFill>
+        <p:spPr>
+          <a:xfrm>
+            <a:off x="4871604" y="2076029"/>
+            <a:ext cx="3482934" cy="3474460"/>
+          </a:xfrm>
+          <a:prstGeom prst="rect">
+            <a:avLst/>
+          </a:prstGeom>
+        </p:spPr>
+      </p:pic>
+      <p:pic>
+        <p:nvPicPr>
+          <p:cNvPr id="10" name="图片 9">
+            <a:extLst>
+              <a:ext uri="{FF2B5EF4-FFF2-40B4-BE49-F238E27FC236}">
+                <a16:creationId xmlns:a16="http://schemas.microsoft.com/office/drawing/2014/main" id="{D85A188C-4195-5744-A93B-9FD52921D7B7}"/>
+              </a:ext>
+            </a:extLst>
+          </p:cNvPr>
+          <p:cNvPicPr>
+            <a:picLocks noChangeAspect="1"/>
+          </p:cNvPicPr>
+          <p:nvPr/>
+        </p:nvPicPr>
+        <p:blipFill>
+          <a:blip r:embed="rId5"/>
+          <a:stretch>
+            <a:fillRect/>
+          </a:stretch>
+        </p:blipFill>
+        <p:spPr>
+          <a:xfrm>
+            <a:off x="8434778" y="3186488"/>
+            <a:ext cx="2919022" cy="742494"/>
+          </a:xfrm>
+          <a:prstGeom prst="rect">
+            <a:avLst/>
+          </a:prstGeom>
+        </p:spPr>
+      </p:pic>
+    </p:spTree>
+    <p:extLst>
+      <p:ext uri="{BB962C8B-B14F-4D97-AF65-F5344CB8AC3E}">
+        <p14:creationId xmlns:p14="http://schemas.microsoft.com/office/powerpoint/2010/main" val="3550268237"/>
+      </p:ext>
+    </p:extLst>
+  </p:cSld>
+  <p:clrMapOvr>
+    <a:masterClrMapping/>
+  </p:clrMapOvr>
+  <p:timing>
+    <p:tnLst>
+      <p:par>
+        <p:cTn id="1" dur="indefinite" restart="never" nodeType="tmRoot">
+          <p:childTnLst>
+            <p:seq concurrent="1" nextAc="seek">
+              <p:cTn id="2" dur="indefinite" nodeType="mainSeq">
+                <p:childTnLst>
+                  <p:par>
+                    <p:cTn id="3" fill="hold">
+                      <p:stCondLst>
+                        <p:cond delay="indefinite"/>
+                      </p:stCondLst>
+                      <p:childTnLst>
+                        <p:par>
+                          <p:cTn id="4" fill="hold">
+                            <p:stCondLst>
+                              <p:cond delay="0"/>
+                            </p:stCondLst>
+                            <p:childTnLst>
+                              <p:par>
+                                <p:cTn id="5" presetID="1" presetClass="entr" presetSubtype="0" fill="hold" nodeType="clickEffect">
+                                  <p:stCondLst>
+                                    <p:cond delay="0"/>
+                                  </p:stCondLst>
+                                  <p:childTnLst>
+                                    <p:set>
+                                      <p:cBhvr>
+                                        <p:cTn id="6" dur="1" fill="hold">
+                                          <p:stCondLst>
+                                            <p:cond delay="0"/>
+                                          </p:stCondLst>
+                                        </p:cTn>
+                                        <p:tgtEl>
+                                          <p:spTgt spid="8"/>
+                                        </p:tgtEl>
+                                        <p:attrNameLst>
+                                          <p:attrName>style.visibility</p:attrName>
+                                        </p:attrNameLst>
+                                      </p:cBhvr>
+                                      <p:to>
+                                        <p:strVal val="visible"/>
+                                      </p:to>
+                                    </p:set>
+                                  </p:childTnLst>
+                                </p:cTn>
+                              </p:par>
+                            </p:childTnLst>
+                          </p:cTn>
+                        </p:par>
+                      </p:childTnLst>
+                    </p:cTn>
+                  </p:par>
+                  <p:par>
+                    <p:cTn id="7" fill="hold">
+                      <p:stCondLst>
+                        <p:cond delay="indefinite"/>
+                      </p:stCondLst>
+                      <p:childTnLst>
+                        <p:par>
+                          <p:cTn id="8" fill="hold">
+                            <p:stCondLst>
+                              <p:cond delay="0"/>
+                            </p:stCondLst>
+                            <p:childTnLst>
+                              <p:par>
+                                <p:cTn id="9" presetID="1" presetClass="entr" presetSubtype="0" fill="hold" nodeType="clickEffect">
+                                  <p:stCondLst>
+                                    <p:cond delay="0"/>
+                                  </p:stCondLst>
+                                  <p:childTnLst>
+                                    <p:set>
+                                      <p:cBhvr>
+                                        <p:cTn id="10" dur="1" fill="hold">
+                                          <p:stCondLst>
+                                            <p:cond delay="0"/>
+                                          </p:stCondLst>
+                                        </p:cTn>
+                                        <p:tgtEl>
+                                          <p:spTgt spid="10"/>
+                                        </p:tgtEl>
+                                        <p:attrNameLst>
+                                          <p:attrName>style.visibility</p:attrName>
+                                        </p:attrNameLst>
+                                      </p:cBhvr>
+                                      <p:to>
+                                        <p:strVal val="visible"/>
+                                      </p:to>
+                                    </p:set>
+                                  </p:childTnLst>
+                                </p:cTn>
+                              </p:par>
+                            </p:childTnLst>
+                          </p:cTn>
+                        </p:par>
+                      </p:childTnLst>
+                    </p:cTn>
+                  </p:par>
+                </p:childTnLst>
+              </p:cTn>
+              <p:prevCondLst>
+                <p:cond evt="onPrev" delay="0">
+                  <p:tgtEl>
+                    <p:sldTgt/>
+                  </p:tgtEl>
+                </p:cond>
+              </p:prevCondLst>
+              <p:nextCondLst>
+                <p:cond evt="onNext" delay="0">
+                  <p:tgtEl>
+                    <p:sldTgt/>
+                  </p:tgtEl>
+                </p:cond>
+              </p:nextCondLst>
+            </p:seq>
+          </p:childTnLst>
+        </p:cTn>
+      </p:par>
+    </p:tnLst>
+  </p:timing>
+</p:sld>
+</file>
+
+<file path=ppt/slides/slide35.xml><?xml version="1.0" encoding="utf-8"?>
+<p:sld xmlns:a="http://schemas.openxmlformats.org/drawingml/2006/main" xmlns:r="http://schemas.openxmlformats.org/officeDocument/2006/relationships" xmlns:p="http://schemas.openxmlformats.org/presentationml/2006/main">
+  <p:cSld>
+    <p:spTree>
+      <p:nvGrpSpPr>
+        <p:cNvPr id="1" name=""/>
+        <p:cNvGrpSpPr/>
+        <p:nvPr/>
+      </p:nvGrpSpPr>
+      <p:grpSpPr>
+        <a:xfrm>
+          <a:off x="0" y="0"/>
+          <a:ext cx="0" cy="0"/>
+          <a:chOff x="0" y="0"/>
+          <a:chExt cx="0" cy="0"/>
+        </a:xfrm>
+      </p:grpSpPr>
+      <p:sp>
+        <p:nvSpPr>
+          <p:cNvPr id="2" name="标题 1">
+            <a:extLst>
+              <a:ext uri="{FF2B5EF4-FFF2-40B4-BE49-F238E27FC236}">
+                <a16:creationId xmlns:a16="http://schemas.microsoft.com/office/drawing/2014/main" id="{B1BBECA0-DF69-4ACD-5855-8EAEAC260465}"/>
+              </a:ext>
+            </a:extLst>
+          </p:cNvPr>
+          <p:cNvSpPr>
+            <a:spLocks noGrp="1"/>
+          </p:cNvSpPr>
+          <p:nvPr>
+            <p:ph type="title"/>
+          </p:nvPr>
+        </p:nvSpPr>
+        <p:spPr/>
+        <p:txBody>
+          <a:bodyPr/>
+          <a:lstStyle/>
+          <a:p>
+            <a:pPr algn="ctr"/>
+            <a:r>
+              <a:rPr lang="zh-CN" altLang="en-US" dirty="0">
+                <a:solidFill>
+                  <a:srgbClr val="FF0000"/>
+                </a:solidFill>
+                <a:latin typeface="宋体" panose="02010600030101010101" pitchFamily="2" charset="-122"/>
+                <a:ea typeface="宋体" panose="02010600030101010101" pitchFamily="2" charset="-122"/>
+              </a:rPr>
+              <a:t>线性回归中使用随机梯度下降</a:t>
+            </a:r>
+          </a:p>
+        </p:txBody>
+      </p:sp>
+      <p:pic>
+        <p:nvPicPr>
+          <p:cNvPr id="5" name="图片 4">
+            <a:extLst>
+              <a:ext uri="{FF2B5EF4-FFF2-40B4-BE49-F238E27FC236}">
+                <a16:creationId xmlns:a16="http://schemas.microsoft.com/office/drawing/2014/main" id="{F2E10C2F-CA8C-2B4F-8CDB-E3687ED02E6F}"/>
+              </a:ext>
+            </a:extLst>
+          </p:cNvPr>
+          <p:cNvPicPr>
+            <a:picLocks noChangeAspect="1"/>
+          </p:cNvPicPr>
+          <p:nvPr/>
+        </p:nvPicPr>
+        <p:blipFill>
+          <a:blip r:embed="rId3"/>
+          <a:stretch>
+            <a:fillRect/>
+          </a:stretch>
+        </p:blipFill>
+        <p:spPr>
+          <a:xfrm>
+            <a:off x="2247900" y="2005002"/>
+            <a:ext cx="7696200" cy="4051505"/>
+          </a:xfrm>
+          <a:prstGeom prst="rect">
+            <a:avLst/>
+          </a:prstGeom>
+        </p:spPr>
+      </p:pic>
+      <p:cxnSp>
+        <p:nvCxnSpPr>
+          <p:cNvPr id="6" name="直线箭头连接符 5">
+            <a:extLst>
+              <a:ext uri="{FF2B5EF4-FFF2-40B4-BE49-F238E27FC236}">
+                <a16:creationId xmlns:a16="http://schemas.microsoft.com/office/drawing/2014/main" id="{270805E5-F2E7-E44D-B98E-D2E988BD548F}"/>
+              </a:ext>
+            </a:extLst>
+          </p:cNvPr>
+          <p:cNvCxnSpPr>
+            <a:cxnSpLocks/>
+          </p:cNvCxnSpPr>
+          <p:nvPr/>
+        </p:nvCxnSpPr>
+        <p:spPr>
+          <a:xfrm flipH="1" flipV="1">
+            <a:off x="1587260" y="3303917"/>
+            <a:ext cx="810883" cy="474453"/>
+          </a:xfrm>
+          <a:prstGeom prst="straightConnector1">
+            <a:avLst/>
+          </a:prstGeom>
+          <a:ln w="38100">
+            <a:solidFill>
+              <a:schemeClr val="tx1"/>
+            </a:solidFill>
+            <a:tailEnd type="triangle"/>
+          </a:ln>
+        </p:spPr>
+        <p:style>
+          <a:lnRef idx="1">
+            <a:schemeClr val="accent1"/>
+          </a:lnRef>
+          <a:fillRef idx="0">
+            <a:schemeClr val="accent1"/>
+          </a:fillRef>
+          <a:effectRef idx="0">
+            <a:schemeClr val="accent1"/>
+          </a:effectRef>
+          <a:fontRef idx="minor">
+            <a:schemeClr val="tx1"/>
+          </a:fontRef>
+        </p:style>
+      </p:cxnSp>
+      <p:sp>
+        <p:nvSpPr>
+          <p:cNvPr id="8" name="文本框 7">
+            <a:extLst>
+              <a:ext uri="{FF2B5EF4-FFF2-40B4-BE49-F238E27FC236}">
+                <a16:creationId xmlns:a16="http://schemas.microsoft.com/office/drawing/2014/main" id="{A3C9513E-186A-7544-814D-ED3B80355AD6}"/>
+              </a:ext>
+            </a:extLst>
+          </p:cNvPr>
+          <p:cNvSpPr txBox="1"/>
+          <p:nvPr/>
+        </p:nvSpPr>
+        <p:spPr>
+          <a:xfrm>
+            <a:off x="726305" y="2894812"/>
+            <a:ext cx="1107996" cy="646331"/>
+          </a:xfrm>
+          <a:prstGeom prst="rect">
+            <a:avLst/>
+          </a:prstGeom>
+          <a:noFill/>
+        </p:spPr>
+        <p:txBody>
+          <a:bodyPr wrap="none" rtlCol="0">
+            <a:spAutoFit/>
+          </a:bodyPr>
+          <a:lstStyle/>
+          <a:p>
+            <a:r>
+              <a:rPr lang="zh-CN" altLang="en-US" b="1" dirty="0">
+                <a:latin typeface="微软雅黑" panose="020B0503020204020204" pitchFamily="34" charset="-122"/>
+                <a:ea typeface="微软雅黑" panose="020B0503020204020204" pitchFamily="34" charset="-122"/>
+              </a:rPr>
+              <a:t>损失函数</a:t>
+            </a:r>
+          </a:p>
+          <a:p>
+            <a:endParaRPr kumimoji="1" lang="zh-CN" altLang="en-US" dirty="0"/>
+          </a:p>
+        </p:txBody>
+      </p:sp>
+      <p:cxnSp>
+        <p:nvCxnSpPr>
+          <p:cNvPr id="11" name="直线箭头连接符 10">
+            <a:extLst>
+              <a:ext uri="{FF2B5EF4-FFF2-40B4-BE49-F238E27FC236}">
+                <a16:creationId xmlns:a16="http://schemas.microsoft.com/office/drawing/2014/main" id="{E224B3DE-B7FD-FA4B-970B-00E6A3E9BFA4}"/>
+              </a:ext>
+            </a:extLst>
+          </p:cNvPr>
+          <p:cNvCxnSpPr/>
+          <p:nvPr/>
+        </p:nvCxnSpPr>
+        <p:spPr>
+          <a:xfrm>
+            <a:off x="4968815" y="6056507"/>
+            <a:ext cx="1932317" cy="436368"/>
+          </a:xfrm>
+          <a:prstGeom prst="straightConnector1">
+            <a:avLst/>
+          </a:prstGeom>
+          <a:ln>
+            <a:solidFill>
+              <a:schemeClr val="tx1"/>
+            </a:solidFill>
+            <a:tailEnd type="triangle"/>
+          </a:ln>
+        </p:spPr>
+        <p:style>
+          <a:lnRef idx="1">
+            <a:schemeClr val="accent1"/>
+          </a:lnRef>
+          <a:fillRef idx="0">
+            <a:schemeClr val="accent1"/>
+          </a:fillRef>
+          <a:effectRef idx="0">
+            <a:schemeClr val="accent1"/>
+          </a:effectRef>
+          <a:fontRef idx="minor">
+            <a:schemeClr val="tx1"/>
+          </a:fontRef>
+        </p:style>
+      </p:cxnSp>
+      <p:cxnSp>
+        <p:nvCxnSpPr>
+          <p:cNvPr id="13" name="直线箭头连接符 12">
+            <a:extLst>
+              <a:ext uri="{FF2B5EF4-FFF2-40B4-BE49-F238E27FC236}">
+                <a16:creationId xmlns:a16="http://schemas.microsoft.com/office/drawing/2014/main" id="{802A3951-F798-9946-A258-11F0A1B5ED74}"/>
+              </a:ext>
+            </a:extLst>
+          </p:cNvPr>
+          <p:cNvCxnSpPr/>
+          <p:nvPr/>
+        </p:nvCxnSpPr>
+        <p:spPr>
+          <a:xfrm flipH="1">
+            <a:off x="7634377" y="5546785"/>
+            <a:ext cx="1181819" cy="509722"/>
+          </a:xfrm>
+          <a:prstGeom prst="straightConnector1">
+            <a:avLst/>
+          </a:prstGeom>
+          <a:ln>
+            <a:solidFill>
+              <a:schemeClr val="tx1"/>
+            </a:solidFill>
+            <a:tailEnd type="triangle"/>
+          </a:ln>
+        </p:spPr>
+        <p:style>
+          <a:lnRef idx="1">
+            <a:schemeClr val="accent1"/>
+          </a:lnRef>
+          <a:fillRef idx="0">
+            <a:schemeClr val="accent1"/>
+          </a:fillRef>
+          <a:effectRef idx="0">
+            <a:schemeClr val="accent1"/>
+          </a:effectRef>
+          <a:fontRef idx="minor">
+            <a:schemeClr val="tx1"/>
+          </a:fontRef>
+        </p:style>
+      </p:cxnSp>
+      <p:sp>
+        <p:nvSpPr>
+          <p:cNvPr id="14" name="矩形 13">
+            <a:extLst>
+              <a:ext uri="{FF2B5EF4-FFF2-40B4-BE49-F238E27FC236}">
+                <a16:creationId xmlns:a16="http://schemas.microsoft.com/office/drawing/2014/main" id="{72EBFC7A-8C6F-B049-8166-7BB9B9E70A78}"/>
+              </a:ext>
+            </a:extLst>
+          </p:cNvPr>
+          <p:cNvSpPr/>
+          <p:nvPr/>
+        </p:nvSpPr>
+        <p:spPr>
+          <a:xfrm>
+            <a:off x="6964392" y="6056507"/>
+            <a:ext cx="3145766" cy="646331"/>
+          </a:xfrm>
+          <a:prstGeom prst="rect">
+            <a:avLst/>
+          </a:prstGeom>
+        </p:spPr>
+        <p:txBody>
+          <a:bodyPr wrap="square">
+            <a:spAutoFit/>
+          </a:bodyPr>
+          <a:lstStyle/>
+          <a:p>
+            <a:pPr lvl="0" eaLnBrk="0" fontAlgn="base" hangingPunct="0">
+              <a:spcBef>
+                <a:spcPct val="0"/>
+              </a:spcBef>
+              <a:spcAft>
+                <a:spcPct val="0"/>
+              </a:spcAft>
+              <a:defRPr/>
+            </a:pPr>
+            <a:r>
+              <a:rPr lang="zh-CN" altLang="en-US" b="1" dirty="0">
+                <a:latin typeface="微软雅黑" panose="020B0503020204020204" pitchFamily="34" charset="-122"/>
+                <a:ea typeface="微软雅黑" panose="020B0503020204020204" pitchFamily="34" charset="-122"/>
+              </a:rPr>
+              <a:t>损失函数的参数，就是我们</a:t>
+            </a:r>
+            <a:endParaRPr lang="en-US" altLang="zh-CN" b="1" dirty="0">
+              <a:latin typeface="微软雅黑" panose="020B0503020204020204" pitchFamily="34" charset="-122"/>
+              <a:ea typeface="微软雅黑" panose="020B0503020204020204" pitchFamily="34" charset="-122"/>
+            </a:endParaRPr>
+          </a:p>
+          <a:p>
+            <a:pPr lvl="0" eaLnBrk="0" fontAlgn="base" hangingPunct="0">
+              <a:spcBef>
+                <a:spcPct val="0"/>
+              </a:spcBef>
+              <a:spcAft>
+                <a:spcPct val="0"/>
+              </a:spcAft>
+              <a:defRPr/>
+            </a:pPr>
+            <a:r>
+              <a:rPr lang="zh-CN" altLang="en-US" b="1" dirty="0">
+                <a:latin typeface="微软雅黑" panose="020B0503020204020204" pitchFamily="34" charset="-122"/>
+                <a:ea typeface="微软雅黑" panose="020B0503020204020204" pitchFamily="34" charset="-122"/>
+              </a:rPr>
+              <a:t>前面所说的 </a:t>
+            </a:r>
+            <a:r>
+              <a:rPr lang="en-US" altLang="zh-CN" b="1" dirty="0">
+                <a:latin typeface="微软雅黑" panose="020B0503020204020204" pitchFamily="34" charset="-122"/>
+                <a:ea typeface="微软雅黑" panose="020B0503020204020204" pitchFamily="34" charset="-122"/>
+              </a:rPr>
+              <a:t>w</a:t>
+            </a:r>
+            <a:endParaRPr lang="zh-CN" altLang="en-US" b="1" dirty="0">
+              <a:latin typeface="微软雅黑" panose="020B0503020204020204" pitchFamily="34" charset="-122"/>
+              <a:ea typeface="微软雅黑" panose="020B0503020204020204" pitchFamily="34" charset="-122"/>
+            </a:endParaRPr>
+          </a:p>
+        </p:txBody>
+      </p:sp>
+    </p:spTree>
+    <p:extLst>
+      <p:ext uri="{BB962C8B-B14F-4D97-AF65-F5344CB8AC3E}">
+        <p14:creationId xmlns:p14="http://schemas.microsoft.com/office/powerpoint/2010/main" val="669443316"/>
+      </p:ext>
+    </p:extLst>
+  </p:cSld>
+  <p:clrMapOvr>
+    <a:masterClrMapping/>
+  </p:clrMapOvr>
+  <p:timing>
+    <p:tnLst>
+      <p:par>
+        <p:cTn id="1" dur="indefinite" restart="never" nodeType="tmRoot">
+          <p:childTnLst>
+            <p:seq concurrent="1" nextAc="seek">
+              <p:cTn id="2" dur="indefinite" nodeType="mainSeq">
+                <p:childTnLst>
+                  <p:par>
+                    <p:cTn id="3" fill="hold">
+                      <p:stCondLst>
+                        <p:cond delay="indefinite"/>
+                      </p:stCondLst>
+                      <p:childTnLst>
+                        <p:par>
+                          <p:cTn id="4" fill="hold">
+                            <p:stCondLst>
+                              <p:cond delay="0"/>
+                            </p:stCondLst>
+                            <p:childTnLst>
+                              <p:par>
+                                <p:cTn id="5" presetID="1" presetClass="entr" presetSubtype="0" fill="hold" nodeType="clickEffect">
+                                  <p:stCondLst>
+                                    <p:cond delay="0"/>
+                                  </p:stCondLst>
+                                  <p:childTnLst>
+                                    <p:set>
+                                      <p:cBhvr>
+                                        <p:cTn id="6" dur="1" fill="hold">
+                                          <p:stCondLst>
+                                            <p:cond delay="0"/>
+                                          </p:stCondLst>
+                                        </p:cTn>
+                                        <p:tgtEl>
+                                          <p:spTgt spid="6"/>
+                                        </p:tgtEl>
+                                        <p:attrNameLst>
+                                          <p:attrName>style.visibility</p:attrName>
+                                        </p:attrNameLst>
+                                      </p:cBhvr>
+                                      <p:to>
+                                        <p:strVal val="visible"/>
+                                      </p:to>
+                                    </p:set>
+                                  </p:childTnLst>
+                                </p:cTn>
+                              </p:par>
+                            </p:childTnLst>
+                          </p:cTn>
+                        </p:par>
+                      </p:childTnLst>
+                    </p:cTn>
+                  </p:par>
+                  <p:par>
+                    <p:cTn id="7" fill="hold">
+                      <p:stCondLst>
+                        <p:cond delay="indefinite"/>
+                      </p:stCondLst>
+                      <p:childTnLst>
+                        <p:par>
+                          <p:cTn id="8" fill="hold">
+                            <p:stCondLst>
+                              <p:cond delay="0"/>
+                            </p:stCondLst>
+                            <p:childTnLst>
+                              <p:par>
+                                <p:cTn id="9" presetID="1" presetClass="entr" presetSubtype="0" fill="hold" grpId="0" nodeType="clickEffect">
+                                  <p:stCondLst>
+                                    <p:cond delay="0"/>
+                                  </p:stCondLst>
+                                  <p:childTnLst>
+                                    <p:set>
+                                      <p:cBhvr>
+                                        <p:cTn id="10" dur="1" fill="hold">
+                                          <p:stCondLst>
+                                            <p:cond delay="0"/>
+                                          </p:stCondLst>
+                                        </p:cTn>
+                                        <p:tgtEl>
+                                          <p:spTgt spid="8"/>
+                                        </p:tgtEl>
+                                        <p:attrNameLst>
+                                          <p:attrName>style.visibility</p:attrName>
+                                        </p:attrNameLst>
+                                      </p:cBhvr>
+                                      <p:to>
+                                        <p:strVal val="visible"/>
+                                      </p:to>
+                                    </p:set>
+                                  </p:childTnLst>
+                                </p:cTn>
+                              </p:par>
+                            </p:childTnLst>
+                          </p:cTn>
+                        </p:par>
+                      </p:childTnLst>
+                    </p:cTn>
+                  </p:par>
+                  <p:par>
+                    <p:cTn id="11" fill="hold">
+                      <p:stCondLst>
+                        <p:cond delay="indefinite"/>
+                      </p:stCondLst>
+                      <p:childTnLst>
+                        <p:par>
+                          <p:cTn id="12" fill="hold">
+                            <p:stCondLst>
+                              <p:cond delay="0"/>
+                            </p:stCondLst>
+                            <p:childTnLst>
+                              <p:par>
+                                <p:cTn id="13" presetID="1" presetClass="entr" presetSubtype="0" fill="hold" nodeType="clickEffect">
+                                  <p:stCondLst>
+                                    <p:cond delay="0"/>
+                                  </p:stCondLst>
+                                  <p:childTnLst>
+                                    <p:set>
+                                      <p:cBhvr>
+                                        <p:cTn id="14" dur="1" fill="hold">
+                                          <p:stCondLst>
+                                            <p:cond delay="0"/>
+                                          </p:stCondLst>
+                                        </p:cTn>
+                                        <p:tgtEl>
+                                          <p:spTgt spid="13"/>
+                                        </p:tgtEl>
+                                        <p:attrNameLst>
+                                          <p:attrName>style.visibility</p:attrName>
+                                        </p:attrNameLst>
+                                      </p:cBhvr>
+                                      <p:to>
+                                        <p:strVal val="visible"/>
+                                      </p:to>
+                                    </p:set>
+                                  </p:childTnLst>
+                                </p:cTn>
+                              </p:par>
+                              <p:par>
+                                <p:cTn id="15" presetID="1" presetClass="entr" presetSubtype="0" fill="hold" nodeType="withEffect">
+                                  <p:stCondLst>
+                                    <p:cond delay="0"/>
+                                  </p:stCondLst>
+                                  <p:childTnLst>
+                                    <p:set>
+                                      <p:cBhvr>
+                                        <p:cTn id="16" dur="1" fill="hold">
+                                          <p:stCondLst>
+                                            <p:cond delay="0"/>
+                                          </p:stCondLst>
+                                        </p:cTn>
+                                        <p:tgtEl>
+                                          <p:spTgt spid="11"/>
+                                        </p:tgtEl>
+                                        <p:attrNameLst>
+                                          <p:attrName>style.visibility</p:attrName>
+                                        </p:attrNameLst>
+                                      </p:cBhvr>
+                                      <p:to>
+                                        <p:strVal val="visible"/>
+                                      </p:to>
+                                    </p:set>
+                                  </p:childTnLst>
+                                </p:cTn>
+                              </p:par>
+                            </p:childTnLst>
+                          </p:cTn>
+                        </p:par>
+                      </p:childTnLst>
+                    </p:cTn>
+                  </p:par>
+                  <p:par>
+                    <p:cTn id="17" fill="hold">
+                      <p:stCondLst>
+                        <p:cond delay="indefinite"/>
+                      </p:stCondLst>
+                      <p:childTnLst>
+                        <p:par>
+                          <p:cTn id="18" fill="hold">
+                            <p:stCondLst>
+                              <p:cond delay="0"/>
+                            </p:stCondLst>
+                            <p:childTnLst>
+                              <p:par>
+                                <p:cTn id="19" presetID="1" presetClass="entr" presetSubtype="0" fill="hold" grpId="0" nodeType="clickEffect">
+                                  <p:stCondLst>
+                                    <p:cond delay="0"/>
+                                  </p:stCondLst>
+                                  <p:childTnLst>
+                                    <p:set>
+                                      <p:cBhvr>
+                                        <p:cTn id="20" dur="1" fill="hold">
+                                          <p:stCondLst>
+                                            <p:cond delay="0"/>
+                                          </p:stCondLst>
+                                        </p:cTn>
+                                        <p:tgtEl>
+                                          <p:spTgt spid="14"/>
+                                        </p:tgtEl>
+                                        <p:attrNameLst>
+                                          <p:attrName>style.visibility</p:attrName>
+                                        </p:attrNameLst>
+                                      </p:cBhvr>
+                                      <p:to>
+                                        <p:strVal val="visible"/>
+                                      </p:to>
+                                    </p:set>
+                                  </p:childTnLst>
+                                </p:cTn>
+                              </p:par>
+                            </p:childTnLst>
+                          </p:cTn>
+                        </p:par>
+                      </p:childTnLst>
+                    </p:cTn>
+                  </p:par>
+                </p:childTnLst>
+              </p:cTn>
+              <p:prevCondLst>
+                <p:cond evt="onPrev" delay="0">
+                  <p:tgtEl>
+                    <p:sldTgt/>
+                  </p:tgtEl>
+                </p:cond>
+              </p:prevCondLst>
+              <p:nextCondLst>
+                <p:cond evt="onNext" delay="0">
+                  <p:tgtEl>
+                    <p:sldTgt/>
+                  </p:tgtEl>
+                </p:cond>
+              </p:nextCondLst>
+            </p:seq>
+          </p:childTnLst>
+        </p:cTn>
+      </p:par>
+    </p:tnLst>
+    <p:bldLst>
+      <p:bldP spid="8" grpId="0"/>
+      <p:bldP spid="14" grpId="0"/>
+    </p:bldLst>
+  </p:timing>
+</p:sld>
+</file>
+
+<file path=ppt/slides/slide36.xml><?xml version="1.0" encoding="utf-8"?>
+<p:sld xmlns:a="http://schemas.openxmlformats.org/drawingml/2006/main" xmlns:r="http://schemas.openxmlformats.org/officeDocument/2006/relationships" xmlns:p="http://schemas.openxmlformats.org/presentationml/2006/main">
+  <p:cSld>
+    <p:spTree>
+      <p:nvGrpSpPr>
+        <p:cNvPr id="1" name=""/>
+        <p:cNvGrpSpPr/>
+        <p:nvPr/>
+      </p:nvGrpSpPr>
+      <p:grpSpPr>
+        <a:xfrm>
+          <a:off x="0" y="0"/>
+          <a:ext cx="0" cy="0"/>
+          <a:chOff x="0" y="0"/>
+          <a:chExt cx="0" cy="0"/>
+        </a:xfrm>
+      </p:grpSpPr>
+      <p:sp>
+        <p:nvSpPr>
+          <p:cNvPr id="2" name="标题 1">
+            <a:extLst>
+              <a:ext uri="{FF2B5EF4-FFF2-40B4-BE49-F238E27FC236}">
+                <a16:creationId xmlns:a16="http://schemas.microsoft.com/office/drawing/2014/main" id="{B1BBECA0-DF69-4ACD-5855-8EAEAC260465}"/>
+              </a:ext>
+            </a:extLst>
+          </p:cNvPr>
+          <p:cNvSpPr>
+            <a:spLocks noGrp="1"/>
+          </p:cNvSpPr>
+          <p:nvPr>
+            <p:ph type="title"/>
+          </p:nvPr>
+        </p:nvSpPr>
+        <p:spPr/>
+        <p:txBody>
+          <a:bodyPr/>
+          <a:lstStyle/>
+          <a:p>
+            <a:pPr algn="ctr"/>
+            <a:r>
+              <a:rPr lang="zh-CN" altLang="en-US" dirty="0">
+                <a:solidFill>
+                  <a:srgbClr val="FF0000"/>
+                </a:solidFill>
+                <a:latin typeface="宋体" panose="02010600030101010101" pitchFamily="2" charset="-122"/>
+                <a:ea typeface="宋体" panose="02010600030101010101" pitchFamily="2" charset="-122"/>
+              </a:rPr>
+              <a:t>线性回归中使用随机梯度下降</a:t>
+            </a:r>
+          </a:p>
+        </p:txBody>
+      </p:sp>
+      <p:pic>
+        <p:nvPicPr>
+          <p:cNvPr id="3" name="图片 2">
+            <a:extLst>
+              <a:ext uri="{FF2B5EF4-FFF2-40B4-BE49-F238E27FC236}">
+                <a16:creationId xmlns:a16="http://schemas.microsoft.com/office/drawing/2014/main" id="{06B2AF2F-D820-7D4D-9A20-6F911552DD57}"/>
+              </a:ext>
+            </a:extLst>
+          </p:cNvPr>
+          <p:cNvPicPr>
+            <a:picLocks noChangeAspect="1"/>
+          </p:cNvPicPr>
+          <p:nvPr/>
+        </p:nvPicPr>
+        <p:blipFill>
+          <a:blip r:embed="rId3"/>
+          <a:stretch>
+            <a:fillRect/>
+          </a:stretch>
+        </p:blipFill>
+        <p:spPr>
+          <a:xfrm>
+            <a:off x="1564048" y="2286001"/>
+            <a:ext cx="5179699" cy="3700732"/>
+          </a:xfrm>
+          <a:prstGeom prst="rect">
+            <a:avLst/>
+          </a:prstGeom>
+        </p:spPr>
+      </p:pic>
+      <mc:AlternateContent xmlns:mc="http://schemas.openxmlformats.org/markup-compatibility/2006">
+        <mc:Choice xmlns:a14="http://schemas.microsoft.com/office/drawing/2010/main" Requires="a14">
+          <p:sp>
+            <p:nvSpPr>
+              <p:cNvPr id="4" name="文本框 3">
+                <a:extLst>
+                  <a:ext uri="{FF2B5EF4-FFF2-40B4-BE49-F238E27FC236}">
+                    <a16:creationId xmlns:a16="http://schemas.microsoft.com/office/drawing/2014/main" id="{964E8A95-A677-704E-913B-6A998CD0F818}"/>
+                  </a:ext>
+                </a:extLst>
+              </p:cNvPr>
+              <p:cNvSpPr txBox="1"/>
+              <p:nvPr/>
+            </p:nvSpPr>
+            <p:spPr>
+              <a:xfrm>
+                <a:off x="7755147" y="2001328"/>
+                <a:ext cx="1540678" cy="703013"/>
+              </a:xfrm>
+              <a:prstGeom prst="rect">
+                <a:avLst/>
+              </a:prstGeom>
+              <a:noFill/>
+            </p:spPr>
+            <p:txBody>
+              <a:bodyPr wrap="none" rtlCol="0">
+                <a:spAutoFit/>
+              </a:bodyPr>
+              <a:lstStyle/>
+              <a:p>
+                <a:r>
+                  <a:rPr kumimoji="1" lang="en-US" altLang="zh-CN" sz="2800" dirty="0"/>
+                  <a:t>η</a:t>
+                </a:r>
+                <a:r>
+                  <a:rPr kumimoji="1" lang="zh-CN" altLang="en-US" sz="2800" dirty="0"/>
+                  <a:t> </a:t>
+                </a:r>
+                <a:r>
+                  <a:rPr kumimoji="1" lang="en-US" altLang="zh-CN" sz="2800" dirty="0"/>
+                  <a:t>=</a:t>
+                </a:r>
+                <a14:m>
+                  <m:oMath xmlns:m="http://schemas.openxmlformats.org/officeDocument/2006/math">
+                    <m:f>
+                      <m:fPr>
+                        <m:ctrlPr>
+                          <a:rPr kumimoji="1" lang="en-US" altLang="zh-CN" sz="2800" i="1" smtClean="0">
+                            <a:latin typeface="Cambria Math" panose="02040503050406030204" pitchFamily="18" charset="0"/>
+                          </a:rPr>
+                        </m:ctrlPr>
+                      </m:fPr>
+                      <m:num>
+                        <m:r>
+                          <a:rPr kumimoji="1" lang="en-US" altLang="zh-CN" sz="2800" b="0" i="1" smtClean="0">
+                            <a:latin typeface="Cambria Math" panose="02040503050406030204" pitchFamily="18" charset="0"/>
+                          </a:rPr>
+                          <m:t>1</m:t>
+                        </m:r>
+                      </m:num>
+                      <m:den>
+                        <m:r>
+                          <a:rPr kumimoji="1" lang="en-US" altLang="zh-CN" sz="2800" i="1">
+                            <a:latin typeface="Cambria Math" panose="02040503050406030204" pitchFamily="18" charset="0"/>
+                          </a:rPr>
+                          <m:t>𝑖</m:t>
+                        </m:r>
+                        <m:r>
+                          <a:rPr kumimoji="1" lang="en-US" altLang="zh-CN" sz="2800" i="1">
+                            <a:latin typeface="Cambria Math" panose="02040503050406030204" pitchFamily="18" charset="0"/>
+                          </a:rPr>
+                          <m:t>_</m:t>
+                        </m:r>
+                        <m:r>
+                          <a:rPr kumimoji="1" lang="en-US" altLang="zh-CN" sz="2800" i="1">
+                            <a:latin typeface="Cambria Math" panose="02040503050406030204" pitchFamily="18" charset="0"/>
+                          </a:rPr>
+                          <m:t>𝑖𝑡𝑒𝑟𝑠</m:t>
+                        </m:r>
+                      </m:den>
+                    </m:f>
+                  </m:oMath>
+                </a14:m>
+                <a:endParaRPr kumimoji="1" lang="zh-CN" altLang="en-US" sz="2800" dirty="0"/>
+              </a:p>
+            </p:txBody>
+          </p:sp>
+        </mc:Choice>
+        <mc:Fallback>
+          <p:sp>
+            <p:nvSpPr>
+              <p:cNvPr id="4" name="文本框 3">
+                <a:extLst>
+                  <a:ext uri="{FF2B5EF4-FFF2-40B4-BE49-F238E27FC236}">
+                    <a16:creationId xmlns:a16="http://schemas.microsoft.com/office/drawing/2014/main" id="{964E8A95-A677-704E-913B-6A998CD0F818}"/>
+                  </a:ext>
+                </a:extLst>
+              </p:cNvPr>
+              <p:cNvSpPr txBox="1">
+                <a:spLocks noRot="1" noChangeAspect="1" noMove="1" noResize="1" noEditPoints="1" noAdjustHandles="1" noChangeArrowheads="1" noChangeShapeType="1" noTextEdit="1"/>
+              </p:cNvSpPr>
+              <p:nvPr/>
+            </p:nvSpPr>
+            <p:spPr>
+              <a:xfrm>
+                <a:off x="7755147" y="2001328"/>
+                <a:ext cx="1540678" cy="703013"/>
+              </a:xfrm>
+              <a:prstGeom prst="rect">
+                <a:avLst/>
+              </a:prstGeom>
+              <a:blipFill>
+                <a:blip r:embed="rId4"/>
+                <a:stretch>
+                  <a:fillRect l="-8197" b="-8772"/>
+                </a:stretch>
+              </a:blipFill>
+            </p:spPr>
+            <p:txBody>
+              <a:bodyPr/>
+              <a:lstStyle/>
+              <a:p>
+                <a:r>
+                  <a:rPr lang="zh-CN" altLang="en-US">
+                    <a:noFill/>
+                  </a:rPr>
+                  <a:t> </a:t>
+                </a:r>
+              </a:p>
+            </p:txBody>
+          </p:sp>
+        </mc:Fallback>
+      </mc:AlternateContent>
+      <p:cxnSp>
+        <p:nvCxnSpPr>
+          <p:cNvPr id="12" name="直线箭头连接符 11">
+            <a:extLst>
+              <a:ext uri="{FF2B5EF4-FFF2-40B4-BE49-F238E27FC236}">
+                <a16:creationId xmlns:a16="http://schemas.microsoft.com/office/drawing/2014/main" id="{9268DF6F-CA46-3244-8C2C-61351603FCDA}"/>
+              </a:ext>
+            </a:extLst>
+          </p:cNvPr>
+          <p:cNvCxnSpPr>
+            <a:cxnSpLocks/>
+          </p:cNvCxnSpPr>
+          <p:nvPr/>
+        </p:nvCxnSpPr>
+        <p:spPr>
+          <a:xfrm>
+            <a:off x="8775651" y="2885535"/>
+            <a:ext cx="0" cy="427008"/>
+          </a:xfrm>
+          <a:prstGeom prst="straightConnector1">
+            <a:avLst/>
+          </a:prstGeom>
+          <a:ln w="38100">
+            <a:solidFill>
+              <a:schemeClr val="tx1"/>
+            </a:solidFill>
+            <a:tailEnd type="triangle"/>
+          </a:ln>
+        </p:spPr>
+        <p:style>
+          <a:lnRef idx="1">
+            <a:schemeClr val="accent1"/>
+          </a:lnRef>
+          <a:fillRef idx="0">
+            <a:schemeClr val="accent1"/>
+          </a:fillRef>
+          <a:effectRef idx="0">
+            <a:schemeClr val="accent1"/>
+          </a:effectRef>
+          <a:fontRef idx="minor">
+            <a:schemeClr val="tx1"/>
+          </a:fontRef>
+        </p:style>
+      </p:cxnSp>
+      <mc:AlternateContent xmlns:mc="http://schemas.openxmlformats.org/markup-compatibility/2006">
+        <mc:Choice xmlns:a14="http://schemas.microsoft.com/office/drawing/2010/main" Requires="a14">
+          <p:sp>
+            <p:nvSpPr>
+              <p:cNvPr id="15" name="文本框 14">
+                <a:extLst>
+                  <a:ext uri="{FF2B5EF4-FFF2-40B4-BE49-F238E27FC236}">
+                    <a16:creationId xmlns:a16="http://schemas.microsoft.com/office/drawing/2014/main" id="{9659A7FB-E9AF-C14E-9B7C-33295884325A}"/>
+                  </a:ext>
+                </a:extLst>
+              </p:cNvPr>
+              <p:cNvSpPr txBox="1"/>
+              <p:nvPr/>
+            </p:nvSpPr>
+            <p:spPr>
+              <a:xfrm>
+                <a:off x="7755147" y="3429000"/>
+                <a:ext cx="1951047" cy="703013"/>
+              </a:xfrm>
+              <a:prstGeom prst="rect">
+                <a:avLst/>
+              </a:prstGeom>
+              <a:noFill/>
+            </p:spPr>
+            <p:txBody>
+              <a:bodyPr wrap="none" rtlCol="0">
+                <a:spAutoFit/>
+              </a:bodyPr>
+              <a:lstStyle/>
+              <a:p>
+                <a:r>
+                  <a:rPr kumimoji="1" lang="en-US" altLang="zh-CN" sz="2800" dirty="0"/>
+                  <a:t>η</a:t>
+                </a:r>
+                <a:r>
+                  <a:rPr kumimoji="1" lang="zh-CN" altLang="en-US" sz="2800" dirty="0"/>
+                  <a:t> </a:t>
+                </a:r>
+                <a:r>
+                  <a:rPr kumimoji="1" lang="en-US" altLang="zh-CN" sz="2800" dirty="0"/>
+                  <a:t>=</a:t>
+                </a:r>
+                <a14:m>
+                  <m:oMath xmlns:m="http://schemas.openxmlformats.org/officeDocument/2006/math">
+                    <m:f>
+                      <m:fPr>
+                        <m:ctrlPr>
+                          <a:rPr kumimoji="1" lang="en-US" altLang="zh-CN" sz="2800" i="1" smtClean="0">
+                            <a:latin typeface="Cambria Math" panose="02040503050406030204" pitchFamily="18" charset="0"/>
+                          </a:rPr>
+                        </m:ctrlPr>
+                      </m:fPr>
+                      <m:num>
+                        <m:r>
+                          <a:rPr kumimoji="1" lang="en-US" altLang="zh-CN" sz="2800" b="0" i="1" smtClean="0">
+                            <a:latin typeface="Cambria Math" panose="02040503050406030204" pitchFamily="18" charset="0"/>
+                          </a:rPr>
+                          <m:t>1</m:t>
+                        </m:r>
+                      </m:num>
+                      <m:den>
+                        <m:r>
+                          <a:rPr kumimoji="1" lang="en-US" altLang="zh-CN" sz="2800" i="1">
+                            <a:latin typeface="Cambria Math" panose="02040503050406030204" pitchFamily="18" charset="0"/>
+                          </a:rPr>
+                          <m:t>𝑖</m:t>
+                        </m:r>
+                        <m:r>
+                          <a:rPr kumimoji="1" lang="en-US" altLang="zh-CN" sz="2800" i="1">
+                            <a:latin typeface="Cambria Math" panose="02040503050406030204" pitchFamily="18" charset="0"/>
+                          </a:rPr>
+                          <m:t>_</m:t>
+                        </m:r>
+                        <m:r>
+                          <a:rPr kumimoji="1" lang="en-US" altLang="zh-CN" sz="2800" i="1">
+                            <a:latin typeface="Cambria Math" panose="02040503050406030204" pitchFamily="18" charset="0"/>
+                          </a:rPr>
+                          <m:t>𝑖𝑡𝑒𝑟𝑠</m:t>
+                        </m:r>
+                        <m:r>
+                          <a:rPr kumimoji="1" lang="en-US" altLang="zh-CN" sz="2800" b="0" i="1" smtClean="0">
+                            <a:latin typeface="Cambria Math" panose="02040503050406030204" pitchFamily="18" charset="0"/>
+                          </a:rPr>
+                          <m:t>+</m:t>
+                        </m:r>
+                        <m:r>
+                          <m:rPr>
+                            <m:sty m:val="p"/>
+                          </m:rPr>
+                          <a:rPr kumimoji="1" lang="en-US" altLang="zh-CN" sz="2800" i="1">
+                            <a:latin typeface="Cambria Math" panose="02040503050406030204" pitchFamily="18" charset="0"/>
+                          </a:rPr>
+                          <m:t>b</m:t>
+                        </m:r>
+                        <m:r>
+                          <a:rPr kumimoji="1" lang="zh-CN" altLang="en-US" sz="2800" b="0" i="1" smtClean="0">
+                            <a:latin typeface="Cambria Math" panose="02040503050406030204" pitchFamily="18" charset="0"/>
+                          </a:rPr>
+                          <m:t> </m:t>
+                        </m:r>
+                      </m:den>
+                    </m:f>
+                  </m:oMath>
+                </a14:m>
+                <a:endParaRPr kumimoji="1" lang="zh-CN" altLang="en-US" sz="2800" dirty="0"/>
+              </a:p>
+            </p:txBody>
+          </p:sp>
+        </mc:Choice>
+        <mc:Fallback>
+          <p:sp>
+            <p:nvSpPr>
+              <p:cNvPr id="15" name="文本框 14">
+                <a:extLst>
+                  <a:ext uri="{FF2B5EF4-FFF2-40B4-BE49-F238E27FC236}">
+                    <a16:creationId xmlns:a16="http://schemas.microsoft.com/office/drawing/2014/main" id="{9659A7FB-E9AF-C14E-9B7C-33295884325A}"/>
+                  </a:ext>
+                </a:extLst>
+              </p:cNvPr>
+              <p:cNvSpPr txBox="1">
+                <a:spLocks noRot="1" noChangeAspect="1" noMove="1" noResize="1" noEditPoints="1" noAdjustHandles="1" noChangeArrowheads="1" noChangeShapeType="1" noTextEdit="1"/>
+              </p:cNvSpPr>
+              <p:nvPr/>
+            </p:nvSpPr>
+            <p:spPr>
+              <a:xfrm>
+                <a:off x="7755147" y="3429000"/>
+                <a:ext cx="1951047" cy="703013"/>
+              </a:xfrm>
+              <a:prstGeom prst="rect">
+                <a:avLst/>
+              </a:prstGeom>
+              <a:blipFill>
+                <a:blip r:embed="rId5"/>
+                <a:stretch>
+                  <a:fillRect l="-6452" r="-645" b="-17857"/>
+                </a:stretch>
+              </a:blipFill>
+            </p:spPr>
+            <p:txBody>
+              <a:bodyPr/>
+              <a:lstStyle/>
+              <a:p>
+                <a:r>
+                  <a:rPr lang="zh-CN" altLang="en-US">
+                    <a:noFill/>
+                  </a:rPr>
+                  <a:t> </a:t>
+                </a:r>
+              </a:p>
+            </p:txBody>
+          </p:sp>
+        </mc:Fallback>
+      </mc:AlternateContent>
+      <p:cxnSp>
+        <p:nvCxnSpPr>
+          <p:cNvPr id="17" name="直线箭头连接符 16">
+            <a:extLst>
+              <a:ext uri="{FF2B5EF4-FFF2-40B4-BE49-F238E27FC236}">
+                <a16:creationId xmlns:a16="http://schemas.microsoft.com/office/drawing/2014/main" id="{DCE242A1-CBB1-FC45-BB4B-E3FCA0817C28}"/>
+              </a:ext>
+            </a:extLst>
+          </p:cNvPr>
+          <p:cNvCxnSpPr>
+            <a:cxnSpLocks/>
+          </p:cNvCxnSpPr>
+          <p:nvPr/>
+        </p:nvCxnSpPr>
+        <p:spPr>
+          <a:xfrm>
+            <a:off x="8867667" y="4262886"/>
+            <a:ext cx="0" cy="427008"/>
+          </a:xfrm>
+          <a:prstGeom prst="straightConnector1">
+            <a:avLst/>
+          </a:prstGeom>
+          <a:ln w="38100">
+            <a:solidFill>
+              <a:schemeClr val="tx1"/>
+            </a:solidFill>
+            <a:tailEnd type="triangle"/>
+          </a:ln>
+        </p:spPr>
+        <p:style>
+          <a:lnRef idx="1">
+            <a:schemeClr val="accent1"/>
+          </a:lnRef>
+          <a:fillRef idx="0">
+            <a:schemeClr val="accent1"/>
+          </a:fillRef>
+          <a:effectRef idx="0">
+            <a:schemeClr val="accent1"/>
+          </a:effectRef>
+          <a:fontRef idx="minor">
+            <a:schemeClr val="tx1"/>
+          </a:fontRef>
+        </p:style>
+      </p:cxnSp>
+      <mc:AlternateContent xmlns:mc="http://schemas.openxmlformats.org/markup-compatibility/2006">
+        <mc:Choice xmlns:a14="http://schemas.microsoft.com/office/drawing/2010/main" Requires="a14">
+          <p:sp>
+            <p:nvSpPr>
+              <p:cNvPr id="19" name="文本框 18">
+                <a:extLst>
+                  <a:ext uri="{FF2B5EF4-FFF2-40B4-BE49-F238E27FC236}">
+                    <a16:creationId xmlns:a16="http://schemas.microsoft.com/office/drawing/2014/main" id="{F5DF39D6-96A8-3744-8406-7B8593B7954B}"/>
+                  </a:ext>
+                </a:extLst>
+              </p:cNvPr>
+              <p:cNvSpPr txBox="1"/>
+              <p:nvPr/>
+            </p:nvSpPr>
+            <p:spPr>
+              <a:xfrm>
+                <a:off x="7800127" y="4856672"/>
+                <a:ext cx="1951047" cy="668837"/>
+              </a:xfrm>
+              <a:prstGeom prst="rect">
+                <a:avLst/>
+              </a:prstGeom>
+              <a:noFill/>
+            </p:spPr>
+            <p:txBody>
+              <a:bodyPr wrap="none" rtlCol="0">
+                <a:spAutoFit/>
+              </a:bodyPr>
+              <a:lstStyle/>
+              <a:p>
+                <a:r>
+                  <a:rPr kumimoji="1" lang="en-US" altLang="zh-CN" sz="2800" dirty="0"/>
+                  <a:t>η</a:t>
+                </a:r>
+                <a:r>
+                  <a:rPr kumimoji="1" lang="zh-CN" altLang="en-US" sz="2800" dirty="0"/>
+                  <a:t> </a:t>
+                </a:r>
+                <a:r>
+                  <a:rPr kumimoji="1" lang="en-US" altLang="zh-CN" sz="2800" dirty="0"/>
+                  <a:t>=</a:t>
+                </a:r>
+                <a14:m>
+                  <m:oMath xmlns:m="http://schemas.openxmlformats.org/officeDocument/2006/math">
+                    <m:f>
+                      <m:fPr>
+                        <m:ctrlPr>
+                          <a:rPr kumimoji="1" lang="en-US" altLang="zh-CN" sz="2800" i="1" smtClean="0">
+                            <a:latin typeface="Cambria Math" panose="02040503050406030204" pitchFamily="18" charset="0"/>
+                          </a:rPr>
+                        </m:ctrlPr>
+                      </m:fPr>
+                      <m:num>
+                        <m:r>
+                          <m:rPr>
+                            <m:sty m:val="p"/>
+                          </m:rPr>
+                          <a:rPr kumimoji="1" lang="en-US" altLang="zh-CN" sz="2800" i="1">
+                            <a:latin typeface="Cambria Math" panose="02040503050406030204" pitchFamily="18" charset="0"/>
+                          </a:rPr>
+                          <m:t>a</m:t>
+                        </m:r>
+                      </m:num>
+                      <m:den>
+                        <m:r>
+                          <a:rPr kumimoji="1" lang="en-US" altLang="zh-CN" sz="2800" i="1">
+                            <a:latin typeface="Cambria Math" panose="02040503050406030204" pitchFamily="18" charset="0"/>
+                          </a:rPr>
+                          <m:t>𝑖</m:t>
+                        </m:r>
+                        <m:r>
+                          <a:rPr kumimoji="1" lang="en-US" altLang="zh-CN" sz="2800" i="1">
+                            <a:latin typeface="Cambria Math" panose="02040503050406030204" pitchFamily="18" charset="0"/>
+                          </a:rPr>
+                          <m:t>_</m:t>
+                        </m:r>
+                        <m:r>
+                          <a:rPr kumimoji="1" lang="en-US" altLang="zh-CN" sz="2800" i="1">
+                            <a:latin typeface="Cambria Math" panose="02040503050406030204" pitchFamily="18" charset="0"/>
+                          </a:rPr>
+                          <m:t>𝑖𝑡𝑒𝑟𝑠</m:t>
+                        </m:r>
+                        <m:r>
+                          <a:rPr kumimoji="1" lang="en-US" altLang="zh-CN" sz="2800" b="0" i="1" smtClean="0">
+                            <a:latin typeface="Cambria Math" panose="02040503050406030204" pitchFamily="18" charset="0"/>
+                          </a:rPr>
+                          <m:t>+</m:t>
+                        </m:r>
+                        <m:r>
+                          <m:rPr>
+                            <m:sty m:val="p"/>
+                          </m:rPr>
+                          <a:rPr kumimoji="1" lang="en-US" altLang="zh-CN" sz="2800" i="1">
+                            <a:latin typeface="Cambria Math" panose="02040503050406030204" pitchFamily="18" charset="0"/>
+                          </a:rPr>
+                          <m:t>b</m:t>
+                        </m:r>
+                        <m:r>
+                          <a:rPr kumimoji="1" lang="zh-CN" altLang="en-US" sz="2800" b="0" i="1" smtClean="0">
+                            <a:latin typeface="Cambria Math" panose="02040503050406030204" pitchFamily="18" charset="0"/>
+                          </a:rPr>
+                          <m:t> </m:t>
+                        </m:r>
+                      </m:den>
+                    </m:f>
+                  </m:oMath>
+                </a14:m>
+                <a:endParaRPr kumimoji="1" lang="zh-CN" altLang="en-US" sz="2800" dirty="0"/>
+              </a:p>
+            </p:txBody>
+          </p:sp>
+        </mc:Choice>
+        <mc:Fallback>
+          <p:sp>
+            <p:nvSpPr>
+              <p:cNvPr id="19" name="文本框 18">
+                <a:extLst>
+                  <a:ext uri="{FF2B5EF4-FFF2-40B4-BE49-F238E27FC236}">
+                    <a16:creationId xmlns:a16="http://schemas.microsoft.com/office/drawing/2014/main" id="{F5DF39D6-96A8-3744-8406-7B8593B7954B}"/>
+                  </a:ext>
+                </a:extLst>
+              </p:cNvPr>
+              <p:cNvSpPr txBox="1">
+                <a:spLocks noRot="1" noChangeAspect="1" noMove="1" noResize="1" noEditPoints="1" noAdjustHandles="1" noChangeArrowheads="1" noChangeShapeType="1" noTextEdit="1"/>
+              </p:cNvSpPr>
+              <p:nvPr/>
+            </p:nvSpPr>
+            <p:spPr>
+              <a:xfrm>
+                <a:off x="7800127" y="4856672"/>
+                <a:ext cx="1951047" cy="668837"/>
+              </a:xfrm>
+              <a:prstGeom prst="rect">
+                <a:avLst/>
+              </a:prstGeom>
+              <a:blipFill>
+                <a:blip r:embed="rId6"/>
+                <a:stretch>
+                  <a:fillRect l="-6494" r="-1299" b="-20755"/>
+                </a:stretch>
+              </a:blipFill>
+            </p:spPr>
+            <p:txBody>
+              <a:bodyPr/>
+              <a:lstStyle/>
+              <a:p>
+                <a:r>
+                  <a:rPr lang="zh-CN" altLang="en-US">
+                    <a:noFill/>
+                  </a:rPr>
+                  <a:t> </a:t>
+                </a:r>
+              </a:p>
+            </p:txBody>
+          </p:sp>
+        </mc:Fallback>
+      </mc:AlternateContent>
+    </p:spTree>
+    <p:extLst>
+      <p:ext uri="{BB962C8B-B14F-4D97-AF65-F5344CB8AC3E}">
+        <p14:creationId xmlns:p14="http://schemas.microsoft.com/office/powerpoint/2010/main" val="3826462810"/>
+      </p:ext>
+    </p:extLst>
+  </p:cSld>
+  <p:clrMapOvr>
+    <a:masterClrMapping/>
+  </p:clrMapOvr>
+  <p:timing>
+    <p:tnLst>
+      <p:par>
+        <p:cTn id="1" dur="indefinite" restart="never" nodeType="tmRoot">
+          <p:childTnLst>
+            <p:seq concurrent="1" nextAc="seek">
+              <p:cTn id="2" dur="indefinite" nodeType="mainSeq">
+                <p:childTnLst>
+                  <p:par>
+                    <p:cTn id="3" fill="hold">
+                      <p:stCondLst>
+                        <p:cond delay="indefinite"/>
+                      </p:stCondLst>
+                      <p:childTnLst>
+                        <p:par>
+                          <p:cTn id="4" fill="hold">
+                            <p:stCondLst>
+                              <p:cond delay="0"/>
+                            </p:stCondLst>
+                            <p:childTnLst>
+                              <p:par>
+                                <p:cTn id="5" presetID="1" presetClass="entr" presetSubtype="0" fill="hold" grpId="0" nodeType="clickEffect">
+                                  <p:stCondLst>
+                                    <p:cond delay="0"/>
+                                  </p:stCondLst>
+                                  <p:childTnLst>
+                                    <p:set>
+                                      <p:cBhvr>
+                                        <p:cTn id="6" dur="1" fill="hold">
+                                          <p:stCondLst>
+                                            <p:cond delay="0"/>
+                                          </p:stCondLst>
+                                        </p:cTn>
+                                        <p:tgtEl>
+                                          <p:spTgt spid="4"/>
+                                        </p:tgtEl>
+                                        <p:attrNameLst>
+                                          <p:attrName>style.visibility</p:attrName>
+                                        </p:attrNameLst>
+                                      </p:cBhvr>
+                                      <p:to>
+                                        <p:strVal val="visible"/>
+                                      </p:to>
+                                    </p:set>
+                                  </p:childTnLst>
+                                </p:cTn>
+                              </p:par>
+                            </p:childTnLst>
+                          </p:cTn>
+                        </p:par>
+                      </p:childTnLst>
+                    </p:cTn>
+                  </p:par>
+                  <p:par>
+                    <p:cTn id="7" fill="hold">
+                      <p:stCondLst>
+                        <p:cond delay="indefinite"/>
+                      </p:stCondLst>
+                      <p:childTnLst>
+                        <p:par>
+                          <p:cTn id="8" fill="hold">
+                            <p:stCondLst>
+                              <p:cond delay="0"/>
+                            </p:stCondLst>
+                            <p:childTnLst>
+                              <p:par>
+                                <p:cTn id="9" presetID="1" presetClass="entr" presetSubtype="0" fill="hold" nodeType="clickEffect">
+                                  <p:stCondLst>
+                                    <p:cond delay="0"/>
+                                  </p:stCondLst>
+                                  <p:childTnLst>
+                                    <p:set>
+                                      <p:cBhvr>
+                                        <p:cTn id="10" dur="1" fill="hold">
+                                          <p:stCondLst>
+                                            <p:cond delay="0"/>
+                                          </p:stCondLst>
+                                        </p:cTn>
+                                        <p:tgtEl>
+                                          <p:spTgt spid="12"/>
+                                        </p:tgtEl>
+                                        <p:attrNameLst>
+                                          <p:attrName>style.visibility</p:attrName>
+                                        </p:attrNameLst>
+                                      </p:cBhvr>
+                                      <p:to>
+                                        <p:strVal val="visible"/>
+                                      </p:to>
+                                    </p:set>
+                                  </p:childTnLst>
+                                </p:cTn>
+                              </p:par>
+                            </p:childTnLst>
+                          </p:cTn>
+                        </p:par>
+                      </p:childTnLst>
+                    </p:cTn>
+                  </p:par>
+                  <p:par>
+                    <p:cTn id="11" fill="hold">
+                      <p:stCondLst>
+                        <p:cond delay="indefinite"/>
+                      </p:stCondLst>
+                      <p:childTnLst>
+                        <p:par>
+                          <p:cTn id="12" fill="hold">
+                            <p:stCondLst>
+                              <p:cond delay="0"/>
+                            </p:stCondLst>
+                            <p:childTnLst>
+                              <p:par>
+                                <p:cTn id="13" presetID="1" presetClass="entr" presetSubtype="0" fill="hold" grpId="0" nodeType="clickEffect">
+                                  <p:stCondLst>
+                                    <p:cond delay="0"/>
+                                  </p:stCondLst>
+                                  <p:childTnLst>
+                                    <p:set>
+                                      <p:cBhvr>
+                                        <p:cTn id="14" dur="1" fill="hold">
+                                          <p:stCondLst>
+                                            <p:cond delay="0"/>
+                                          </p:stCondLst>
+                                        </p:cTn>
+                                        <p:tgtEl>
+                                          <p:spTgt spid="15"/>
+                                        </p:tgtEl>
+                                        <p:attrNameLst>
+                                          <p:attrName>style.visibility</p:attrName>
+                                        </p:attrNameLst>
+                                      </p:cBhvr>
+                                      <p:to>
+                                        <p:strVal val="visible"/>
+                                      </p:to>
+                                    </p:set>
+                                  </p:childTnLst>
+                                </p:cTn>
+                              </p:par>
+                            </p:childTnLst>
+                          </p:cTn>
+                        </p:par>
+                      </p:childTnLst>
+                    </p:cTn>
+                  </p:par>
+                  <p:par>
+                    <p:cTn id="15" fill="hold">
+                      <p:stCondLst>
+                        <p:cond delay="indefinite"/>
+                      </p:stCondLst>
+                      <p:childTnLst>
+                        <p:par>
+                          <p:cTn id="16" fill="hold">
+                            <p:stCondLst>
+                              <p:cond delay="0"/>
+                            </p:stCondLst>
+                            <p:childTnLst>
+                              <p:par>
+                                <p:cTn id="17" presetID="1" presetClass="entr" presetSubtype="0" fill="hold" nodeType="clickEffect">
+                                  <p:stCondLst>
+                                    <p:cond delay="0"/>
+                                  </p:stCondLst>
+                                  <p:childTnLst>
+                                    <p:set>
+                                      <p:cBhvr>
+                                        <p:cTn id="18" dur="1" fill="hold">
+                                          <p:stCondLst>
+                                            <p:cond delay="0"/>
+                                          </p:stCondLst>
+                                        </p:cTn>
+                                        <p:tgtEl>
+                                          <p:spTgt spid="17"/>
+                                        </p:tgtEl>
+                                        <p:attrNameLst>
+                                          <p:attrName>style.visibility</p:attrName>
+                                        </p:attrNameLst>
+                                      </p:cBhvr>
+                                      <p:to>
+                                        <p:strVal val="visible"/>
+                                      </p:to>
+                                    </p:set>
+                                  </p:childTnLst>
+                                </p:cTn>
+                              </p:par>
+                            </p:childTnLst>
+                          </p:cTn>
+                        </p:par>
+                      </p:childTnLst>
+                    </p:cTn>
+                  </p:par>
+                  <p:par>
+                    <p:cTn id="19" fill="hold">
+                      <p:stCondLst>
+                        <p:cond delay="indefinite"/>
+                      </p:stCondLst>
+                      <p:childTnLst>
+                        <p:par>
+                          <p:cTn id="20" fill="hold">
+                            <p:stCondLst>
+                              <p:cond delay="0"/>
+                            </p:stCondLst>
+                            <p:childTnLst>
+                              <p:par>
+                                <p:cTn id="21" presetID="1" presetClass="entr" presetSubtype="0" fill="hold" grpId="0" nodeType="clickEffect">
+                                  <p:stCondLst>
+                                    <p:cond delay="0"/>
+                                  </p:stCondLst>
+                                  <p:childTnLst>
+                                    <p:set>
+                                      <p:cBhvr>
+                                        <p:cTn id="22" dur="1" fill="hold">
+                                          <p:stCondLst>
+                                            <p:cond delay="0"/>
+                                          </p:stCondLst>
+                                        </p:cTn>
+                                        <p:tgtEl>
+                                          <p:spTgt spid="19"/>
+                                        </p:tgtEl>
+                                        <p:attrNameLst>
+                                          <p:attrName>style.visibility</p:attrName>
+                                        </p:attrNameLst>
+                                      </p:cBhvr>
+                                      <p:to>
+                                        <p:strVal val="visible"/>
+                                      </p:to>
+                                    </p:set>
+                                  </p:childTnLst>
+                                </p:cTn>
+                              </p:par>
+                            </p:childTnLst>
+                          </p:cTn>
+                        </p:par>
+                      </p:childTnLst>
+                    </p:cTn>
+                  </p:par>
+                </p:childTnLst>
+              </p:cTn>
+              <p:prevCondLst>
+                <p:cond evt="onPrev" delay="0">
+                  <p:tgtEl>
+                    <p:sldTgt/>
+                  </p:tgtEl>
+                </p:cond>
+              </p:prevCondLst>
+              <p:nextCondLst>
+                <p:cond evt="onNext" delay="0">
+                  <p:tgtEl>
+                    <p:sldTgt/>
+                  </p:tgtEl>
+                </p:cond>
+              </p:nextCondLst>
+            </p:seq>
+          </p:childTnLst>
+        </p:cTn>
+      </p:par>
+    </p:tnLst>
+    <p:bldLst>
+      <p:bldP spid="4" grpId="0"/>
+      <p:bldP spid="15" grpId="0"/>
+      <p:bldP spid="19" grpId="0"/>
+    </p:bldLst>
+  </p:timing>
+</p:sld>
+</file>
+
+<file path=ppt/slides/slide37.xml><?xml version="1.0" encoding="utf-8"?>
+<p:sld xmlns:a="http://schemas.openxmlformats.org/drawingml/2006/main" xmlns:r="http://schemas.openxmlformats.org/officeDocument/2006/relationships" xmlns:p="http://schemas.openxmlformats.org/presentationml/2006/main">
+  <p:cSld>
+    <p:spTree>
+      <p:nvGrpSpPr>
+        <p:cNvPr id="1" name=""/>
+        <p:cNvGrpSpPr/>
+        <p:nvPr/>
+      </p:nvGrpSpPr>
+      <p:grpSpPr>
+        <a:xfrm>
+          <a:off x="0" y="0"/>
+          <a:ext cx="0" cy="0"/>
+          <a:chOff x="0" y="0"/>
+          <a:chExt cx="0" cy="0"/>
+        </a:xfrm>
+      </p:grpSpPr>
+      <p:sp>
+        <p:nvSpPr>
+          <p:cNvPr id="2" name="标题 1">
+            <a:extLst>
+              <a:ext uri="{FF2B5EF4-FFF2-40B4-BE49-F238E27FC236}">
+                <a16:creationId xmlns:a16="http://schemas.microsoft.com/office/drawing/2014/main" id="{B1BBECA0-DF69-4ACD-5855-8EAEAC260465}"/>
+              </a:ext>
+            </a:extLst>
+          </p:cNvPr>
+          <p:cNvSpPr>
+            <a:spLocks noGrp="1"/>
+          </p:cNvSpPr>
+          <p:nvPr>
+            <p:ph type="title"/>
+          </p:nvPr>
+        </p:nvSpPr>
+        <p:spPr/>
+        <p:txBody>
+          <a:bodyPr/>
+          <a:lstStyle/>
+          <a:p>
+            <a:pPr algn="ctr"/>
+            <a:r>
+              <a:rPr lang="zh-CN" altLang="en-US" dirty="0">
+                <a:solidFill>
+                  <a:srgbClr val="FF0000"/>
+                </a:solidFill>
+                <a:latin typeface="宋体" panose="02010600030101010101" pitchFamily="2" charset="-122"/>
+                <a:ea typeface="宋体" panose="02010600030101010101" pitchFamily="2" charset="-122"/>
+              </a:rPr>
+              <a:t>线性回归中使用随机梯度下降</a:t>
+            </a:r>
+          </a:p>
+        </p:txBody>
+      </p:sp>
+    </p:spTree>
+    <p:extLst>
+      <p:ext uri="{BB962C8B-B14F-4D97-AF65-F5344CB8AC3E}">
+        <p14:creationId xmlns:p14="http://schemas.microsoft.com/office/powerpoint/2010/main" val="1629350467"/>
+      </p:ext>
+    </p:extLst>
+  </p:cSld>
+  <p:clrMapOvr>
+    <a:masterClrMapping/>
+  </p:clrMapOvr>
 </p:sld>
 </file>
 
@@ -41471,4 +48065,299 @@
     </a:ext>
   </a:extLst>
 </a:theme>
+</file>
+
+<file path=ppt/theme/theme2.xml><?xml version="1.0" encoding="utf-8"?>
+<a:theme xmlns:a="http://schemas.openxmlformats.org/drawingml/2006/main" name="Office 主题​​">
+  <a:themeElements>
+    <a:clrScheme name="Office">
+      <a:dk1>
+        <a:sysClr val="windowText" lastClr="000000"/>
+      </a:dk1>
+      <a:lt1>
+        <a:sysClr val="window" lastClr="FFFFFF"/>
+      </a:lt1>
+      <a:dk2>
+        <a:srgbClr val="44546A"/>
+      </a:dk2>
+      <a:lt2>
+        <a:srgbClr val="E7E6E6"/>
+      </a:lt2>
+      <a:accent1>
+        <a:srgbClr val="4472C4"/>
+      </a:accent1>
+      <a:accent2>
+        <a:srgbClr val="ED7D31"/>
+      </a:accent2>
+      <a:accent3>
+        <a:srgbClr val="A5A5A5"/>
+      </a:accent3>
+      <a:accent4>
+        <a:srgbClr val="FFC000"/>
+      </a:accent4>
+      <a:accent5>
+        <a:srgbClr val="5B9BD5"/>
+      </a:accent5>
+      <a:accent6>
+        <a:srgbClr val="70AD47"/>
+      </a:accent6>
+      <a:hlink>
+        <a:srgbClr val="0563C1"/>
+      </a:hlink>
+      <a:folHlink>
+        <a:srgbClr val="954F72"/>
+      </a:folHlink>
+    </a:clrScheme>
+    <a:fontScheme name="Office">
+      <a:majorFont>
+        <a:latin typeface="等线 Light" panose="020F0302020204030204"/>
+        <a:ea typeface=""/>
+        <a:cs typeface=""/>
+        <a:font script="Jpan" typeface="游ゴシック Light"/>
+        <a:font script="Hang" typeface="맑은 고딕"/>
+        <a:font script="Hans" typeface="等线 Light"/>
+        <a:font script="Hant" typeface="新細明體"/>
+        <a:font script="Arab" typeface="Times New Roman"/>
+        <a:font script="Hebr" typeface="Times New Roman"/>
+        <a:font script="Thai" typeface="Angsana New"/>
+        <a:font script="Ethi" typeface="Nyala"/>
+        <a:font script="Beng" typeface="Vrinda"/>
+        <a:font script="Gujr" typeface="Shruti"/>
+        <a:font script="Khmr" typeface="MoolBoran"/>
+        <a:font script="Knda" typeface="Tunga"/>
+        <a:font script="Guru" typeface="Raavi"/>
+        <a:font script="Cans" typeface="Euphemia"/>
+        <a:font script="Cher" typeface="Plantagenet Cherokee"/>
+        <a:font script="Yiii" typeface="Microsoft Yi Baiti"/>
+        <a:font script="Tibt" typeface="Microsoft Himalaya"/>
+        <a:font script="Thaa" typeface="MV Boli"/>
+        <a:font script="Deva" typeface="Mangal"/>
+        <a:font script="Telu" typeface="Gautami"/>
+        <a:font script="Taml" typeface="Latha"/>
+        <a:font script="Syrc" typeface="Estrangelo Edessa"/>
+        <a:font script="Orya" typeface="Kalinga"/>
+        <a:font script="Mlym" typeface="Kartika"/>
+        <a:font script="Laoo" typeface="DokChampa"/>
+        <a:font script="Sinh" typeface="Iskoola Pota"/>
+        <a:font script="Mong" typeface="Mongolian Baiti"/>
+        <a:font script="Viet" typeface="Times New Roman"/>
+        <a:font script="Uigh" typeface="Microsoft Uighur"/>
+        <a:font script="Geor" typeface="Sylfaen"/>
+        <a:font script="Armn" typeface="Arial"/>
+        <a:font script="Bugi" typeface="Leelawadee UI"/>
+        <a:font script="Bopo" typeface="Microsoft JhengHei"/>
+        <a:font script="Java" typeface="Javanese Text"/>
+        <a:font script="Lisu" typeface="Segoe UI"/>
+        <a:font script="Mymr" typeface="Myanmar Text"/>
+        <a:font script="Nkoo" typeface="Ebrima"/>
+        <a:font script="Olck" typeface="Nirmala UI"/>
+        <a:font script="Osma" typeface="Ebrima"/>
+        <a:font script="Phag" typeface="Phagspa"/>
+        <a:font script="Syrn" typeface="Estrangelo Edessa"/>
+        <a:font script="Syrj" typeface="Estrangelo Edessa"/>
+        <a:font script="Syre" typeface="Estrangelo Edessa"/>
+        <a:font script="Sora" typeface="Nirmala UI"/>
+        <a:font script="Tale" typeface="Microsoft Tai Le"/>
+        <a:font script="Talu" typeface="Microsoft New Tai Lue"/>
+        <a:font script="Tfng" typeface="Ebrima"/>
+      </a:majorFont>
+      <a:minorFont>
+        <a:latin typeface="等线" panose="020F0502020204030204"/>
+        <a:ea typeface=""/>
+        <a:cs typeface=""/>
+        <a:font script="Jpan" typeface="游ゴシック"/>
+        <a:font script="Hang" typeface="맑은 고딕"/>
+        <a:font script="Hans" typeface="等线"/>
+        <a:font script="Hant" typeface="新細明體"/>
+        <a:font script="Arab" typeface="Arial"/>
+        <a:font script="Hebr" typeface="Arial"/>
+        <a:font script="Thai" typeface="Cordia New"/>
+        <a:font script="Ethi" typeface="Nyala"/>
+        <a:font script="Beng" typeface="Vrinda"/>
+        <a:font script="Gujr" typeface="Shruti"/>
+        <a:font script="Khmr" typeface="DaunPenh"/>
+        <a:font script="Knda" typeface="Tunga"/>
+        <a:font script="Guru" typeface="Raavi"/>
+        <a:font script="Cans" typeface="Euphemia"/>
+        <a:font script="Cher" typeface="Plantagenet Cherokee"/>
+        <a:font script="Yiii" typeface="Microsoft Yi Baiti"/>
+        <a:font script="Tibt" typeface="Microsoft Himalaya"/>
+        <a:font script="Thaa" typeface="MV Boli"/>
+        <a:font script="Deva" typeface="Mangal"/>
+        <a:font script="Telu" typeface="Gautami"/>
+        <a:font script="Taml" typeface="Latha"/>
+        <a:font script="Syrc" typeface="Estrangelo Edessa"/>
+        <a:font script="Orya" typeface="Kalinga"/>
+        <a:font script="Mlym" typeface="Kartika"/>
+        <a:font script="Laoo" typeface="DokChampa"/>
+        <a:font script="Sinh" typeface="Iskoola Pota"/>
+        <a:font script="Mong" typeface="Mongolian Baiti"/>
+        <a:font script="Viet" typeface="Arial"/>
+        <a:font script="Uigh" typeface="Microsoft Uighur"/>
+        <a:font script="Geor" typeface="Sylfaen"/>
+        <a:font script="Armn" typeface="Arial"/>
+        <a:font script="Bugi" typeface="Leelawadee UI"/>
+        <a:font script="Bopo" typeface="Microsoft JhengHei"/>
+        <a:font script="Java" typeface="Javanese Text"/>
+        <a:font script="Lisu" typeface="Segoe UI"/>
+        <a:font script="Mymr" typeface="Myanmar Text"/>
+        <a:font script="Nkoo" typeface="Ebrima"/>
+        <a:font script="Olck" typeface="Nirmala UI"/>
+        <a:font script="Osma" typeface="Ebrima"/>
+        <a:font script="Phag" typeface="Phagspa"/>
+        <a:font script="Syrn" typeface="Estrangelo Edessa"/>
+        <a:font script="Syrj" typeface="Estrangelo Edessa"/>
+        <a:font script="Syre" typeface="Estrangelo Edessa"/>
+        <a:font script="Sora" typeface="Nirmala UI"/>
+        <a:font script="Tale" typeface="Microsoft Tai Le"/>
+        <a:font script="Talu" typeface="Microsoft New Tai Lue"/>
+        <a:font script="Tfng" typeface="Ebrima"/>
+      </a:minorFont>
+    </a:fontScheme>
+    <a:fmtScheme name="Office">
+      <a:fillStyleLst>
+        <a:solidFill>
+          <a:schemeClr val="phClr"/>
+        </a:solidFill>
+        <a:gradFill rotWithShape="1">
+          <a:gsLst>
+            <a:gs pos="0">
+              <a:schemeClr val="phClr">
+                <a:lumMod val="110000"/>
+                <a:satMod val="105000"/>
+                <a:tint val="67000"/>
+              </a:schemeClr>
+            </a:gs>
+            <a:gs pos="50000">
+              <a:schemeClr val="phClr">
+                <a:lumMod val="105000"/>
+                <a:satMod val="103000"/>
+                <a:tint val="73000"/>
+              </a:schemeClr>
+            </a:gs>
+            <a:gs pos="100000">
+              <a:schemeClr val="phClr">
+                <a:lumMod val="105000"/>
+                <a:satMod val="109000"/>
+                <a:tint val="81000"/>
+              </a:schemeClr>
+            </a:gs>
+          </a:gsLst>
+          <a:lin ang="5400000" scaled="0"/>
+        </a:gradFill>
+        <a:gradFill rotWithShape="1">
+          <a:gsLst>
+            <a:gs pos="0">
+              <a:schemeClr val="phClr">
+                <a:satMod val="103000"/>
+                <a:lumMod val="102000"/>
+                <a:tint val="94000"/>
+              </a:schemeClr>
+            </a:gs>
+            <a:gs pos="50000">
+              <a:schemeClr val="phClr">
+                <a:satMod val="110000"/>
+                <a:lumMod val="100000"/>
+                <a:shade val="100000"/>
+              </a:schemeClr>
+            </a:gs>
+            <a:gs pos="100000">
+              <a:schemeClr val="phClr">
+                <a:lumMod val="99000"/>
+                <a:satMod val="120000"/>
+                <a:shade val="78000"/>
+              </a:schemeClr>
+            </a:gs>
+          </a:gsLst>
+          <a:lin ang="5400000" scaled="0"/>
+        </a:gradFill>
+      </a:fillStyleLst>
+      <a:lnStyleLst>
+        <a:ln w="6350" cap="flat" cmpd="sng" algn="ctr">
+          <a:solidFill>
+            <a:schemeClr val="phClr"/>
+          </a:solidFill>
+          <a:prstDash val="solid"/>
+          <a:miter lim="800000"/>
+        </a:ln>
+        <a:ln w="12700" cap="flat" cmpd="sng" algn="ctr">
+          <a:solidFill>
+            <a:schemeClr val="phClr"/>
+          </a:solidFill>
+          <a:prstDash val="solid"/>
+          <a:miter lim="800000"/>
+        </a:ln>
+        <a:ln w="19050" cap="flat" cmpd="sng" algn="ctr">
+          <a:solidFill>
+            <a:schemeClr val="phClr"/>
+          </a:solidFill>
+          <a:prstDash val="solid"/>
+          <a:miter lim="800000"/>
+        </a:ln>
+      </a:lnStyleLst>
+      <a:effectStyleLst>
+        <a:effectStyle>
+          <a:effectLst/>
+        </a:effectStyle>
+        <a:effectStyle>
+          <a:effectLst/>
+        </a:effectStyle>
+        <a:effectStyle>
+          <a:effectLst>
+            <a:outerShdw blurRad="57150" dist="19050" dir="5400000" algn="ctr" rotWithShape="0">
+              <a:srgbClr val="000000">
+                <a:alpha val="63000"/>
+              </a:srgbClr>
+            </a:outerShdw>
+          </a:effectLst>
+        </a:effectStyle>
+      </a:effectStyleLst>
+      <a:bgFillStyleLst>
+        <a:solidFill>
+          <a:schemeClr val="phClr"/>
+        </a:solidFill>
+        <a:solidFill>
+          <a:schemeClr val="phClr">
+            <a:tint val="95000"/>
+            <a:satMod val="170000"/>
+          </a:schemeClr>
+        </a:solidFill>
+        <a:gradFill rotWithShape="1">
+          <a:gsLst>
+            <a:gs pos="0">
+              <a:schemeClr val="phClr">
+                <a:tint val="93000"/>
+                <a:satMod val="150000"/>
+                <a:shade val="98000"/>
+                <a:lumMod val="102000"/>
+              </a:schemeClr>
+            </a:gs>
+            <a:gs pos="50000">
+              <a:schemeClr val="phClr">
+                <a:tint val="98000"/>
+                <a:satMod val="130000"/>
+                <a:shade val="90000"/>
+                <a:lumMod val="103000"/>
+              </a:schemeClr>
+            </a:gs>
+            <a:gs pos="100000">
+              <a:schemeClr val="phClr">
+                <a:shade val="63000"/>
+                <a:satMod val="120000"/>
+              </a:schemeClr>
+            </a:gs>
+          </a:gsLst>
+          <a:lin ang="5400000" scaled="0"/>
+        </a:gradFill>
+      </a:bgFillStyleLst>
+    </a:fmtScheme>
+  </a:themeElements>
+  <a:objectDefaults/>
+  <a:extraClrSchemeLst/>
+  <a:extLst>
+    <a:ext uri="{05A4C25C-085E-4340-85A3-A5531E510DB2}">
+      <thm15:themeFamily xmlns:thm15="http://schemas.microsoft.com/office/thememl/2012/main" name="Office Theme" id="{62F939B6-93AF-4DB8-9C6B-D6C7DFDC589F}" vid="{4A3C46E8-61CC-4603-A589-7422A47A8E4A}"/>
+    </a:ext>
+  </a:extLst>
+</a:theme>
 </file>